--- a/Fase 1/Evidencias Grupales/Presentación Capstone.pptx
+++ b/Fase 1/Evidencias Grupales/Presentación Capstone.pptx
@@ -7,6 +7,12 @@
   <p:sldIdLst>
     <p:sldId id="256" r:id="rId5"/>
     <p:sldId id="257" r:id="rId6"/>
+    <p:sldId id="259" r:id="rId7"/>
+    <p:sldId id="260" r:id="rId8"/>
+    <p:sldId id="261" r:id="rId9"/>
+    <p:sldId id="258" r:id="rId10"/>
+    <p:sldId id="262" r:id="rId11"/>
+    <p:sldId id="263" r:id="rId12"/>
   </p:sldIdLst>
   <p:sldSz cx="12192000" cy="6858000"/>
   <p:notesSz cx="6858000" cy="9144000"/>
@@ -5798,26 +5804,17 @@
           <a:p>
             <a:r>
               <a:rPr lang="es-CL" b="1" i="0" dirty="0">
-                <a:solidFill>
-                  <a:srgbClr val="CAE8FF"/>
-                </a:solidFill>
                 <a:effectLst/>
               </a:rPr>
               <a:t>Proyecto de título</a:t>
             </a:r>
             <a:br>
               <a:rPr lang="es-CL" b="1" i="0" dirty="0">
-                <a:solidFill>
-                  <a:srgbClr val="CAE8FF"/>
-                </a:solidFill>
                 <a:effectLst/>
               </a:rPr>
             </a:br>
             <a:r>
               <a:rPr lang="es-CL" b="1" i="0" dirty="0">
-                <a:solidFill>
-                  <a:srgbClr val="CAE8FF"/>
-                </a:solidFill>
                 <a:effectLst/>
               </a:rPr>
               <a:t>Gestión Integral de faenas</a:t>
@@ -5923,7 +5920,7 @@
           <a:lstStyle/>
           <a:p>
             <a:r>
-              <a:rPr lang="es-CL" dirty="0"/>
+              <a:rPr lang="es-CL" b="1" dirty="0"/>
               <a:t>Tabla de contenido</a:t>
             </a:r>
           </a:p>
@@ -6171,6 +6168,2170 @@
     <p:extLst>
       <p:ext uri="{BB962C8B-B14F-4D97-AF65-F5344CB8AC3E}">
         <p14:creationId xmlns:p14="http://schemas.microsoft.com/office/powerpoint/2010/main" val="2700844404"/>
+      </p:ext>
+    </p:extLst>
+  </p:cSld>
+  <p:clrMapOvr>
+    <a:masterClrMapping/>
+  </p:clrMapOvr>
+</p:sld>
+</file>
+
+<file path=ppt/slides/slide3.xml><?xml version="1.0" encoding="utf-8"?>
+<p:sld xmlns:a="http://schemas.openxmlformats.org/drawingml/2006/main" xmlns:r="http://schemas.openxmlformats.org/officeDocument/2006/relationships" xmlns:p="http://schemas.openxmlformats.org/presentationml/2006/main">
+  <p:cSld>
+    <p:bg>
+      <p:bgPr>
+        <a:blipFill>
+          <a:blip r:embed="rId2"/>
+          <a:stretch/>
+        </a:blipFill>
+        <a:effectLst/>
+      </p:bgPr>
+    </p:bg>
+    <p:spTree>
+      <p:nvGrpSpPr>
+        <p:cNvPr id="1" name=""/>
+        <p:cNvGrpSpPr/>
+        <p:nvPr/>
+      </p:nvGrpSpPr>
+      <p:grpSpPr>
+        <a:xfrm>
+          <a:off x="0" y="0"/>
+          <a:ext cx="0" cy="0"/>
+          <a:chOff x="0" y="0"/>
+          <a:chExt cx="0" cy="0"/>
+        </a:xfrm>
+      </p:grpSpPr>
+      <p:pic>
+        <p:nvPicPr>
+          <p:cNvPr id="2055" name="Picture 2054">
+            <a:extLst>
+              <a:ext uri="{FF2B5EF4-FFF2-40B4-BE49-F238E27FC236}">
+                <a16:creationId xmlns:a16="http://schemas.microsoft.com/office/drawing/2014/main" id="{6AF6706C-CF07-43A1-BCC4-CBA5D33820DA}"/>
+              </a:ext>
+              <a:ext uri="{C183D7F6-B498-43B3-948B-1728B52AA6E4}">
+                <adec:decorative xmlns:adec="http://schemas.microsoft.com/office/drawing/2017/decorative" val="1"/>
+              </a:ext>
+            </a:extLst>
+          </p:cNvPr>
+          <p:cNvPicPr>
+            <a:picLocks noGrp="1" noRot="1" noChangeAspect="1" noMove="1" noResize="1" noEditPoints="1" noAdjustHandles="1" noChangeArrowheads="1" noChangeShapeType="1" noCrop="1"/>
+          </p:cNvPicPr>
+          <p:nvPr>
+            <p:extLst>
+              <p:ext uri="{386F3935-93C4-4BCD-93E2-E3B085C9AB24}">
+                <p16:designElem xmlns:p16="http://schemas.microsoft.com/office/powerpoint/2015/main" val="1"/>
+              </p:ext>
+            </p:extLst>
+          </p:nvPr>
+        </p:nvPicPr>
+        <p:blipFill>
+          <a:blip r:embed="rId3">
+            <a:extLst>
+              <a:ext uri="{28A0092B-C50C-407E-A947-70E740481C1C}">
+                <a14:useLocalDpi xmlns:a14="http://schemas.microsoft.com/office/drawing/2010/main" val="0"/>
+              </a:ext>
+            </a:extLst>
+          </a:blip>
+          <a:stretch>
+            <a:fillRect/>
+          </a:stretch>
+        </p:blipFill>
+        <p:spPr>
+          <a:xfrm>
+            <a:off x="0" y="0"/>
+            <a:ext cx="12188825" cy="6856214"/>
+          </a:xfrm>
+          <a:prstGeom prst="rect">
+            <a:avLst/>
+          </a:prstGeom>
+        </p:spPr>
+      </p:pic>
+      <p:sp>
+        <p:nvSpPr>
+          <p:cNvPr id="2" name="Título 1">
+            <a:extLst>
+              <a:ext uri="{FF2B5EF4-FFF2-40B4-BE49-F238E27FC236}">
+                <a16:creationId xmlns:a16="http://schemas.microsoft.com/office/drawing/2014/main" id="{0AFC10AA-EA8C-1CD9-C628-DC640AD188EC}"/>
+              </a:ext>
+            </a:extLst>
+          </p:cNvPr>
+          <p:cNvSpPr>
+            <a:spLocks noGrp="1"/>
+          </p:cNvSpPr>
+          <p:nvPr>
+            <p:ph type="title"/>
+          </p:nvPr>
+        </p:nvSpPr>
+        <p:spPr>
+          <a:xfrm>
+            <a:off x="734904" y="3035319"/>
+            <a:ext cx="4789678" cy="782994"/>
+          </a:xfrm>
+        </p:spPr>
+        <p:txBody>
+          <a:bodyPr vert="horz" lIns="91440" tIns="45720" rIns="91440" bIns="45720" rtlCol="0" anchor="b">
+            <a:normAutofit fontScale="90000"/>
+          </a:bodyPr>
+          <a:lstStyle/>
+          <a:p>
+            <a:pPr algn="ctr"/>
+            <a:r>
+              <a:rPr lang="es-CL" sz="4800" b="1" dirty="0"/>
+              <a:t>contexto</a:t>
+            </a:r>
+          </a:p>
+        </p:txBody>
+      </p:sp>
+      <p:pic>
+        <p:nvPicPr>
+          <p:cNvPr id="2050" name="Picture 2" descr="Sernageomin Informe del estado de faenas mineras en regiones afectadas por  aluviones - SERNAGEOMIN">
+            <a:extLst>
+              <a:ext uri="{FF2B5EF4-FFF2-40B4-BE49-F238E27FC236}">
+                <a16:creationId xmlns:a16="http://schemas.microsoft.com/office/drawing/2014/main" id="{34DEA269-2B61-BA2A-1ACF-15082EB6073B}"/>
+              </a:ext>
+            </a:extLst>
+          </p:cNvPr>
+          <p:cNvPicPr>
+            <a:picLocks noChangeAspect="1" noChangeArrowheads="1"/>
+          </p:cNvPicPr>
+          <p:nvPr/>
+        </p:nvPicPr>
+        <p:blipFill>
+          <a:blip r:embed="rId4">
+            <a:extLst>
+              <a:ext uri="{28A0092B-C50C-407E-A947-70E740481C1C}">
+                <a14:useLocalDpi xmlns:a14="http://schemas.microsoft.com/office/drawing/2010/main" val="0"/>
+              </a:ext>
+            </a:extLst>
+          </a:blip>
+          <a:stretch>
+            <a:fillRect/>
+          </a:stretch>
+        </p:blipFill>
+        <p:spPr bwMode="auto">
+          <a:xfrm>
+            <a:off x="6076606" y="663217"/>
+            <a:ext cx="5471927" cy="5527198"/>
+          </a:xfrm>
+          <a:prstGeom prst="roundRect">
+            <a:avLst>
+              <a:gd name="adj" fmla="val 4380"/>
+            </a:avLst>
+          </a:prstGeom>
+          <a:noFill/>
+          <a:ln w="50800" cap="sq" cmpd="dbl">
+            <a:gradFill flip="none" rotWithShape="1">
+              <a:gsLst>
+                <a:gs pos="0">
+                  <a:srgbClr val="FFFFFF"/>
+                </a:gs>
+                <a:gs pos="100000">
+                  <a:schemeClr val="tx1">
+                    <a:alpha val="0"/>
+                  </a:schemeClr>
+                </a:gs>
+              </a:gsLst>
+              <a:path path="circle">
+                <a:fillToRect l="50000" t="50000" r="50000" b="50000"/>
+              </a:path>
+              <a:tileRect/>
+            </a:gradFill>
+            <a:miter lim="800000"/>
+          </a:ln>
+          <a:effectLst>
+            <a:outerShdw blurRad="254000" algn="tl" rotWithShape="0">
+              <a:srgbClr val="000000">
+                <a:alpha val="43000"/>
+              </a:srgbClr>
+            </a:outerShdw>
+          </a:effectLst>
+          <a:extLst>
+            <a:ext uri="{909E8E84-426E-40DD-AFC4-6F175D3DCCD1}">
+              <a14:hiddenFill xmlns:a14="http://schemas.microsoft.com/office/drawing/2010/main">
+                <a:solidFill>
+                  <a:srgbClr val="FFFFFF"/>
+                </a:solidFill>
+              </a14:hiddenFill>
+            </a:ext>
+          </a:extLst>
+        </p:spPr>
+      </p:pic>
+    </p:spTree>
+    <p:extLst>
+      <p:ext uri="{BB962C8B-B14F-4D97-AF65-F5344CB8AC3E}">
+        <p14:creationId xmlns:p14="http://schemas.microsoft.com/office/powerpoint/2010/main" val="3951047346"/>
+      </p:ext>
+    </p:extLst>
+  </p:cSld>
+  <p:clrMapOvr>
+    <a:masterClrMapping/>
+  </p:clrMapOvr>
+</p:sld>
+</file>
+
+<file path=ppt/slides/slide4.xml><?xml version="1.0" encoding="utf-8"?>
+<p:sld xmlns:a="http://schemas.openxmlformats.org/drawingml/2006/main" xmlns:r="http://schemas.openxmlformats.org/officeDocument/2006/relationships" xmlns:p="http://schemas.openxmlformats.org/presentationml/2006/main">
+  <p:cSld>
+    <p:bg>
+      <p:bgPr>
+        <a:blipFill>
+          <a:blip r:embed="rId2"/>
+          <a:stretch/>
+        </a:blipFill>
+        <a:effectLst/>
+      </p:bgPr>
+    </p:bg>
+    <p:spTree>
+      <p:nvGrpSpPr>
+        <p:cNvPr id="1" name=""/>
+        <p:cNvGrpSpPr/>
+        <p:nvPr/>
+      </p:nvGrpSpPr>
+      <p:grpSpPr>
+        <a:xfrm>
+          <a:off x="0" y="0"/>
+          <a:ext cx="0" cy="0"/>
+          <a:chOff x="0" y="0"/>
+          <a:chExt cx="0" cy="0"/>
+        </a:xfrm>
+      </p:grpSpPr>
+      <p:pic>
+        <p:nvPicPr>
+          <p:cNvPr id="12" name="Picture 11">
+            <a:extLst>
+              <a:ext uri="{FF2B5EF4-FFF2-40B4-BE49-F238E27FC236}">
+                <a16:creationId xmlns:a16="http://schemas.microsoft.com/office/drawing/2014/main" id="{6AF6706C-CF07-43A1-BCC4-CBA5D33820DA}"/>
+              </a:ext>
+              <a:ext uri="{C183D7F6-B498-43B3-948B-1728B52AA6E4}">
+                <adec:decorative xmlns:adec="http://schemas.microsoft.com/office/drawing/2017/decorative" val="1"/>
+              </a:ext>
+            </a:extLst>
+          </p:cNvPr>
+          <p:cNvPicPr>
+            <a:picLocks noGrp="1" noRot="1" noChangeAspect="1" noMove="1" noResize="1" noEditPoints="1" noAdjustHandles="1" noChangeArrowheads="1" noChangeShapeType="1" noCrop="1"/>
+          </p:cNvPicPr>
+          <p:nvPr>
+            <p:extLst>
+              <p:ext uri="{386F3935-93C4-4BCD-93E2-E3B085C9AB24}">
+                <p16:designElem xmlns:p16="http://schemas.microsoft.com/office/powerpoint/2015/main" val="1"/>
+              </p:ext>
+            </p:extLst>
+          </p:nvPr>
+        </p:nvPicPr>
+        <p:blipFill>
+          <a:blip r:embed="rId3">
+            <a:extLst>
+              <a:ext uri="{28A0092B-C50C-407E-A947-70E740481C1C}">
+                <a14:useLocalDpi xmlns:a14="http://schemas.microsoft.com/office/drawing/2010/main" val="0"/>
+              </a:ext>
+            </a:extLst>
+          </a:blip>
+          <a:stretch>
+            <a:fillRect/>
+          </a:stretch>
+        </p:blipFill>
+        <p:spPr>
+          <a:xfrm>
+            <a:off x="0" y="0"/>
+            <a:ext cx="12188825" cy="6856214"/>
+          </a:xfrm>
+          <a:prstGeom prst="rect">
+            <a:avLst/>
+          </a:prstGeom>
+        </p:spPr>
+      </p:pic>
+      <p:sp>
+        <p:nvSpPr>
+          <p:cNvPr id="2" name="Título 1">
+            <a:extLst>
+              <a:ext uri="{FF2B5EF4-FFF2-40B4-BE49-F238E27FC236}">
+                <a16:creationId xmlns:a16="http://schemas.microsoft.com/office/drawing/2014/main" id="{B30C2107-B811-C0C1-9699-739A6D689DD5}"/>
+              </a:ext>
+            </a:extLst>
+          </p:cNvPr>
+          <p:cNvSpPr>
+            <a:spLocks noGrp="1"/>
+          </p:cNvSpPr>
+          <p:nvPr>
+            <p:ph type="title"/>
+          </p:nvPr>
+        </p:nvSpPr>
+        <p:spPr>
+          <a:xfrm>
+            <a:off x="8080399" y="2949741"/>
+            <a:ext cx="3352256" cy="956731"/>
+          </a:xfrm>
+        </p:spPr>
+        <p:txBody>
+          <a:bodyPr vert="horz" lIns="91440" tIns="45720" rIns="91440" bIns="45720" rtlCol="0" anchor="b">
+            <a:normAutofit/>
+          </a:bodyPr>
+          <a:lstStyle/>
+          <a:p>
+            <a:pPr algn="ctr"/>
+            <a:r>
+              <a:rPr lang="es-CL" sz="4800" b="1" dirty="0"/>
+              <a:t>problema</a:t>
+            </a:r>
+          </a:p>
+        </p:txBody>
+      </p:sp>
+      <p:pic>
+        <p:nvPicPr>
+          <p:cNvPr id="7" name="Imagen 6" descr="Imagen que contiene persona, interior, hombre, gente&#10;&#10;Descripción generada automáticamente">
+            <a:extLst>
+              <a:ext uri="{FF2B5EF4-FFF2-40B4-BE49-F238E27FC236}">
+                <a16:creationId xmlns:a16="http://schemas.microsoft.com/office/drawing/2014/main" id="{85DE7169-2D0C-2684-029D-B1C33CB093E2}"/>
+              </a:ext>
+            </a:extLst>
+          </p:cNvPr>
+          <p:cNvPicPr>
+            <a:picLocks noChangeAspect="1"/>
+          </p:cNvPicPr>
+          <p:nvPr/>
+        </p:nvPicPr>
+        <p:blipFill>
+          <a:blip r:embed="rId4"/>
+          <a:stretch>
+            <a:fillRect/>
+          </a:stretch>
+        </p:blipFill>
+        <p:spPr>
+          <a:xfrm>
+            <a:off x="1298132" y="639098"/>
+            <a:ext cx="5584720" cy="5584720"/>
+          </a:xfrm>
+          <a:prstGeom prst="roundRect">
+            <a:avLst>
+              <a:gd name="adj" fmla="val 4380"/>
+            </a:avLst>
+          </a:prstGeom>
+          <a:ln w="50800" cap="sq" cmpd="dbl">
+            <a:gradFill flip="none" rotWithShape="1">
+              <a:gsLst>
+                <a:gs pos="0">
+                  <a:srgbClr val="FFFFFF"/>
+                </a:gs>
+                <a:gs pos="100000">
+                  <a:schemeClr val="tx1">
+                    <a:alpha val="0"/>
+                  </a:schemeClr>
+                </a:gs>
+              </a:gsLst>
+              <a:path path="circle">
+                <a:fillToRect l="50000" t="50000" r="50000" b="50000"/>
+              </a:path>
+              <a:tileRect/>
+            </a:gradFill>
+            <a:miter lim="800000"/>
+          </a:ln>
+          <a:effectLst>
+            <a:outerShdw blurRad="254000" algn="tl" rotWithShape="0">
+              <a:srgbClr val="000000">
+                <a:alpha val="43000"/>
+              </a:srgbClr>
+            </a:outerShdw>
+          </a:effectLst>
+        </p:spPr>
+      </p:pic>
+    </p:spTree>
+    <p:extLst>
+      <p:ext uri="{BB962C8B-B14F-4D97-AF65-F5344CB8AC3E}">
+        <p14:creationId xmlns:p14="http://schemas.microsoft.com/office/powerpoint/2010/main" val="1472751212"/>
+      </p:ext>
+    </p:extLst>
+  </p:cSld>
+  <p:clrMapOvr>
+    <a:masterClrMapping/>
+  </p:clrMapOvr>
+</p:sld>
+</file>
+
+<file path=ppt/slides/slide5.xml><?xml version="1.0" encoding="utf-8"?>
+<p:sld xmlns:a="http://schemas.openxmlformats.org/drawingml/2006/main" xmlns:r="http://schemas.openxmlformats.org/officeDocument/2006/relationships" xmlns:p="http://schemas.openxmlformats.org/presentationml/2006/main">
+  <p:cSld>
+    <p:bg>
+      <p:bgPr>
+        <a:blipFill>
+          <a:blip r:embed="rId2"/>
+          <a:stretch/>
+        </a:blipFill>
+        <a:effectLst/>
+      </p:bgPr>
+    </p:bg>
+    <p:spTree>
+      <p:nvGrpSpPr>
+        <p:cNvPr id="1" name=""/>
+        <p:cNvGrpSpPr/>
+        <p:nvPr/>
+      </p:nvGrpSpPr>
+      <p:grpSpPr>
+        <a:xfrm>
+          <a:off x="0" y="0"/>
+          <a:ext cx="0" cy="0"/>
+          <a:chOff x="0" y="0"/>
+          <a:chExt cx="0" cy="0"/>
+        </a:xfrm>
+      </p:grpSpPr>
+      <p:pic>
+        <p:nvPicPr>
+          <p:cNvPr id="4105" name="Picture 4104">
+            <a:extLst>
+              <a:ext uri="{FF2B5EF4-FFF2-40B4-BE49-F238E27FC236}">
+                <a16:creationId xmlns:a16="http://schemas.microsoft.com/office/drawing/2014/main" id="{6AF6706C-CF07-43A1-BCC4-CBA5D33820DA}"/>
+              </a:ext>
+              <a:ext uri="{C183D7F6-B498-43B3-948B-1728B52AA6E4}">
+                <adec:decorative xmlns:adec="http://schemas.microsoft.com/office/drawing/2017/decorative" val="1"/>
+              </a:ext>
+            </a:extLst>
+          </p:cNvPr>
+          <p:cNvPicPr>
+            <a:picLocks noGrp="1" noRot="1" noChangeAspect="1" noMove="1" noResize="1" noEditPoints="1" noAdjustHandles="1" noChangeArrowheads="1" noChangeShapeType="1" noCrop="1"/>
+          </p:cNvPicPr>
+          <p:nvPr>
+            <p:extLst>
+              <p:ext uri="{386F3935-93C4-4BCD-93E2-E3B085C9AB24}">
+                <p16:designElem xmlns:p16="http://schemas.microsoft.com/office/powerpoint/2015/main" val="1"/>
+              </p:ext>
+            </p:extLst>
+          </p:nvPr>
+        </p:nvPicPr>
+        <p:blipFill>
+          <a:blip r:embed="rId3">
+            <a:extLst>
+              <a:ext uri="{28A0092B-C50C-407E-A947-70E740481C1C}">
+                <a14:useLocalDpi xmlns:a14="http://schemas.microsoft.com/office/drawing/2010/main" val="0"/>
+              </a:ext>
+            </a:extLst>
+          </a:blip>
+          <a:stretch>
+            <a:fillRect/>
+          </a:stretch>
+        </p:blipFill>
+        <p:spPr>
+          <a:xfrm>
+            <a:off x="0" y="0"/>
+            <a:ext cx="12188825" cy="6856214"/>
+          </a:xfrm>
+          <a:prstGeom prst="rect">
+            <a:avLst/>
+          </a:prstGeom>
+        </p:spPr>
+      </p:pic>
+      <p:sp>
+        <p:nvSpPr>
+          <p:cNvPr id="2" name="Título 1">
+            <a:extLst>
+              <a:ext uri="{FF2B5EF4-FFF2-40B4-BE49-F238E27FC236}">
+                <a16:creationId xmlns:a16="http://schemas.microsoft.com/office/drawing/2014/main" id="{1DA057EB-3E9C-5232-642A-FE01050F1D96}"/>
+              </a:ext>
+            </a:extLst>
+          </p:cNvPr>
+          <p:cNvSpPr>
+            <a:spLocks noGrp="1"/>
+          </p:cNvSpPr>
+          <p:nvPr>
+            <p:ph type="title"/>
+          </p:nvPr>
+        </p:nvSpPr>
+        <p:spPr>
+          <a:xfrm>
+            <a:off x="646636" y="3150416"/>
+            <a:ext cx="4789678" cy="737275"/>
+          </a:xfrm>
+        </p:spPr>
+        <p:txBody>
+          <a:bodyPr vert="horz" lIns="91440" tIns="45720" rIns="91440" bIns="45720" rtlCol="0" anchor="b">
+            <a:normAutofit fontScale="90000"/>
+          </a:bodyPr>
+          <a:lstStyle/>
+          <a:p>
+            <a:pPr algn="ctr"/>
+            <a:r>
+              <a:rPr lang="es-CL" sz="4800" b="1" dirty="0"/>
+              <a:t>solución</a:t>
+            </a:r>
+          </a:p>
+        </p:txBody>
+      </p:sp>
+      <p:pic>
+        <p:nvPicPr>
+          <p:cNvPr id="4100" name="Picture 4" descr="Reloj Control con Tecnología de Reconocimiento Facial – Mundo Sistemas">
+            <a:extLst>
+              <a:ext uri="{FF2B5EF4-FFF2-40B4-BE49-F238E27FC236}">
+                <a16:creationId xmlns:a16="http://schemas.microsoft.com/office/drawing/2014/main" id="{B88DA484-280C-614B-239F-0657043AB8E2}"/>
+              </a:ext>
+            </a:extLst>
+          </p:cNvPr>
+          <p:cNvPicPr>
+            <a:picLocks noChangeAspect="1" noChangeArrowheads="1"/>
+          </p:cNvPicPr>
+          <p:nvPr/>
+        </p:nvPicPr>
+        <p:blipFill>
+          <a:blip r:embed="rId4">
+            <a:extLst>
+              <a:ext uri="{28A0092B-C50C-407E-A947-70E740481C1C}">
+                <a14:useLocalDpi xmlns:a14="http://schemas.microsoft.com/office/drawing/2010/main" val="0"/>
+              </a:ext>
+            </a:extLst>
+          </a:blip>
+          <a:stretch>
+            <a:fillRect/>
+          </a:stretch>
+        </p:blipFill>
+        <p:spPr bwMode="auto">
+          <a:xfrm>
+            <a:off x="6076606" y="1487055"/>
+            <a:ext cx="5471927" cy="4063999"/>
+          </a:xfrm>
+          <a:prstGeom prst="roundRect">
+            <a:avLst>
+              <a:gd name="adj" fmla="val 4380"/>
+            </a:avLst>
+          </a:prstGeom>
+          <a:noFill/>
+          <a:ln w="50800" cap="sq" cmpd="dbl">
+            <a:gradFill flip="none" rotWithShape="1">
+              <a:gsLst>
+                <a:gs pos="0">
+                  <a:srgbClr val="FFFFFF"/>
+                </a:gs>
+                <a:gs pos="100000">
+                  <a:schemeClr val="tx1">
+                    <a:alpha val="0"/>
+                  </a:schemeClr>
+                </a:gs>
+              </a:gsLst>
+              <a:path path="circle">
+                <a:fillToRect l="50000" t="50000" r="50000" b="50000"/>
+              </a:path>
+              <a:tileRect/>
+            </a:gradFill>
+            <a:miter lim="800000"/>
+          </a:ln>
+          <a:effectLst>
+            <a:outerShdw blurRad="254000" algn="tl" rotWithShape="0">
+              <a:srgbClr val="000000">
+                <a:alpha val="43000"/>
+              </a:srgbClr>
+            </a:outerShdw>
+          </a:effectLst>
+          <a:extLst>
+            <a:ext uri="{909E8E84-426E-40DD-AFC4-6F175D3DCCD1}">
+              <a14:hiddenFill xmlns:a14="http://schemas.microsoft.com/office/drawing/2010/main">
+                <a:solidFill>
+                  <a:srgbClr val="FFFFFF"/>
+                </a:solidFill>
+              </a14:hiddenFill>
+            </a:ext>
+          </a:extLst>
+        </p:spPr>
+      </p:pic>
+    </p:spTree>
+    <p:extLst>
+      <p:ext uri="{BB962C8B-B14F-4D97-AF65-F5344CB8AC3E}">
+        <p14:creationId xmlns:p14="http://schemas.microsoft.com/office/powerpoint/2010/main" val="1795022655"/>
+      </p:ext>
+    </p:extLst>
+  </p:cSld>
+  <p:clrMapOvr>
+    <a:masterClrMapping/>
+  </p:clrMapOvr>
+</p:sld>
+</file>
+
+<file path=ppt/slides/slide6.xml><?xml version="1.0" encoding="utf-8"?>
+<p:sld xmlns:a="http://schemas.openxmlformats.org/drawingml/2006/main" xmlns:r="http://schemas.openxmlformats.org/officeDocument/2006/relationships" xmlns:p="http://schemas.openxmlformats.org/presentationml/2006/main">
+  <p:cSld>
+    <p:bg>
+      <p:bgPr>
+        <a:blipFill>
+          <a:blip r:embed="rId2"/>
+          <a:stretch/>
+        </a:blipFill>
+        <a:effectLst/>
+      </p:bgPr>
+    </p:bg>
+    <p:spTree>
+      <p:nvGrpSpPr>
+        <p:cNvPr id="1" name=""/>
+        <p:cNvGrpSpPr/>
+        <p:nvPr/>
+      </p:nvGrpSpPr>
+      <p:grpSpPr>
+        <a:xfrm>
+          <a:off x="0" y="0"/>
+          <a:ext cx="0" cy="0"/>
+          <a:chOff x="0" y="0"/>
+          <a:chExt cx="0" cy="0"/>
+        </a:xfrm>
+      </p:grpSpPr>
+      <p:pic>
+        <p:nvPicPr>
+          <p:cNvPr id="12" name="Picture 11">
+            <a:extLst>
+              <a:ext uri="{FF2B5EF4-FFF2-40B4-BE49-F238E27FC236}">
+                <a16:creationId xmlns:a16="http://schemas.microsoft.com/office/drawing/2014/main" id="{6AF6706C-CF07-43A1-BCC4-CBA5D33820DA}"/>
+              </a:ext>
+              <a:ext uri="{C183D7F6-B498-43B3-948B-1728B52AA6E4}">
+                <adec:decorative xmlns:adec="http://schemas.microsoft.com/office/drawing/2017/decorative" val="1"/>
+              </a:ext>
+            </a:extLst>
+          </p:cNvPr>
+          <p:cNvPicPr>
+            <a:picLocks noGrp="1" noRot="1" noChangeAspect="1" noMove="1" noResize="1" noEditPoints="1" noAdjustHandles="1" noChangeArrowheads="1" noChangeShapeType="1" noCrop="1"/>
+          </p:cNvPicPr>
+          <p:nvPr>
+            <p:extLst>
+              <p:ext uri="{386F3935-93C4-4BCD-93E2-E3B085C9AB24}">
+                <p16:designElem xmlns:p16="http://schemas.microsoft.com/office/powerpoint/2015/main" val="1"/>
+              </p:ext>
+            </p:extLst>
+          </p:nvPr>
+        </p:nvPicPr>
+        <p:blipFill>
+          <a:blip r:embed="rId3">
+            <a:extLst>
+              <a:ext uri="{28A0092B-C50C-407E-A947-70E740481C1C}">
+                <a14:useLocalDpi xmlns:a14="http://schemas.microsoft.com/office/drawing/2010/main" val="0"/>
+              </a:ext>
+            </a:extLst>
+          </a:blip>
+          <a:stretch>
+            <a:fillRect/>
+          </a:stretch>
+        </p:blipFill>
+        <p:spPr>
+          <a:xfrm>
+            <a:off x="0" y="0"/>
+            <a:ext cx="12188825" cy="6856214"/>
+          </a:xfrm>
+          <a:prstGeom prst="rect">
+            <a:avLst/>
+          </a:prstGeom>
+        </p:spPr>
+      </p:pic>
+      <p:sp>
+        <p:nvSpPr>
+          <p:cNvPr id="2" name="Título 1">
+            <a:extLst>
+              <a:ext uri="{FF2B5EF4-FFF2-40B4-BE49-F238E27FC236}">
+                <a16:creationId xmlns:a16="http://schemas.microsoft.com/office/drawing/2014/main" id="{7909FBF7-2005-80DE-62BB-326721DE54F4}"/>
+              </a:ext>
+            </a:extLst>
+          </p:cNvPr>
+          <p:cNvSpPr>
+            <a:spLocks noGrp="1"/>
+          </p:cNvSpPr>
+          <p:nvPr>
+            <p:ph type="title"/>
+          </p:nvPr>
+        </p:nvSpPr>
+        <p:spPr>
+          <a:xfrm>
+            <a:off x="6446441" y="4492413"/>
+            <a:ext cx="3387725" cy="931341"/>
+          </a:xfrm>
+        </p:spPr>
+        <p:txBody>
+          <a:bodyPr vert="horz" lIns="91440" tIns="45720" rIns="91440" bIns="45720" rtlCol="0" anchor="b">
+            <a:normAutofit/>
+          </a:bodyPr>
+          <a:lstStyle/>
+          <a:p>
+            <a:pPr algn="r"/>
+            <a:r>
+              <a:rPr lang="es-CL" sz="4000" b="1" dirty="0"/>
+              <a:t>Metodología</a:t>
+            </a:r>
+            <a:r>
+              <a:rPr lang="en-US" sz="4000" b="1" dirty="0"/>
+              <a:t> </a:t>
+            </a:r>
+          </a:p>
+        </p:txBody>
+      </p:sp>
+      <p:pic>
+        <p:nvPicPr>
+          <p:cNvPr id="7" name="Imagen 6" descr="Diagrama&#10;&#10;Descripción generada automáticamente">
+            <a:extLst>
+              <a:ext uri="{FF2B5EF4-FFF2-40B4-BE49-F238E27FC236}">
+                <a16:creationId xmlns:a16="http://schemas.microsoft.com/office/drawing/2014/main" id="{D7D54CC9-517C-43AF-949A-923641F3D3C8}"/>
+              </a:ext>
+            </a:extLst>
+          </p:cNvPr>
+          <p:cNvPicPr>
+            <a:picLocks noChangeAspect="1"/>
+          </p:cNvPicPr>
+          <p:nvPr/>
+        </p:nvPicPr>
+        <p:blipFill>
+          <a:blip r:embed="rId4"/>
+          <a:stretch>
+            <a:fillRect/>
+          </a:stretch>
+        </p:blipFill>
+        <p:spPr>
+          <a:xfrm>
+            <a:off x="2357834" y="645517"/>
+            <a:ext cx="7476332" cy="3738166"/>
+          </a:xfrm>
+          <a:prstGeom prst="roundRect">
+            <a:avLst>
+              <a:gd name="adj" fmla="val 4380"/>
+            </a:avLst>
+          </a:prstGeom>
+          <a:ln w="50800" cap="sq" cmpd="dbl">
+            <a:gradFill flip="none" rotWithShape="1">
+              <a:gsLst>
+                <a:gs pos="0">
+                  <a:srgbClr val="FFFFFF"/>
+                </a:gs>
+                <a:gs pos="100000">
+                  <a:schemeClr val="tx1">
+                    <a:alpha val="0"/>
+                  </a:schemeClr>
+                </a:gs>
+              </a:gsLst>
+              <a:path path="circle">
+                <a:fillToRect l="50000" t="50000" r="50000" b="50000"/>
+              </a:path>
+              <a:tileRect/>
+            </a:gradFill>
+            <a:miter lim="800000"/>
+          </a:ln>
+          <a:effectLst>
+            <a:outerShdw blurRad="254000" algn="tl" rotWithShape="0">
+              <a:srgbClr val="000000">
+                <a:alpha val="43000"/>
+              </a:srgbClr>
+            </a:outerShdw>
+          </a:effectLst>
+        </p:spPr>
+      </p:pic>
+    </p:spTree>
+    <p:extLst>
+      <p:ext uri="{BB962C8B-B14F-4D97-AF65-F5344CB8AC3E}">
+        <p14:creationId xmlns:p14="http://schemas.microsoft.com/office/powerpoint/2010/main" val="2150304458"/>
+      </p:ext>
+    </p:extLst>
+  </p:cSld>
+  <p:clrMapOvr>
+    <a:masterClrMapping/>
+  </p:clrMapOvr>
+</p:sld>
+</file>
+
+<file path=ppt/slides/slide7.xml><?xml version="1.0" encoding="utf-8"?>
+<p:sld xmlns:a="http://schemas.openxmlformats.org/drawingml/2006/main" xmlns:r="http://schemas.openxmlformats.org/officeDocument/2006/relationships" xmlns:p="http://schemas.openxmlformats.org/presentationml/2006/main">
+  <p:cSld>
+    <p:bg>
+      <p:bgPr>
+        <a:blipFill>
+          <a:blip r:embed="rId2"/>
+          <a:stretch/>
+        </a:blipFill>
+        <a:effectLst/>
+      </p:bgPr>
+    </p:bg>
+    <p:spTree>
+      <p:nvGrpSpPr>
+        <p:cNvPr id="1" name=""/>
+        <p:cNvGrpSpPr/>
+        <p:nvPr/>
+      </p:nvGrpSpPr>
+      <p:grpSpPr>
+        <a:xfrm>
+          <a:off x="0" y="0"/>
+          <a:ext cx="0" cy="0"/>
+          <a:chOff x="0" y="0"/>
+          <a:chExt cx="0" cy="0"/>
+        </a:xfrm>
+      </p:grpSpPr>
+      <p:pic>
+        <p:nvPicPr>
+          <p:cNvPr id="5218" name="Picture 5217">
+            <a:extLst>
+              <a:ext uri="{FF2B5EF4-FFF2-40B4-BE49-F238E27FC236}">
+                <a16:creationId xmlns:a16="http://schemas.microsoft.com/office/drawing/2014/main" id="{5199221F-6662-4B53-A219-D9116A81E677}"/>
+              </a:ext>
+              <a:ext uri="{C183D7F6-B498-43B3-948B-1728B52AA6E4}">
+                <adec:decorative xmlns:adec="http://schemas.microsoft.com/office/drawing/2017/decorative" val="1"/>
+              </a:ext>
+            </a:extLst>
+          </p:cNvPr>
+          <p:cNvPicPr>
+            <a:picLocks noGrp="1" noRot="1" noChangeAspect="1" noMove="1" noResize="1" noEditPoints="1" noAdjustHandles="1" noChangeArrowheads="1" noChangeShapeType="1" noCrop="1"/>
+          </p:cNvPicPr>
+          <p:nvPr>
+            <p:extLst>
+              <p:ext uri="{386F3935-93C4-4BCD-93E2-E3B085C9AB24}">
+                <p16:designElem xmlns:p16="http://schemas.microsoft.com/office/powerpoint/2015/main" val="1"/>
+              </p:ext>
+            </p:extLst>
+          </p:nvPr>
+        </p:nvPicPr>
+        <p:blipFill>
+          <a:blip r:embed="rId3">
+            <a:extLst>
+              <a:ext uri="{28A0092B-C50C-407E-A947-70E740481C1C}">
+                <a14:useLocalDpi xmlns:a14="http://schemas.microsoft.com/office/drawing/2010/main" val="0"/>
+              </a:ext>
+            </a:extLst>
+          </a:blip>
+          <a:stretch>
+            <a:fillRect/>
+          </a:stretch>
+        </p:blipFill>
+        <p:spPr>
+          <a:xfrm>
+            <a:off x="0" y="0"/>
+            <a:ext cx="12188825" cy="6856214"/>
+          </a:xfrm>
+          <a:prstGeom prst="rect">
+            <a:avLst/>
+          </a:prstGeom>
+        </p:spPr>
+      </p:pic>
+      <p:sp>
+        <p:nvSpPr>
+          <p:cNvPr id="2" name="Título 1">
+            <a:extLst>
+              <a:ext uri="{FF2B5EF4-FFF2-40B4-BE49-F238E27FC236}">
+                <a16:creationId xmlns:a16="http://schemas.microsoft.com/office/drawing/2014/main" id="{4DBD3251-484C-FAE0-FE52-0B9382EE1CF7}"/>
+              </a:ext>
+            </a:extLst>
+          </p:cNvPr>
+          <p:cNvSpPr>
+            <a:spLocks noGrp="1"/>
+          </p:cNvSpPr>
+          <p:nvPr>
+            <p:ph type="title"/>
+          </p:nvPr>
+        </p:nvSpPr>
+        <p:spPr>
+          <a:xfrm>
+            <a:off x="1125199" y="177839"/>
+            <a:ext cx="10127192" cy="931340"/>
+          </a:xfrm>
+        </p:spPr>
+        <p:txBody>
+          <a:bodyPr vert="horz" lIns="91440" tIns="45720" rIns="91440" bIns="45720" rtlCol="0" anchor="b">
+            <a:normAutofit/>
+          </a:bodyPr>
+          <a:lstStyle/>
+          <a:p>
+            <a:pPr algn="ctr"/>
+            <a:r>
+              <a:rPr lang="en-US" sz="4000" b="1" dirty="0"/>
+              <a:t>roles</a:t>
+            </a:r>
+          </a:p>
+        </p:txBody>
+      </p:sp>
+      <p:pic>
+        <p:nvPicPr>
+          <p:cNvPr id="5122" name="Picture 2" descr="Icono de usuario de hombre en traje de negocios | Vector Premium">
+            <a:extLst>
+              <a:ext uri="{FF2B5EF4-FFF2-40B4-BE49-F238E27FC236}">
+                <a16:creationId xmlns:a16="http://schemas.microsoft.com/office/drawing/2014/main" id="{F096B8C7-8DBE-D157-A9BC-89277E84DC8E}"/>
+              </a:ext>
+            </a:extLst>
+          </p:cNvPr>
+          <p:cNvPicPr>
+            <a:picLocks noChangeAspect="1" noChangeArrowheads="1"/>
+          </p:cNvPicPr>
+          <p:nvPr/>
+        </p:nvPicPr>
+        <p:blipFill>
+          <a:blip r:embed="rId4">
+            <a:extLst>
+              <a:ext uri="{28A0092B-C50C-407E-A947-70E740481C1C}">
+                <a14:useLocalDpi xmlns:a14="http://schemas.microsoft.com/office/drawing/2010/main" val="0"/>
+              </a:ext>
+            </a:extLst>
+          </a:blip>
+          <a:stretch>
+            <a:fillRect/>
+          </a:stretch>
+        </p:blipFill>
+        <p:spPr bwMode="auto">
+          <a:xfrm>
+            <a:off x="922867" y="1287018"/>
+            <a:ext cx="2455164" cy="2455164"/>
+          </a:xfrm>
+          <a:prstGeom prst="roundRect">
+            <a:avLst>
+              <a:gd name="adj" fmla="val 4380"/>
+            </a:avLst>
+          </a:prstGeom>
+          <a:noFill/>
+          <a:ln w="50800" cap="sq" cmpd="dbl">
+            <a:gradFill flip="none" rotWithShape="1">
+              <a:gsLst>
+                <a:gs pos="0">
+                  <a:srgbClr val="FFFFFF"/>
+                </a:gs>
+                <a:gs pos="100000">
+                  <a:schemeClr val="tx1">
+                    <a:alpha val="0"/>
+                  </a:schemeClr>
+                </a:gs>
+              </a:gsLst>
+              <a:path path="circle">
+                <a:fillToRect l="50000" t="50000" r="50000" b="50000"/>
+              </a:path>
+              <a:tileRect/>
+            </a:gradFill>
+            <a:miter lim="800000"/>
+          </a:ln>
+          <a:effectLst>
+            <a:outerShdw blurRad="254000" algn="tl" rotWithShape="0">
+              <a:srgbClr val="000000">
+                <a:alpha val="43000"/>
+              </a:srgbClr>
+            </a:outerShdw>
+          </a:effectLst>
+          <a:extLst>
+            <a:ext uri="{909E8E84-426E-40DD-AFC4-6F175D3DCCD1}">
+              <a14:hiddenFill xmlns:a14="http://schemas.microsoft.com/office/drawing/2010/main">
+                <a:solidFill>
+                  <a:srgbClr val="FFFFFF"/>
+                </a:solidFill>
+              </a14:hiddenFill>
+            </a:ext>
+          </a:extLst>
+        </p:spPr>
+      </p:pic>
+      <p:pic>
+        <p:nvPicPr>
+          <p:cNvPr id="4" name="Picture 2" descr="Icono de usuario de hombre en traje de negocios | Vector Premium">
+            <a:extLst>
+              <a:ext uri="{FF2B5EF4-FFF2-40B4-BE49-F238E27FC236}">
+                <a16:creationId xmlns:a16="http://schemas.microsoft.com/office/drawing/2014/main" id="{10F9B311-EFD6-EA43-E9E4-578F179D0514}"/>
+              </a:ext>
+            </a:extLst>
+          </p:cNvPr>
+          <p:cNvPicPr>
+            <a:picLocks noChangeAspect="1" noChangeArrowheads="1"/>
+          </p:cNvPicPr>
+          <p:nvPr/>
+        </p:nvPicPr>
+        <p:blipFill>
+          <a:blip r:embed="rId4">
+            <a:extLst>
+              <a:ext uri="{28A0092B-C50C-407E-A947-70E740481C1C}">
+                <a14:useLocalDpi xmlns:a14="http://schemas.microsoft.com/office/drawing/2010/main" val="0"/>
+              </a:ext>
+            </a:extLst>
+          </a:blip>
+          <a:stretch>
+            <a:fillRect/>
+          </a:stretch>
+        </p:blipFill>
+        <p:spPr bwMode="auto">
+          <a:xfrm>
+            <a:off x="3555831" y="1287018"/>
+            <a:ext cx="2455164" cy="2455164"/>
+          </a:xfrm>
+          <a:prstGeom prst="roundRect">
+            <a:avLst>
+              <a:gd name="adj" fmla="val 4380"/>
+            </a:avLst>
+          </a:prstGeom>
+          <a:noFill/>
+          <a:ln w="50800" cap="sq" cmpd="dbl">
+            <a:gradFill flip="none" rotWithShape="1">
+              <a:gsLst>
+                <a:gs pos="0">
+                  <a:srgbClr val="FFFFFF"/>
+                </a:gs>
+                <a:gs pos="100000">
+                  <a:schemeClr val="tx1">
+                    <a:alpha val="0"/>
+                  </a:schemeClr>
+                </a:gs>
+              </a:gsLst>
+              <a:path path="circle">
+                <a:fillToRect l="50000" t="50000" r="50000" b="50000"/>
+              </a:path>
+              <a:tileRect/>
+            </a:gradFill>
+            <a:miter lim="800000"/>
+          </a:ln>
+          <a:effectLst>
+            <a:outerShdw blurRad="254000" algn="tl" rotWithShape="0">
+              <a:srgbClr val="000000">
+                <a:alpha val="43000"/>
+              </a:srgbClr>
+            </a:outerShdw>
+          </a:effectLst>
+          <a:extLst>
+            <a:ext uri="{909E8E84-426E-40DD-AFC4-6F175D3DCCD1}">
+              <a14:hiddenFill xmlns:a14="http://schemas.microsoft.com/office/drawing/2010/main">
+                <a:solidFill>
+                  <a:srgbClr val="FFFFFF"/>
+                </a:solidFill>
+              </a14:hiddenFill>
+            </a:ext>
+          </a:extLst>
+        </p:spPr>
+      </p:pic>
+      <p:pic>
+        <p:nvPicPr>
+          <p:cNvPr id="5" name="Picture 2" descr="Icono de usuario de hombre en traje de negocios | Vector Premium">
+            <a:extLst>
+              <a:ext uri="{FF2B5EF4-FFF2-40B4-BE49-F238E27FC236}">
+                <a16:creationId xmlns:a16="http://schemas.microsoft.com/office/drawing/2014/main" id="{AAF24848-52F2-EAB4-AD3B-6F4BF2D6E786}"/>
+              </a:ext>
+            </a:extLst>
+          </p:cNvPr>
+          <p:cNvPicPr>
+            <a:picLocks noChangeAspect="1" noChangeArrowheads="1"/>
+          </p:cNvPicPr>
+          <p:nvPr/>
+        </p:nvPicPr>
+        <p:blipFill>
+          <a:blip r:embed="rId4">
+            <a:extLst>
+              <a:ext uri="{28A0092B-C50C-407E-A947-70E740481C1C}">
+                <a14:useLocalDpi xmlns:a14="http://schemas.microsoft.com/office/drawing/2010/main" val="0"/>
+              </a:ext>
+            </a:extLst>
+          </a:blip>
+          <a:stretch>
+            <a:fillRect/>
+          </a:stretch>
+        </p:blipFill>
+        <p:spPr bwMode="auto">
+          <a:xfrm>
+            <a:off x="6188795" y="1287018"/>
+            <a:ext cx="2455164" cy="2455164"/>
+          </a:xfrm>
+          <a:prstGeom prst="roundRect">
+            <a:avLst>
+              <a:gd name="adj" fmla="val 4380"/>
+            </a:avLst>
+          </a:prstGeom>
+          <a:noFill/>
+          <a:ln w="50800" cap="sq" cmpd="dbl">
+            <a:gradFill flip="none" rotWithShape="1">
+              <a:gsLst>
+                <a:gs pos="0">
+                  <a:srgbClr val="FFFFFF"/>
+                </a:gs>
+                <a:gs pos="100000">
+                  <a:schemeClr val="tx1">
+                    <a:alpha val="0"/>
+                  </a:schemeClr>
+                </a:gs>
+              </a:gsLst>
+              <a:path path="circle">
+                <a:fillToRect l="50000" t="50000" r="50000" b="50000"/>
+              </a:path>
+              <a:tileRect/>
+            </a:gradFill>
+            <a:miter lim="800000"/>
+          </a:ln>
+          <a:effectLst>
+            <a:outerShdw blurRad="254000" algn="tl" rotWithShape="0">
+              <a:srgbClr val="000000">
+                <a:alpha val="43000"/>
+              </a:srgbClr>
+            </a:outerShdw>
+          </a:effectLst>
+          <a:extLst>
+            <a:ext uri="{909E8E84-426E-40DD-AFC4-6F175D3DCCD1}">
+              <a14:hiddenFill xmlns:a14="http://schemas.microsoft.com/office/drawing/2010/main">
+                <a:solidFill>
+                  <a:srgbClr val="FFFFFF"/>
+                </a:solidFill>
+              </a14:hiddenFill>
+            </a:ext>
+          </a:extLst>
+        </p:spPr>
+      </p:pic>
+      <p:pic>
+        <p:nvPicPr>
+          <p:cNvPr id="6" name="Picture 2" descr="Icono de usuario de hombre en traje de negocios | Vector Premium">
+            <a:extLst>
+              <a:ext uri="{FF2B5EF4-FFF2-40B4-BE49-F238E27FC236}">
+                <a16:creationId xmlns:a16="http://schemas.microsoft.com/office/drawing/2014/main" id="{D0555A7E-B10B-C70D-3784-69AD18C10637}"/>
+              </a:ext>
+            </a:extLst>
+          </p:cNvPr>
+          <p:cNvPicPr>
+            <a:picLocks noChangeAspect="1" noChangeArrowheads="1"/>
+          </p:cNvPicPr>
+          <p:nvPr/>
+        </p:nvPicPr>
+        <p:blipFill>
+          <a:blip r:embed="rId4">
+            <a:extLst>
+              <a:ext uri="{28A0092B-C50C-407E-A947-70E740481C1C}">
+                <a14:useLocalDpi xmlns:a14="http://schemas.microsoft.com/office/drawing/2010/main" val="0"/>
+              </a:ext>
+            </a:extLst>
+          </a:blip>
+          <a:stretch>
+            <a:fillRect/>
+          </a:stretch>
+        </p:blipFill>
+        <p:spPr bwMode="auto">
+          <a:xfrm>
+            <a:off x="8815747" y="1287018"/>
+            <a:ext cx="2455164" cy="2455164"/>
+          </a:xfrm>
+          <a:prstGeom prst="roundRect">
+            <a:avLst>
+              <a:gd name="adj" fmla="val 4380"/>
+            </a:avLst>
+          </a:prstGeom>
+          <a:noFill/>
+          <a:ln w="50800" cap="sq" cmpd="dbl">
+            <a:gradFill flip="none" rotWithShape="1">
+              <a:gsLst>
+                <a:gs pos="0">
+                  <a:srgbClr val="FFFFFF"/>
+                </a:gs>
+                <a:gs pos="100000">
+                  <a:schemeClr val="tx1">
+                    <a:alpha val="0"/>
+                  </a:schemeClr>
+                </a:gs>
+              </a:gsLst>
+              <a:path path="circle">
+                <a:fillToRect l="50000" t="50000" r="50000" b="50000"/>
+              </a:path>
+              <a:tileRect/>
+            </a:gradFill>
+            <a:miter lim="800000"/>
+          </a:ln>
+          <a:effectLst>
+            <a:outerShdw blurRad="254000" algn="tl" rotWithShape="0">
+              <a:srgbClr val="000000">
+                <a:alpha val="43000"/>
+              </a:srgbClr>
+            </a:outerShdw>
+          </a:effectLst>
+          <a:extLst>
+            <a:ext uri="{909E8E84-426E-40DD-AFC4-6F175D3DCCD1}">
+              <a14:hiddenFill xmlns:a14="http://schemas.microsoft.com/office/drawing/2010/main">
+                <a:solidFill>
+                  <a:srgbClr val="FFFFFF"/>
+                </a:solidFill>
+              </a14:hiddenFill>
+            </a:ext>
+          </a:extLst>
+        </p:spPr>
+      </p:pic>
+      <p:sp>
+        <p:nvSpPr>
+          <p:cNvPr id="7" name="CuadroTexto 6">
+            <a:extLst>
+              <a:ext uri="{FF2B5EF4-FFF2-40B4-BE49-F238E27FC236}">
+                <a16:creationId xmlns:a16="http://schemas.microsoft.com/office/drawing/2014/main" id="{9B1504AD-AC3B-2169-88BB-259B89FCF184}"/>
+              </a:ext>
+            </a:extLst>
+          </p:cNvPr>
+          <p:cNvSpPr txBox="1"/>
+          <p:nvPr/>
+        </p:nvSpPr>
+        <p:spPr>
+          <a:xfrm>
+            <a:off x="1060704" y="4142232"/>
+            <a:ext cx="2212848" cy="923330"/>
+          </a:xfrm>
+          <a:prstGeom prst="rect">
+            <a:avLst/>
+          </a:prstGeom>
+          <a:noFill/>
+        </p:spPr>
+        <p:txBody>
+          <a:bodyPr wrap="square" rtlCol="0">
+            <a:spAutoFit/>
+          </a:bodyPr>
+          <a:lstStyle/>
+          <a:p>
+            <a:pPr algn="ctr"/>
+            <a:r>
+              <a:rPr lang="es-CL" dirty="0" err="1"/>
+              <a:t>Product</a:t>
+            </a:r>
+            <a:r>
+              <a:rPr lang="es-CL" dirty="0"/>
+              <a:t> </a:t>
+            </a:r>
+            <a:r>
+              <a:rPr lang="es-CL" dirty="0" err="1"/>
+              <a:t>Owner</a:t>
+            </a:r>
+            <a:r>
+              <a:rPr lang="es-CL" dirty="0"/>
+              <a:t> </a:t>
+            </a:r>
+          </a:p>
+          <a:p>
+            <a:pPr algn="ctr"/>
+            <a:endParaRPr lang="es-CL" dirty="0"/>
+          </a:p>
+          <a:p>
+            <a:pPr algn="ctr"/>
+            <a:r>
+              <a:rPr lang="es-CL" dirty="0"/>
+              <a:t>Carlos Valverde</a:t>
+            </a:r>
+          </a:p>
+        </p:txBody>
+      </p:sp>
+      <p:sp>
+        <p:nvSpPr>
+          <p:cNvPr id="8" name="CuadroTexto 7">
+            <a:extLst>
+              <a:ext uri="{FF2B5EF4-FFF2-40B4-BE49-F238E27FC236}">
+                <a16:creationId xmlns:a16="http://schemas.microsoft.com/office/drawing/2014/main" id="{8FA73A04-33BB-D001-6C91-24B45C2BBFA9}"/>
+              </a:ext>
+            </a:extLst>
+          </p:cNvPr>
+          <p:cNvSpPr txBox="1"/>
+          <p:nvPr/>
+        </p:nvSpPr>
+        <p:spPr>
+          <a:xfrm>
+            <a:off x="3646869" y="4142232"/>
+            <a:ext cx="2212848" cy="1200329"/>
+          </a:xfrm>
+          <a:prstGeom prst="rect">
+            <a:avLst/>
+          </a:prstGeom>
+          <a:noFill/>
+        </p:spPr>
+        <p:txBody>
+          <a:bodyPr wrap="square" rtlCol="0">
+            <a:spAutoFit/>
+          </a:bodyPr>
+          <a:lstStyle/>
+          <a:p>
+            <a:pPr algn="ctr"/>
+            <a:r>
+              <a:rPr lang="es-CL" dirty="0"/>
+              <a:t>Scrum Master | </a:t>
+            </a:r>
+            <a:r>
+              <a:rPr lang="es-CL" dirty="0" err="1"/>
+              <a:t>Development</a:t>
+            </a:r>
+            <a:r>
+              <a:rPr lang="es-CL" dirty="0"/>
+              <a:t> </a:t>
+            </a:r>
+            <a:r>
+              <a:rPr lang="es-CL" dirty="0" err="1"/>
+              <a:t>Team</a:t>
+            </a:r>
+            <a:endParaRPr lang="es-CL" dirty="0"/>
+          </a:p>
+          <a:p>
+            <a:pPr algn="ctr"/>
+            <a:endParaRPr lang="es-CL" dirty="0"/>
+          </a:p>
+          <a:p>
+            <a:pPr algn="ctr"/>
+            <a:r>
+              <a:rPr lang="es-CL" dirty="0"/>
+              <a:t>Cristian Vernal</a:t>
+            </a:r>
+          </a:p>
+        </p:txBody>
+      </p:sp>
+      <p:sp>
+        <p:nvSpPr>
+          <p:cNvPr id="9" name="CuadroTexto 8">
+            <a:extLst>
+              <a:ext uri="{FF2B5EF4-FFF2-40B4-BE49-F238E27FC236}">
+                <a16:creationId xmlns:a16="http://schemas.microsoft.com/office/drawing/2014/main" id="{8C69EEEF-3D7E-086D-D470-4196F14325D7}"/>
+              </a:ext>
+            </a:extLst>
+          </p:cNvPr>
+          <p:cNvSpPr txBox="1"/>
+          <p:nvPr/>
+        </p:nvSpPr>
+        <p:spPr>
+          <a:xfrm>
+            <a:off x="6332284" y="4142232"/>
+            <a:ext cx="2212848" cy="923330"/>
+          </a:xfrm>
+          <a:prstGeom prst="rect">
+            <a:avLst/>
+          </a:prstGeom>
+          <a:noFill/>
+        </p:spPr>
+        <p:txBody>
+          <a:bodyPr wrap="square" rtlCol="0">
+            <a:spAutoFit/>
+          </a:bodyPr>
+          <a:lstStyle/>
+          <a:p>
+            <a:pPr algn="ctr"/>
+            <a:r>
+              <a:rPr lang="es-CL" dirty="0" err="1"/>
+              <a:t>Development</a:t>
+            </a:r>
+            <a:r>
+              <a:rPr lang="es-CL" dirty="0"/>
+              <a:t> </a:t>
+            </a:r>
+            <a:r>
+              <a:rPr lang="es-CL" dirty="0" err="1"/>
+              <a:t>Team</a:t>
+            </a:r>
+            <a:endParaRPr lang="es-CL" dirty="0"/>
+          </a:p>
+          <a:p>
+            <a:pPr algn="ctr"/>
+            <a:endParaRPr lang="es-CL" dirty="0"/>
+          </a:p>
+          <a:p>
+            <a:pPr algn="ctr"/>
+            <a:r>
+              <a:rPr lang="es-CL" dirty="0"/>
+              <a:t>Leonel Aranda</a:t>
+            </a:r>
+          </a:p>
+        </p:txBody>
+      </p:sp>
+      <p:sp>
+        <p:nvSpPr>
+          <p:cNvPr id="10" name="CuadroTexto 9">
+            <a:extLst>
+              <a:ext uri="{FF2B5EF4-FFF2-40B4-BE49-F238E27FC236}">
+                <a16:creationId xmlns:a16="http://schemas.microsoft.com/office/drawing/2014/main" id="{03A3022B-7E73-36D5-D70F-500F5C381F6C}"/>
+              </a:ext>
+            </a:extLst>
+          </p:cNvPr>
+          <p:cNvSpPr txBox="1"/>
+          <p:nvPr/>
+        </p:nvSpPr>
+        <p:spPr>
+          <a:xfrm>
+            <a:off x="8918448" y="4133088"/>
+            <a:ext cx="2212848" cy="923330"/>
+          </a:xfrm>
+          <a:prstGeom prst="rect">
+            <a:avLst/>
+          </a:prstGeom>
+          <a:noFill/>
+        </p:spPr>
+        <p:txBody>
+          <a:bodyPr wrap="square" rtlCol="0">
+            <a:spAutoFit/>
+          </a:bodyPr>
+          <a:lstStyle/>
+          <a:p>
+            <a:pPr algn="ctr"/>
+            <a:r>
+              <a:rPr lang="es-CL" dirty="0" err="1"/>
+              <a:t>Development</a:t>
+            </a:r>
+            <a:r>
+              <a:rPr lang="es-CL" dirty="0"/>
+              <a:t> </a:t>
+            </a:r>
+            <a:r>
+              <a:rPr lang="es-CL" dirty="0" err="1"/>
+              <a:t>Team</a:t>
+            </a:r>
+            <a:endParaRPr lang="es-CL" dirty="0"/>
+          </a:p>
+          <a:p>
+            <a:pPr algn="ctr"/>
+            <a:endParaRPr lang="es-CL" dirty="0"/>
+          </a:p>
+          <a:p>
+            <a:pPr algn="ctr"/>
+            <a:r>
+              <a:rPr lang="es-CL" dirty="0"/>
+              <a:t>David Zurita</a:t>
+            </a:r>
+          </a:p>
+        </p:txBody>
+      </p:sp>
+    </p:spTree>
+    <p:extLst>
+      <p:ext uri="{BB962C8B-B14F-4D97-AF65-F5344CB8AC3E}">
+        <p14:creationId xmlns:p14="http://schemas.microsoft.com/office/powerpoint/2010/main" val="176267706"/>
+      </p:ext>
+    </p:extLst>
+  </p:cSld>
+  <p:clrMapOvr>
+    <a:masterClrMapping/>
+  </p:clrMapOvr>
+</p:sld>
+</file>
+
+<file path=ppt/slides/slide8.xml><?xml version="1.0" encoding="utf-8"?>
+<p:sld xmlns:a="http://schemas.openxmlformats.org/drawingml/2006/main" xmlns:r="http://schemas.openxmlformats.org/officeDocument/2006/relationships" xmlns:p="http://schemas.openxmlformats.org/presentationml/2006/main">
+  <p:cSld>
+    <p:spTree>
+      <p:nvGrpSpPr>
+        <p:cNvPr id="1" name=""/>
+        <p:cNvGrpSpPr/>
+        <p:nvPr/>
+      </p:nvGrpSpPr>
+      <p:grpSpPr>
+        <a:xfrm>
+          <a:off x="0" y="0"/>
+          <a:ext cx="0" cy="0"/>
+          <a:chOff x="0" y="0"/>
+          <a:chExt cx="0" cy="0"/>
+        </a:xfrm>
+      </p:grpSpPr>
+      <p:sp>
+        <p:nvSpPr>
+          <p:cNvPr id="2" name="Título 1">
+            <a:extLst>
+              <a:ext uri="{FF2B5EF4-FFF2-40B4-BE49-F238E27FC236}">
+                <a16:creationId xmlns:a16="http://schemas.microsoft.com/office/drawing/2014/main" id="{4F776BD3-50C6-9630-7ED6-AA837CBA15D5}"/>
+              </a:ext>
+            </a:extLst>
+          </p:cNvPr>
+          <p:cNvSpPr>
+            <a:spLocks noGrp="1"/>
+          </p:cNvSpPr>
+          <p:nvPr>
+            <p:ph type="title"/>
+          </p:nvPr>
+        </p:nvSpPr>
+        <p:spPr>
+          <a:xfrm>
+            <a:off x="434662" y="507454"/>
+            <a:ext cx="2990087" cy="668176"/>
+          </a:xfrm>
+        </p:spPr>
+        <p:txBody>
+          <a:bodyPr/>
+          <a:lstStyle/>
+          <a:p>
+            <a:pPr algn="ctr"/>
+            <a:r>
+              <a:rPr lang="es-CL" b="1" dirty="0"/>
+              <a:t>evidencias</a:t>
+            </a:r>
+          </a:p>
+        </p:txBody>
+      </p:sp>
+      <p:sp>
+        <p:nvSpPr>
+          <p:cNvPr id="4" name="Elipse 3">
+            <a:extLst>
+              <a:ext uri="{FF2B5EF4-FFF2-40B4-BE49-F238E27FC236}">
+                <a16:creationId xmlns:a16="http://schemas.microsoft.com/office/drawing/2014/main" id="{02CF837A-9502-36F0-CFEF-9C83DD9F9CAC}"/>
+              </a:ext>
+            </a:extLst>
+          </p:cNvPr>
+          <p:cNvSpPr/>
+          <p:nvPr/>
+        </p:nvSpPr>
+        <p:spPr>
+          <a:xfrm>
+            <a:off x="1780311" y="1892065"/>
+            <a:ext cx="2318327" cy="997528"/>
+          </a:xfrm>
+          <a:prstGeom prst="ellipse">
+            <a:avLst/>
+          </a:prstGeom>
+          <a:ln>
+            <a:solidFill>
+              <a:schemeClr val="accent2">
+                <a:lumMod val="20000"/>
+                <a:lumOff val="80000"/>
+              </a:schemeClr>
+            </a:solidFill>
+          </a:ln>
+        </p:spPr>
+        <p:style>
+          <a:lnRef idx="2">
+            <a:schemeClr val="accent1">
+              <a:shade val="15000"/>
+            </a:schemeClr>
+          </a:lnRef>
+          <a:fillRef idx="1">
+            <a:schemeClr val="accent1"/>
+          </a:fillRef>
+          <a:effectRef idx="0">
+            <a:schemeClr val="accent1"/>
+          </a:effectRef>
+          <a:fontRef idx="minor">
+            <a:schemeClr val="lt1"/>
+          </a:fontRef>
+        </p:style>
+        <p:txBody>
+          <a:bodyPr rtlCol="0" anchor="ctr"/>
+          <a:lstStyle/>
+          <a:p>
+            <a:pPr algn="ctr"/>
+            <a:r>
+              <a:rPr lang="es-CL" sz="1800" dirty="0">
+                <a:effectLst/>
+                <a:latin typeface="Calibri" panose="020F0502020204030204" pitchFamily="34" charset="0"/>
+                <a:ea typeface="Calibri" panose="020F0502020204030204" pitchFamily="34" charset="0"/>
+              </a:rPr>
+              <a:t>Minuta </a:t>
+            </a:r>
+            <a:r>
+              <a:rPr lang="es-CL" sz="1800" dirty="0" err="1">
+                <a:effectLst/>
+                <a:latin typeface="Calibri" panose="020F0502020204030204" pitchFamily="34" charset="0"/>
+                <a:ea typeface="Calibri" panose="020F0502020204030204" pitchFamily="34" charset="0"/>
+              </a:rPr>
+              <a:t>Kick</a:t>
+            </a:r>
+            <a:r>
+              <a:rPr lang="es-CL" sz="1800" dirty="0">
+                <a:effectLst/>
+                <a:latin typeface="Calibri" panose="020F0502020204030204" pitchFamily="34" charset="0"/>
+                <a:ea typeface="Calibri" panose="020F0502020204030204" pitchFamily="34" charset="0"/>
+              </a:rPr>
+              <a:t> Off</a:t>
+            </a:r>
+            <a:endParaRPr lang="es-CL" dirty="0"/>
+          </a:p>
+        </p:txBody>
+      </p:sp>
+      <p:sp>
+        <p:nvSpPr>
+          <p:cNvPr id="5" name="Elipse 4">
+            <a:extLst>
+              <a:ext uri="{FF2B5EF4-FFF2-40B4-BE49-F238E27FC236}">
+                <a16:creationId xmlns:a16="http://schemas.microsoft.com/office/drawing/2014/main" id="{849FC11D-3819-DB10-1340-91E4127BFA90}"/>
+              </a:ext>
+            </a:extLst>
+          </p:cNvPr>
+          <p:cNvSpPr/>
+          <p:nvPr/>
+        </p:nvSpPr>
+        <p:spPr>
+          <a:xfrm>
+            <a:off x="5054506" y="676866"/>
+            <a:ext cx="2318327" cy="997528"/>
+          </a:xfrm>
+          <a:prstGeom prst="ellipse">
+            <a:avLst/>
+          </a:prstGeom>
+          <a:ln>
+            <a:solidFill>
+              <a:schemeClr val="accent2">
+                <a:lumMod val="20000"/>
+                <a:lumOff val="80000"/>
+              </a:schemeClr>
+            </a:solidFill>
+          </a:ln>
+        </p:spPr>
+        <p:style>
+          <a:lnRef idx="2">
+            <a:schemeClr val="accent1">
+              <a:shade val="15000"/>
+            </a:schemeClr>
+          </a:lnRef>
+          <a:fillRef idx="1">
+            <a:schemeClr val="accent1"/>
+          </a:fillRef>
+          <a:effectRef idx="0">
+            <a:schemeClr val="accent1"/>
+          </a:effectRef>
+          <a:fontRef idx="minor">
+            <a:schemeClr val="lt1"/>
+          </a:fontRef>
+        </p:style>
+        <p:txBody>
+          <a:bodyPr rtlCol="0" anchor="ctr"/>
+          <a:lstStyle/>
+          <a:p>
+            <a:pPr algn="ctr"/>
+            <a:r>
+              <a:rPr lang="es-CL" sz="1800" dirty="0">
+                <a:effectLst/>
+                <a:latin typeface="Calibri" panose="020F0502020204030204" pitchFamily="34" charset="0"/>
+                <a:ea typeface="Calibri" panose="020F0502020204030204" pitchFamily="34" charset="0"/>
+              </a:rPr>
+              <a:t>Definición del Proyecto ATP</a:t>
+            </a:r>
+            <a:endParaRPr lang="es-CL" dirty="0"/>
+          </a:p>
+        </p:txBody>
+      </p:sp>
+      <p:sp>
+        <p:nvSpPr>
+          <p:cNvPr id="6" name="Elipse 5">
+            <a:extLst>
+              <a:ext uri="{FF2B5EF4-FFF2-40B4-BE49-F238E27FC236}">
+                <a16:creationId xmlns:a16="http://schemas.microsoft.com/office/drawing/2014/main" id="{E6621462-FB8F-6F69-2926-43C3CB3F2EF5}"/>
+              </a:ext>
+            </a:extLst>
+          </p:cNvPr>
+          <p:cNvSpPr/>
+          <p:nvPr/>
+        </p:nvSpPr>
+        <p:spPr>
+          <a:xfrm>
+            <a:off x="1700784" y="3211484"/>
+            <a:ext cx="2397854" cy="1151467"/>
+          </a:xfrm>
+          <a:prstGeom prst="ellipse">
+            <a:avLst/>
+          </a:prstGeom>
+          <a:ln>
+            <a:solidFill>
+              <a:schemeClr val="accent2">
+                <a:lumMod val="20000"/>
+                <a:lumOff val="80000"/>
+              </a:schemeClr>
+            </a:solidFill>
+          </a:ln>
+        </p:spPr>
+        <p:style>
+          <a:lnRef idx="2">
+            <a:schemeClr val="accent1">
+              <a:shade val="15000"/>
+            </a:schemeClr>
+          </a:lnRef>
+          <a:fillRef idx="1">
+            <a:schemeClr val="accent1"/>
+          </a:fillRef>
+          <a:effectRef idx="0">
+            <a:schemeClr val="accent1"/>
+          </a:effectRef>
+          <a:fontRef idx="minor">
+            <a:schemeClr val="lt1"/>
+          </a:fontRef>
+        </p:style>
+        <p:txBody>
+          <a:bodyPr rtlCol="0" anchor="ctr"/>
+          <a:lstStyle/>
+          <a:p>
+            <a:pPr algn="ctr"/>
+            <a:r>
+              <a:rPr lang="es-CL" sz="1800" dirty="0">
+                <a:effectLst/>
+                <a:latin typeface="Calibri" panose="020F0502020204030204" pitchFamily="34" charset="0"/>
+                <a:ea typeface="Calibri" panose="020F0502020204030204" pitchFamily="34" charset="0"/>
+              </a:rPr>
+              <a:t>Requerimientos</a:t>
+            </a:r>
+            <a:endParaRPr lang="es-CL" dirty="0"/>
+          </a:p>
+        </p:txBody>
+      </p:sp>
+      <p:sp>
+        <p:nvSpPr>
+          <p:cNvPr id="7" name="Elipse 6">
+            <a:extLst>
+              <a:ext uri="{FF2B5EF4-FFF2-40B4-BE49-F238E27FC236}">
+                <a16:creationId xmlns:a16="http://schemas.microsoft.com/office/drawing/2014/main" id="{9BA23239-9EC6-7EC3-51E9-C40E39B91D64}"/>
+              </a:ext>
+            </a:extLst>
+          </p:cNvPr>
+          <p:cNvSpPr/>
+          <p:nvPr/>
+        </p:nvSpPr>
+        <p:spPr>
+          <a:xfrm>
+            <a:off x="1769764" y="4684842"/>
+            <a:ext cx="2318327" cy="997528"/>
+          </a:xfrm>
+          <a:prstGeom prst="ellipse">
+            <a:avLst/>
+          </a:prstGeom>
+          <a:ln>
+            <a:solidFill>
+              <a:schemeClr val="accent2">
+                <a:lumMod val="20000"/>
+                <a:lumOff val="80000"/>
+              </a:schemeClr>
+            </a:solidFill>
+          </a:ln>
+        </p:spPr>
+        <p:style>
+          <a:lnRef idx="2">
+            <a:schemeClr val="accent1">
+              <a:shade val="15000"/>
+            </a:schemeClr>
+          </a:lnRef>
+          <a:fillRef idx="1">
+            <a:schemeClr val="accent1"/>
+          </a:fillRef>
+          <a:effectRef idx="0">
+            <a:schemeClr val="accent1"/>
+          </a:effectRef>
+          <a:fontRef idx="minor">
+            <a:schemeClr val="lt1"/>
+          </a:fontRef>
+        </p:style>
+        <p:txBody>
+          <a:bodyPr rtlCol="0" anchor="ctr"/>
+          <a:lstStyle/>
+          <a:p>
+            <a:pPr algn="ctr"/>
+            <a:r>
+              <a:rPr lang="es-CL" sz="1800" dirty="0">
+                <a:effectLst/>
+                <a:latin typeface="Calibri" panose="020F0502020204030204" pitchFamily="34" charset="0"/>
+                <a:ea typeface="Calibri" panose="020F0502020204030204" pitchFamily="34" charset="0"/>
+              </a:rPr>
+              <a:t>Carta Gantt</a:t>
+            </a:r>
+            <a:endParaRPr lang="es-CL" dirty="0"/>
+          </a:p>
+        </p:txBody>
+      </p:sp>
+      <p:sp>
+        <p:nvSpPr>
+          <p:cNvPr id="8" name="Elipse 7">
+            <a:extLst>
+              <a:ext uri="{FF2B5EF4-FFF2-40B4-BE49-F238E27FC236}">
+                <a16:creationId xmlns:a16="http://schemas.microsoft.com/office/drawing/2014/main" id="{5F7684A6-863B-D449-A2EF-5DAE45FC81AE}"/>
+              </a:ext>
+            </a:extLst>
+          </p:cNvPr>
+          <p:cNvSpPr/>
+          <p:nvPr/>
+        </p:nvSpPr>
+        <p:spPr>
+          <a:xfrm>
+            <a:off x="7139982" y="3211484"/>
+            <a:ext cx="2318327" cy="997528"/>
+          </a:xfrm>
+          <a:prstGeom prst="ellipse">
+            <a:avLst/>
+          </a:prstGeom>
+          <a:ln>
+            <a:solidFill>
+              <a:schemeClr val="accent2">
+                <a:lumMod val="20000"/>
+                <a:lumOff val="80000"/>
+              </a:schemeClr>
+            </a:solidFill>
+          </a:ln>
+        </p:spPr>
+        <p:style>
+          <a:lnRef idx="2">
+            <a:schemeClr val="accent1">
+              <a:shade val="15000"/>
+            </a:schemeClr>
+          </a:lnRef>
+          <a:fillRef idx="1">
+            <a:schemeClr val="accent1"/>
+          </a:fillRef>
+          <a:effectRef idx="0">
+            <a:schemeClr val="accent1"/>
+          </a:effectRef>
+          <a:fontRef idx="minor">
+            <a:schemeClr val="lt1"/>
+          </a:fontRef>
+        </p:style>
+        <p:txBody>
+          <a:bodyPr rtlCol="0" anchor="ctr"/>
+          <a:lstStyle/>
+          <a:p>
+            <a:pPr algn="ctr"/>
+            <a:r>
+              <a:rPr lang="es-CL" sz="1800" dirty="0">
+                <a:effectLst/>
+                <a:latin typeface="Calibri" panose="020F0502020204030204" pitchFamily="34" charset="0"/>
+                <a:ea typeface="Calibri" panose="020F0502020204030204" pitchFamily="34" charset="0"/>
+              </a:rPr>
+              <a:t>Arquitectura </a:t>
+            </a:r>
+            <a:endParaRPr lang="es-CL" dirty="0"/>
+          </a:p>
+        </p:txBody>
+      </p:sp>
+      <p:sp>
+        <p:nvSpPr>
+          <p:cNvPr id="9" name="Elipse 8">
+            <a:extLst>
+              <a:ext uri="{FF2B5EF4-FFF2-40B4-BE49-F238E27FC236}">
+                <a16:creationId xmlns:a16="http://schemas.microsoft.com/office/drawing/2014/main" id="{FD9DB417-3B2E-071A-AACC-6D3ED9E48E2A}"/>
+              </a:ext>
+            </a:extLst>
+          </p:cNvPr>
+          <p:cNvSpPr/>
+          <p:nvPr/>
+        </p:nvSpPr>
+        <p:spPr>
+          <a:xfrm>
+            <a:off x="4460147" y="3211484"/>
+            <a:ext cx="2318327" cy="997528"/>
+          </a:xfrm>
+          <a:prstGeom prst="ellipse">
+            <a:avLst/>
+          </a:prstGeom>
+          <a:ln>
+            <a:solidFill>
+              <a:schemeClr val="accent2">
+                <a:lumMod val="20000"/>
+                <a:lumOff val="80000"/>
+              </a:schemeClr>
+            </a:solidFill>
+          </a:ln>
+        </p:spPr>
+        <p:style>
+          <a:lnRef idx="2">
+            <a:schemeClr val="accent1">
+              <a:shade val="15000"/>
+            </a:schemeClr>
+          </a:lnRef>
+          <a:fillRef idx="1">
+            <a:schemeClr val="accent1"/>
+          </a:fillRef>
+          <a:effectRef idx="0">
+            <a:schemeClr val="accent1"/>
+          </a:effectRef>
+          <a:fontRef idx="minor">
+            <a:schemeClr val="lt1"/>
+          </a:fontRef>
+        </p:style>
+        <p:txBody>
+          <a:bodyPr rtlCol="0" anchor="ctr"/>
+          <a:lstStyle/>
+          <a:p>
+            <a:pPr algn="ctr"/>
+            <a:r>
+              <a:rPr lang="es-CL" sz="1800" dirty="0">
+                <a:effectLst/>
+                <a:latin typeface="Calibri" panose="020F0502020204030204" pitchFamily="34" charset="0"/>
+                <a:ea typeface="Calibri" panose="020F0502020204030204" pitchFamily="34" charset="0"/>
+              </a:rPr>
+              <a:t>Épicas e Historias de Usuarios.</a:t>
+            </a:r>
+            <a:endParaRPr lang="es-CL" dirty="0"/>
+          </a:p>
+        </p:txBody>
+      </p:sp>
+      <p:sp>
+        <p:nvSpPr>
+          <p:cNvPr id="10" name="Elipse 9">
+            <a:extLst>
+              <a:ext uri="{FF2B5EF4-FFF2-40B4-BE49-F238E27FC236}">
+                <a16:creationId xmlns:a16="http://schemas.microsoft.com/office/drawing/2014/main" id="{E83F11C2-2965-DD51-C879-7F9C3CEC05C5}"/>
+              </a:ext>
+            </a:extLst>
+          </p:cNvPr>
+          <p:cNvSpPr/>
+          <p:nvPr/>
+        </p:nvSpPr>
+        <p:spPr>
+          <a:xfrm>
+            <a:off x="4460147" y="1835482"/>
+            <a:ext cx="2318327" cy="997528"/>
+          </a:xfrm>
+          <a:prstGeom prst="ellipse">
+            <a:avLst/>
+          </a:prstGeom>
+          <a:ln>
+            <a:solidFill>
+              <a:schemeClr val="accent2">
+                <a:lumMod val="20000"/>
+                <a:lumOff val="80000"/>
+              </a:schemeClr>
+            </a:solidFill>
+          </a:ln>
+        </p:spPr>
+        <p:style>
+          <a:lnRef idx="2">
+            <a:schemeClr val="accent1">
+              <a:shade val="15000"/>
+            </a:schemeClr>
+          </a:lnRef>
+          <a:fillRef idx="1">
+            <a:schemeClr val="accent1"/>
+          </a:fillRef>
+          <a:effectRef idx="0">
+            <a:schemeClr val="accent1"/>
+          </a:effectRef>
+          <a:fontRef idx="minor">
+            <a:schemeClr val="lt1"/>
+          </a:fontRef>
+        </p:style>
+        <p:txBody>
+          <a:bodyPr rtlCol="0" anchor="ctr"/>
+          <a:lstStyle/>
+          <a:p>
+            <a:pPr algn="ctr"/>
+            <a:r>
+              <a:rPr lang="es-CL" sz="1800" dirty="0">
+                <a:effectLst/>
+                <a:latin typeface="Calibri" panose="020F0502020204030204" pitchFamily="34" charset="0"/>
+                <a:ea typeface="Calibri" panose="020F0502020204030204" pitchFamily="34" charset="0"/>
+              </a:rPr>
+              <a:t>Actores</a:t>
+            </a:r>
+            <a:endParaRPr lang="es-CL" dirty="0"/>
+          </a:p>
+        </p:txBody>
+      </p:sp>
+      <p:sp>
+        <p:nvSpPr>
+          <p:cNvPr id="11" name="Elipse 10">
+            <a:extLst>
+              <a:ext uri="{FF2B5EF4-FFF2-40B4-BE49-F238E27FC236}">
+                <a16:creationId xmlns:a16="http://schemas.microsoft.com/office/drawing/2014/main" id="{31B5D39A-C231-86CE-1E2D-14F49E085F79}"/>
+              </a:ext>
+            </a:extLst>
+          </p:cNvPr>
+          <p:cNvSpPr/>
+          <p:nvPr/>
+        </p:nvSpPr>
+        <p:spPr>
+          <a:xfrm>
+            <a:off x="9252525" y="1559192"/>
+            <a:ext cx="2318327" cy="997528"/>
+          </a:xfrm>
+          <a:prstGeom prst="ellipse">
+            <a:avLst/>
+          </a:prstGeom>
+          <a:ln>
+            <a:solidFill>
+              <a:schemeClr val="accent2">
+                <a:lumMod val="20000"/>
+                <a:lumOff val="80000"/>
+              </a:schemeClr>
+            </a:solidFill>
+          </a:ln>
+        </p:spPr>
+        <p:style>
+          <a:lnRef idx="2">
+            <a:schemeClr val="accent1">
+              <a:shade val="15000"/>
+            </a:schemeClr>
+          </a:lnRef>
+          <a:fillRef idx="1">
+            <a:schemeClr val="accent1"/>
+          </a:fillRef>
+          <a:effectRef idx="0">
+            <a:schemeClr val="accent1"/>
+          </a:effectRef>
+          <a:fontRef idx="minor">
+            <a:schemeClr val="lt1"/>
+          </a:fontRef>
+        </p:style>
+        <p:txBody>
+          <a:bodyPr rtlCol="0" anchor="ctr"/>
+          <a:lstStyle/>
+          <a:p>
+            <a:pPr algn="ctr"/>
+            <a:r>
+              <a:rPr lang="es-CL" sz="1800" dirty="0">
+                <a:effectLst/>
+                <a:latin typeface="Calibri" panose="020F0502020204030204" pitchFamily="34" charset="0"/>
+                <a:ea typeface="Calibri" panose="020F0502020204030204" pitchFamily="34" charset="0"/>
+              </a:rPr>
+              <a:t>Visión del proyecto</a:t>
+            </a:r>
+            <a:endParaRPr lang="es-CL" dirty="0"/>
+          </a:p>
+        </p:txBody>
+      </p:sp>
+      <p:sp>
+        <p:nvSpPr>
+          <p:cNvPr id="15" name="Elipse 14">
+            <a:extLst>
+              <a:ext uri="{FF2B5EF4-FFF2-40B4-BE49-F238E27FC236}">
+                <a16:creationId xmlns:a16="http://schemas.microsoft.com/office/drawing/2014/main" id="{B48B6E5B-F473-474E-D813-70BE290D65CA}"/>
+              </a:ext>
+            </a:extLst>
+          </p:cNvPr>
+          <p:cNvSpPr/>
+          <p:nvPr/>
+        </p:nvSpPr>
+        <p:spPr>
+          <a:xfrm>
+            <a:off x="7150530" y="4587486"/>
+            <a:ext cx="2318327" cy="997528"/>
+          </a:xfrm>
+          <a:prstGeom prst="ellipse">
+            <a:avLst/>
+          </a:prstGeom>
+          <a:ln>
+            <a:solidFill>
+              <a:schemeClr val="accent2">
+                <a:lumMod val="20000"/>
+                <a:lumOff val="80000"/>
+              </a:schemeClr>
+            </a:solidFill>
+          </a:ln>
+        </p:spPr>
+        <p:style>
+          <a:lnRef idx="2">
+            <a:schemeClr val="accent1">
+              <a:shade val="15000"/>
+            </a:schemeClr>
+          </a:lnRef>
+          <a:fillRef idx="1">
+            <a:schemeClr val="accent1"/>
+          </a:fillRef>
+          <a:effectRef idx="0">
+            <a:schemeClr val="accent1"/>
+          </a:effectRef>
+          <a:fontRef idx="minor">
+            <a:schemeClr val="lt1"/>
+          </a:fontRef>
+        </p:style>
+        <p:txBody>
+          <a:bodyPr rtlCol="0" anchor="ctr"/>
+          <a:lstStyle/>
+          <a:p>
+            <a:pPr algn="ctr"/>
+            <a:r>
+              <a:rPr lang="es-CL" sz="1800" dirty="0" err="1">
+                <a:effectLst/>
+                <a:latin typeface="Calibri" panose="020F0502020204030204" pitchFamily="34" charset="0"/>
+                <a:ea typeface="Calibri" panose="020F0502020204030204" pitchFamily="34" charset="0"/>
+              </a:rPr>
+              <a:t>Product</a:t>
+            </a:r>
+            <a:r>
+              <a:rPr lang="es-CL" sz="1800" dirty="0">
+                <a:effectLst/>
+                <a:latin typeface="Calibri" panose="020F0502020204030204" pitchFamily="34" charset="0"/>
+                <a:ea typeface="Calibri" panose="020F0502020204030204" pitchFamily="34" charset="0"/>
+              </a:rPr>
+              <a:t> Backlog</a:t>
+            </a:r>
+            <a:endParaRPr lang="es-CL" dirty="0"/>
+          </a:p>
+        </p:txBody>
+      </p:sp>
+      <p:sp>
+        <p:nvSpPr>
+          <p:cNvPr id="16" name="Elipse 15">
+            <a:extLst>
+              <a:ext uri="{FF2B5EF4-FFF2-40B4-BE49-F238E27FC236}">
+                <a16:creationId xmlns:a16="http://schemas.microsoft.com/office/drawing/2014/main" id="{0DE0AE75-9F3C-5298-64AA-70D1D5F480F9}"/>
+              </a:ext>
+            </a:extLst>
+          </p:cNvPr>
+          <p:cNvSpPr/>
+          <p:nvPr/>
+        </p:nvSpPr>
+        <p:spPr>
+          <a:xfrm>
+            <a:off x="4460147" y="4587486"/>
+            <a:ext cx="2318327" cy="997528"/>
+          </a:xfrm>
+          <a:prstGeom prst="ellipse">
+            <a:avLst/>
+          </a:prstGeom>
+          <a:ln>
+            <a:solidFill>
+              <a:schemeClr val="accent2">
+                <a:lumMod val="20000"/>
+                <a:lumOff val="80000"/>
+              </a:schemeClr>
+            </a:solidFill>
+          </a:ln>
+        </p:spPr>
+        <p:style>
+          <a:lnRef idx="2">
+            <a:schemeClr val="accent1">
+              <a:shade val="15000"/>
+            </a:schemeClr>
+          </a:lnRef>
+          <a:fillRef idx="1">
+            <a:schemeClr val="accent1"/>
+          </a:fillRef>
+          <a:effectRef idx="0">
+            <a:schemeClr val="accent1"/>
+          </a:effectRef>
+          <a:fontRef idx="minor">
+            <a:schemeClr val="lt1"/>
+          </a:fontRef>
+        </p:style>
+        <p:txBody>
+          <a:bodyPr rtlCol="0" anchor="ctr"/>
+          <a:lstStyle/>
+          <a:p>
+            <a:pPr algn="ctr"/>
+            <a:r>
+              <a:rPr lang="es-CL" sz="1800" dirty="0">
+                <a:effectLst/>
+                <a:latin typeface="Calibri" panose="020F0502020204030204" pitchFamily="34" charset="0"/>
+                <a:ea typeface="Calibri" panose="020F0502020204030204" pitchFamily="34" charset="0"/>
+              </a:rPr>
+              <a:t>Mockups</a:t>
+            </a:r>
+            <a:endParaRPr lang="es-CL" dirty="0"/>
+          </a:p>
+        </p:txBody>
+      </p:sp>
+      <p:sp>
+        <p:nvSpPr>
+          <p:cNvPr id="17" name="Elipse 16">
+            <a:extLst>
+              <a:ext uri="{FF2B5EF4-FFF2-40B4-BE49-F238E27FC236}">
+                <a16:creationId xmlns:a16="http://schemas.microsoft.com/office/drawing/2014/main" id="{755B5692-1FCA-F25E-719F-DEE97E75DF72}"/>
+              </a:ext>
+            </a:extLst>
+          </p:cNvPr>
+          <p:cNvSpPr/>
+          <p:nvPr/>
+        </p:nvSpPr>
+        <p:spPr>
+          <a:xfrm>
+            <a:off x="9716946" y="3211484"/>
+            <a:ext cx="2318327" cy="997528"/>
+          </a:xfrm>
+          <a:prstGeom prst="ellipse">
+            <a:avLst/>
+          </a:prstGeom>
+          <a:ln>
+            <a:solidFill>
+              <a:schemeClr val="accent2">
+                <a:lumMod val="20000"/>
+                <a:lumOff val="80000"/>
+              </a:schemeClr>
+            </a:solidFill>
+          </a:ln>
+        </p:spPr>
+        <p:style>
+          <a:lnRef idx="2">
+            <a:schemeClr val="accent1">
+              <a:shade val="15000"/>
+            </a:schemeClr>
+          </a:lnRef>
+          <a:fillRef idx="1">
+            <a:schemeClr val="accent1"/>
+          </a:fillRef>
+          <a:effectRef idx="0">
+            <a:schemeClr val="accent1"/>
+          </a:effectRef>
+          <a:fontRef idx="minor">
+            <a:schemeClr val="lt1"/>
+          </a:fontRef>
+        </p:style>
+        <p:txBody>
+          <a:bodyPr rtlCol="0" anchor="ctr"/>
+          <a:lstStyle/>
+          <a:p>
+            <a:pPr algn="ctr"/>
+            <a:r>
+              <a:rPr lang="es-CL" sz="1800" dirty="0">
+                <a:effectLst/>
+                <a:latin typeface="Calibri" panose="020F0502020204030204" pitchFamily="34" charset="0"/>
+                <a:ea typeface="Calibri" panose="020F0502020204030204" pitchFamily="34" charset="0"/>
+              </a:rPr>
+              <a:t>Sprint</a:t>
+            </a:r>
+          </a:p>
+        </p:txBody>
+      </p:sp>
+    </p:spTree>
+    <p:extLst>
+      <p:ext uri="{BB962C8B-B14F-4D97-AF65-F5344CB8AC3E}">
+        <p14:creationId xmlns:p14="http://schemas.microsoft.com/office/powerpoint/2010/main" val="271385085"/>
       </p:ext>
     </p:extLst>
   </p:cSld>
@@ -6430,6 +8591,21 @@
 </file>
 
 <file path=customXml/item1.xml><?xml version="1.0" encoding="utf-8"?>
+<p:properties xmlns:p="http://schemas.microsoft.com/office/2006/metadata/properties" xmlns:xsi="http://www.w3.org/2001/XMLSchema-instance" xmlns:pc="http://schemas.microsoft.com/office/infopath/2007/PartnerControls">
+  <documentManagement/>
+</p:properties>
+</file>
+
+<file path=customXml/item2.xml><?xml version="1.0" encoding="utf-8"?>
+<?mso-contentType ?>
+<FormTemplates xmlns="http://schemas.microsoft.com/sharepoint/v3/contenttype/forms">
+  <Display>DocumentLibraryForm</Display>
+  <Edit>DocumentLibraryForm</Edit>
+  <New>DocumentLibraryForm</New>
+</FormTemplates>
+</file>
+
+<file path=customXml/item3.xml><?xml version="1.0" encoding="utf-8"?>
 <ct:contentTypeSchema xmlns:ct="http://schemas.microsoft.com/office/2006/metadata/contentType" xmlns:ma="http://schemas.microsoft.com/office/2006/metadata/properties/metaAttributes" ct:_="" ma:_="" ma:contentTypeName="Documento" ma:contentTypeID="0x0101006D3C025EB336C54D99738ABA69770699" ma:contentTypeVersion="13" ma:contentTypeDescription="Crear nuevo documento." ma:contentTypeScope="" ma:versionID="70090f480e9bfd9b6622b039184045fa">
   <xsd:schema xmlns:xsd="http://www.w3.org/2001/XMLSchema" xmlns:xs="http://www.w3.org/2001/XMLSchema" xmlns:p="http://schemas.microsoft.com/office/2006/metadata/properties" xmlns:ns3="47801498-949b-4454-8258-23c305d4a262" targetNamespace="http://schemas.microsoft.com/office/2006/metadata/properties" ma:root="true" ma:fieldsID="64121c347dfb86466853bfd46c1f1763" ns3:_="">
     <xsd:import namespace="47801498-949b-4454-8258-23c305d4a262"/>
@@ -6631,22 +8807,31 @@
 </ct:contentTypeSchema>
 </file>
 
-<file path=customXml/item2.xml><?xml version="1.0" encoding="utf-8"?>
-<?mso-contentType ?>
-<FormTemplates xmlns="http://schemas.microsoft.com/sharepoint/v3/contenttype/forms">
-  <Display>DocumentLibraryForm</Display>
-  <Edit>DocumentLibraryForm</Edit>
-  <New>DocumentLibraryForm</New>
-</FormTemplates>
+<file path=customXml/itemProps1.xml><?xml version="1.0" encoding="utf-8"?>
+<ds:datastoreItem xmlns:ds="http://schemas.openxmlformats.org/officeDocument/2006/customXml" ds:itemID="{FCC9C8BC-E775-462C-B8EF-31E3AFCDF40E}">
+  <ds:schemaRefs>
+    <ds:schemaRef ds:uri="http://schemas.openxmlformats.org/package/2006/metadata/core-properties"/>
+    <ds:schemaRef ds:uri="http://purl.org/dc/dcmitype/"/>
+    <ds:schemaRef ds:uri="http://purl.org/dc/terms/"/>
+    <ds:schemaRef ds:uri="http://schemas.microsoft.com/office/2006/metadata/properties"/>
+    <ds:schemaRef ds:uri="http://schemas.microsoft.com/office/infopath/2007/PartnerControls"/>
+    <ds:schemaRef ds:uri="http://purl.org/dc/elements/1.1/"/>
+    <ds:schemaRef ds:uri="http://schemas.microsoft.com/office/2006/documentManagement/types"/>
+    <ds:schemaRef ds:uri="47801498-949b-4454-8258-23c305d4a262"/>
+    <ds:schemaRef ds:uri="http://www.w3.org/XML/1998/namespace"/>
+  </ds:schemaRefs>
+</ds:datastoreItem>
 </file>
 
-<file path=customXml/item3.xml><?xml version="1.0" encoding="utf-8"?>
-<p:properties xmlns:p="http://schemas.microsoft.com/office/2006/metadata/properties" xmlns:xsi="http://www.w3.org/2001/XMLSchema-instance" xmlns:pc="http://schemas.microsoft.com/office/infopath/2007/PartnerControls">
-  <documentManagement/>
-</p:properties>
+<file path=customXml/itemProps2.xml><?xml version="1.0" encoding="utf-8"?>
+<ds:datastoreItem xmlns:ds="http://schemas.openxmlformats.org/officeDocument/2006/customXml" ds:itemID="{77D27035-3B9B-4C54-A982-E0B665C55024}">
+  <ds:schemaRefs>
+    <ds:schemaRef ds:uri="http://schemas.microsoft.com/sharepoint/v3/contenttype/forms"/>
+  </ds:schemaRefs>
+</ds:datastoreItem>
 </file>
 
-<file path=customXml/itemProps1.xml><?xml version="1.0" encoding="utf-8"?>
+<file path=customXml/itemProps3.xml><?xml version="1.0" encoding="utf-8"?>
 <ds:datastoreItem xmlns:ds="http://schemas.openxmlformats.org/officeDocument/2006/customXml" ds:itemID="{CF8E1EB6-11DD-4C76-9D1D-A96910C70864}">
   <ds:schemaRefs>
     <ds:schemaRef ds:uri="http://schemas.microsoft.com/office/2006/metadata/contentType"/>
@@ -6662,28 +8847,4 @@
     <ds:schemaRef ds:uri="http://schemas.microsoft.com/internal/obd"/>
   </ds:schemaRefs>
 </ds:datastoreItem>
-</file>
-
-<file path=customXml/itemProps2.xml><?xml version="1.0" encoding="utf-8"?>
-<ds:datastoreItem xmlns:ds="http://schemas.openxmlformats.org/officeDocument/2006/customXml" ds:itemID="{77D27035-3B9B-4C54-A982-E0B665C55024}">
-  <ds:schemaRefs>
-    <ds:schemaRef ds:uri="http://schemas.microsoft.com/sharepoint/v3/contenttype/forms"/>
-  </ds:schemaRefs>
-</ds:datastoreItem>
-</file>
-
-<file path=customXml/itemProps3.xml><?xml version="1.0" encoding="utf-8"?>
-<ds:datastoreItem xmlns:ds="http://schemas.openxmlformats.org/officeDocument/2006/customXml" ds:itemID="{FCC9C8BC-E775-462C-B8EF-31E3AFCDF40E}">
-  <ds:schemaRefs>
-    <ds:schemaRef ds:uri="http://schemas.openxmlformats.org/package/2006/metadata/core-properties"/>
-    <ds:schemaRef ds:uri="http://purl.org/dc/dcmitype/"/>
-    <ds:schemaRef ds:uri="http://purl.org/dc/terms/"/>
-    <ds:schemaRef ds:uri="http://schemas.microsoft.com/office/2006/metadata/properties"/>
-    <ds:schemaRef ds:uri="http://schemas.microsoft.com/office/infopath/2007/PartnerControls"/>
-    <ds:schemaRef ds:uri="http://purl.org/dc/elements/1.1/"/>
-    <ds:schemaRef ds:uri="http://schemas.microsoft.com/office/2006/documentManagement/types"/>
-    <ds:schemaRef ds:uri="47801498-949b-4454-8258-23c305d4a262"/>
-    <ds:schemaRef ds:uri="http://www.w3.org/XML/1998/namespace"/>
-  </ds:schemaRefs>
-</ds:datastoreItem>
 </file>
--- a/Fase 1/Evidencias Grupales/Presentación Capstone.pptx
+++ b/Fase 1/Evidencias Grupales/Presentación Capstone.pptx
@@ -13,6 +13,8 @@
     <p:sldId id="258" r:id="rId10"/>
     <p:sldId id="262" r:id="rId11"/>
     <p:sldId id="263" r:id="rId12"/>
+    <p:sldId id="264" r:id="rId13"/>
+    <p:sldId id="265" r:id="rId14"/>
   </p:sldIdLst>
   <p:sldSz cx="12192000" cy="6858000"/>
   <p:notesSz cx="6858000" cy="9144000"/>
@@ -349,7 +351,7 @@
             <a:fld id="{B61BEF0D-F0BB-DE4B-95CE-6DB70DBA9567}" type="datetimeFigureOut">
               <a:rPr lang="en-US" dirty="0"/>
               <a:pPr/>
-              <a:t>8/31/2024</a:t>
+              <a:t>9/1/2024</a:t>
             </a:fld>
             <a:endParaRPr lang="en-US" dirty="0"/>
           </a:p>
@@ -680,7 +682,7 @@
             <a:fld id="{B61BEF0D-F0BB-DE4B-95CE-6DB70DBA9567}" type="datetimeFigureOut">
               <a:rPr lang="en-US" dirty="0"/>
               <a:pPr/>
-              <a:t>8/31/2024</a:t>
+              <a:t>9/1/2024</a:t>
             </a:fld>
             <a:endParaRPr lang="en-US" dirty="0"/>
           </a:p>
@@ -955,7 +957,7 @@
             <a:fld id="{B61BEF0D-F0BB-DE4B-95CE-6DB70DBA9567}" type="datetimeFigureOut">
               <a:rPr lang="en-US" dirty="0"/>
               <a:pPr/>
-              <a:t>8/31/2024</a:t>
+              <a:t>9/1/2024</a:t>
             </a:fld>
             <a:endParaRPr lang="en-US" dirty="0"/>
           </a:p>
@@ -1520,7 +1522,7 @@
             <a:fld id="{B61BEF0D-F0BB-DE4B-95CE-6DB70DBA9567}" type="datetimeFigureOut">
               <a:rPr lang="en-US" dirty="0"/>
               <a:pPr/>
-              <a:t>8/31/2024</a:t>
+              <a:t>9/1/2024</a:t>
             </a:fld>
             <a:endParaRPr lang="en-US" dirty="0"/>
           </a:p>
@@ -1795,7 +1797,7 @@
             <a:fld id="{B61BEF0D-F0BB-DE4B-95CE-6DB70DBA9567}" type="datetimeFigureOut">
               <a:rPr lang="en-US" dirty="0"/>
               <a:pPr/>
-              <a:t>8/31/2024</a:t>
+              <a:t>9/1/2024</a:t>
             </a:fld>
             <a:endParaRPr lang="en-US" dirty="0"/>
           </a:p>
@@ -2354,7 +2356,7 @@
             <a:fld id="{B61BEF0D-F0BB-DE4B-95CE-6DB70DBA9567}" type="datetimeFigureOut">
               <a:rPr lang="en-US" dirty="0"/>
               <a:pPr/>
-              <a:t>8/31/2024</a:t>
+              <a:t>9/1/2024</a:t>
             </a:fld>
             <a:endParaRPr lang="en-US" dirty="0"/>
           </a:p>
@@ -2678,7 +2680,7 @@
             <a:fld id="{B61BEF0D-F0BB-DE4B-95CE-6DB70DBA9567}" type="datetimeFigureOut">
               <a:rPr lang="en-US" dirty="0"/>
               <a:pPr/>
-              <a:t>8/31/2024</a:t>
+              <a:t>9/1/2024</a:t>
             </a:fld>
             <a:endParaRPr lang="en-US" dirty="0"/>
           </a:p>
@@ -2852,7 +2854,7 @@
             <a:fld id="{B61BEF0D-F0BB-DE4B-95CE-6DB70DBA9567}" type="datetimeFigureOut">
               <a:rPr lang="en-US" dirty="0"/>
               <a:pPr/>
-              <a:t>8/31/2024</a:t>
+              <a:t>9/1/2024</a:t>
             </a:fld>
             <a:endParaRPr lang="en-US" dirty="0"/>
           </a:p>
@@ -3087,7 +3089,7 @@
             <a:fld id="{B61BEF0D-F0BB-DE4B-95CE-6DB70DBA9567}" type="datetimeFigureOut">
               <a:rPr lang="en-US" dirty="0"/>
               <a:pPr/>
-              <a:t>8/31/2024</a:t>
+              <a:t>9/1/2024</a:t>
             </a:fld>
             <a:endParaRPr lang="en-US" dirty="0"/>
           </a:p>
@@ -3284,7 +3286,7 @@
             <a:fld id="{B61BEF0D-F0BB-DE4B-95CE-6DB70DBA9567}" type="datetimeFigureOut">
               <a:rPr lang="en-US" dirty="0"/>
               <a:pPr/>
-              <a:t>8/31/2024</a:t>
+              <a:t>9/1/2024</a:t>
             </a:fld>
             <a:endParaRPr lang="en-US" dirty="0"/>
           </a:p>
@@ -3557,7 +3559,7 @@
             <a:fld id="{B61BEF0D-F0BB-DE4B-95CE-6DB70DBA9567}" type="datetimeFigureOut">
               <a:rPr lang="en-US" dirty="0"/>
               <a:pPr/>
-              <a:t>8/31/2024</a:t>
+              <a:t>9/1/2024</a:t>
             </a:fld>
             <a:endParaRPr lang="en-US" dirty="0"/>
           </a:p>
@@ -3820,7 +3822,7 @@
             <a:fld id="{B61BEF0D-F0BB-DE4B-95CE-6DB70DBA9567}" type="datetimeFigureOut">
               <a:rPr lang="en-US" dirty="0"/>
               <a:pPr/>
-              <a:t>8/31/2024</a:t>
+              <a:t>9/1/2024</a:t>
             </a:fld>
             <a:endParaRPr lang="en-US" dirty="0"/>
           </a:p>
@@ -4191,7 +4193,7 @@
             <a:fld id="{B61BEF0D-F0BB-DE4B-95CE-6DB70DBA9567}" type="datetimeFigureOut">
               <a:rPr lang="en-US" dirty="0"/>
               <a:pPr/>
-              <a:t>8/31/2024</a:t>
+              <a:t>9/1/2024</a:t>
             </a:fld>
             <a:endParaRPr lang="en-US" dirty="0"/>
           </a:p>
@@ -4336,7 +4338,7 @@
             <a:fld id="{B61BEF0D-F0BB-DE4B-95CE-6DB70DBA9567}" type="datetimeFigureOut">
               <a:rPr lang="en-US" dirty="0"/>
               <a:pPr/>
-              <a:t>8/31/2024</a:t>
+              <a:t>9/1/2024</a:t>
             </a:fld>
             <a:endParaRPr lang="en-US" dirty="0"/>
           </a:p>
@@ -4458,7 +4460,7 @@
             <a:fld id="{B61BEF0D-F0BB-DE4B-95CE-6DB70DBA9567}" type="datetimeFigureOut">
               <a:rPr lang="en-US" dirty="0"/>
               <a:pPr/>
-              <a:t>8/31/2024</a:t>
+              <a:t>9/1/2024</a:t>
             </a:fld>
             <a:endParaRPr lang="en-US" dirty="0"/>
           </a:p>
@@ -4740,7 +4742,7 @@
             <a:fld id="{B61BEF0D-F0BB-DE4B-95CE-6DB70DBA9567}" type="datetimeFigureOut">
               <a:rPr lang="en-US" dirty="0"/>
               <a:pPr/>
-              <a:t>8/31/2024</a:t>
+              <a:t>9/1/2024</a:t>
             </a:fld>
             <a:endParaRPr lang="en-US" dirty="0"/>
           </a:p>
@@ -5061,7 +5063,7 @@
             <a:fld id="{B61BEF0D-F0BB-DE4B-95CE-6DB70DBA9567}" type="datetimeFigureOut">
               <a:rPr lang="en-US" dirty="0"/>
               <a:pPr/>
-              <a:t>8/31/2024</a:t>
+              <a:t>9/1/2024</a:t>
             </a:fld>
             <a:endParaRPr lang="en-US" dirty="0"/>
           </a:p>
@@ -5272,7 +5274,7 @@
             <a:fld id="{B61BEF0D-F0BB-DE4B-95CE-6DB70DBA9567}" type="datetimeFigureOut">
               <a:rPr lang="en-US" dirty="0"/>
               <a:pPr/>
-              <a:t>8/31/2024</a:t>
+              <a:t>9/1/2024</a:t>
             </a:fld>
             <a:endParaRPr lang="en-US" dirty="0"/>
           </a:p>
@@ -5881,6 +5883,68 @@
 </p:sld>
 </file>
 
+<file path=ppt/slides/slide10.xml><?xml version="1.0" encoding="utf-8"?>
+<p:sld xmlns:a="http://schemas.openxmlformats.org/drawingml/2006/main" xmlns:r="http://schemas.openxmlformats.org/officeDocument/2006/relationships" xmlns:p="http://schemas.openxmlformats.org/presentationml/2006/main">
+  <p:cSld>
+    <p:spTree>
+      <p:nvGrpSpPr>
+        <p:cNvPr id="1" name=""/>
+        <p:cNvGrpSpPr/>
+        <p:nvPr/>
+      </p:nvGrpSpPr>
+      <p:grpSpPr>
+        <a:xfrm>
+          <a:off x="0" y="0"/>
+          <a:ext cx="0" cy="0"/>
+          <a:chOff x="0" y="0"/>
+          <a:chExt cx="0" cy="0"/>
+        </a:xfrm>
+      </p:grpSpPr>
+      <p:sp>
+        <p:nvSpPr>
+          <p:cNvPr id="2" name="Título 1">
+            <a:extLst>
+              <a:ext uri="{FF2B5EF4-FFF2-40B4-BE49-F238E27FC236}">
+                <a16:creationId xmlns:a16="http://schemas.microsoft.com/office/drawing/2014/main" id="{42CAE5DF-6027-0C4F-1839-10E52B7CECAE}"/>
+              </a:ext>
+            </a:extLst>
+          </p:cNvPr>
+          <p:cNvSpPr>
+            <a:spLocks noGrp="1"/>
+          </p:cNvSpPr>
+          <p:nvPr>
+            <p:ph type="title"/>
+          </p:nvPr>
+        </p:nvSpPr>
+        <p:spPr/>
+        <p:txBody>
+          <a:bodyPr/>
+          <a:lstStyle/>
+          <a:p>
+            <a:r>
+              <a:rPr lang="en-US" b="1" dirty="0"/>
+              <a:t>Product</a:t>
+            </a:r>
+            <a:r>
+              <a:rPr lang="es-CL" b="1" dirty="0"/>
+              <a:t> backlog</a:t>
+            </a:r>
+          </a:p>
+        </p:txBody>
+      </p:sp>
+    </p:spTree>
+    <p:extLst>
+      <p:ext uri="{BB962C8B-B14F-4D97-AF65-F5344CB8AC3E}">
+        <p14:creationId xmlns:p14="http://schemas.microsoft.com/office/powerpoint/2010/main" val="2896381880"/>
+      </p:ext>
+    </p:extLst>
+  </p:cSld>
+  <p:clrMapOvr>
+    <a:masterClrMapping/>
+  </p:clrMapOvr>
+</p:sld>
+</file>
+
 <file path=ppt/slides/slide2.xml><?xml version="1.0" encoding="utf-8"?>
 <p:sld xmlns:a="http://schemas.openxmlformats.org/drawingml/2006/main" xmlns:r="http://schemas.openxmlformats.org/officeDocument/2006/relationships" xmlns:p="http://schemas.openxmlformats.org/presentationml/2006/main">
   <p:cSld>
@@ -5940,8 +6004,8 @@
         </p:nvSpPr>
         <p:spPr>
           <a:xfrm>
-            <a:off x="914401" y="2065867"/>
-            <a:ext cx="3026664" cy="3970318"/>
+            <a:off x="685801" y="1809835"/>
+            <a:ext cx="3026664" cy="5262979"/>
           </a:xfrm>
           <a:prstGeom prst="rect">
             <a:avLst/>
@@ -5959,7 +6023,7 @@
               <a:buChar char="v"/>
             </a:pPr>
             <a:r>
-              <a:rPr lang="es-CL" dirty="0"/>
+              <a:rPr lang="es-CL" sz="2400" dirty="0"/>
               <a:t>Contexto</a:t>
             </a:r>
           </a:p>
@@ -5968,7 +6032,7 @@
               <a:buFont typeface="Wingdings" panose="05000000000000000000" pitchFamily="2" charset="2"/>
               <a:buChar char="v"/>
             </a:pPr>
-            <a:endParaRPr lang="es-CL" dirty="0"/>
+            <a:endParaRPr lang="es-CL" sz="2400" dirty="0"/>
           </a:p>
           <a:p>
             <a:pPr marL="285750" indent="-285750">
@@ -5976,7 +6040,7 @@
               <a:buChar char="v"/>
             </a:pPr>
             <a:r>
-              <a:rPr lang="es-CL" dirty="0"/>
+              <a:rPr lang="es-CL" sz="2400" dirty="0"/>
               <a:t>Problema </a:t>
             </a:r>
           </a:p>
@@ -5985,7 +6049,7 @@
               <a:buFont typeface="Wingdings" panose="05000000000000000000" pitchFamily="2" charset="2"/>
               <a:buChar char="v"/>
             </a:pPr>
-            <a:endParaRPr lang="es-CL" dirty="0"/>
+            <a:endParaRPr lang="es-CL" sz="2400" dirty="0"/>
           </a:p>
           <a:p>
             <a:pPr marL="285750" indent="-285750">
@@ -5993,7 +6057,7 @@
               <a:buChar char="v"/>
             </a:pPr>
             <a:r>
-              <a:rPr lang="es-CL" dirty="0"/>
+              <a:rPr lang="es-CL" sz="2400" dirty="0"/>
               <a:t>Solución</a:t>
             </a:r>
           </a:p>
@@ -6002,7 +6066,7 @@
               <a:buFont typeface="Wingdings" panose="05000000000000000000" pitchFamily="2" charset="2"/>
               <a:buChar char="v"/>
             </a:pPr>
-            <a:endParaRPr lang="es-CL" dirty="0"/>
+            <a:endParaRPr lang="es-CL" sz="2400" dirty="0"/>
           </a:p>
           <a:p>
             <a:pPr marL="285750" indent="-285750">
@@ -6010,7 +6074,7 @@
               <a:buChar char="v"/>
             </a:pPr>
             <a:r>
-              <a:rPr lang="es-CL" dirty="0"/>
+              <a:rPr lang="es-CL" sz="2400" dirty="0"/>
               <a:t>Arquitectura</a:t>
             </a:r>
           </a:p>
@@ -6019,7 +6083,7 @@
               <a:buFont typeface="Wingdings" panose="05000000000000000000" pitchFamily="2" charset="2"/>
               <a:buChar char="v"/>
             </a:pPr>
-            <a:endParaRPr lang="es-CL" dirty="0"/>
+            <a:endParaRPr lang="es-CL" sz="2400" dirty="0"/>
           </a:p>
           <a:p>
             <a:pPr marL="285750" indent="-285750">
@@ -6027,7 +6091,7 @@
               <a:buChar char="v"/>
             </a:pPr>
             <a:r>
-              <a:rPr lang="es-CL" dirty="0"/>
+              <a:rPr lang="es-CL" sz="2400" dirty="0"/>
               <a:t>Metodología</a:t>
             </a:r>
           </a:p>
@@ -6036,7 +6100,7 @@
               <a:buFont typeface="Wingdings" panose="05000000000000000000" pitchFamily="2" charset="2"/>
               <a:buChar char="v"/>
             </a:pPr>
-            <a:endParaRPr lang="es-CL" dirty="0"/>
+            <a:endParaRPr lang="es-CL" sz="2400" dirty="0"/>
           </a:p>
           <a:p>
             <a:pPr marL="285750" indent="-285750">
@@ -6044,7 +6108,7 @@
               <a:buChar char="v"/>
             </a:pPr>
             <a:r>
-              <a:rPr lang="es-CL" dirty="0"/>
+              <a:rPr lang="es-CL" sz="2400" dirty="0"/>
               <a:t>Roles</a:t>
             </a:r>
           </a:p>
@@ -6053,7 +6117,7 @@
               <a:buFont typeface="Wingdings" panose="05000000000000000000" pitchFamily="2" charset="2"/>
               <a:buChar char="v"/>
             </a:pPr>
-            <a:endParaRPr lang="es-CL" dirty="0"/>
+            <a:endParaRPr lang="es-CL" sz="2400" dirty="0"/>
           </a:p>
           <a:p>
             <a:pPr marL="285750" indent="-285750">
@@ -6061,7 +6125,7 @@
               <a:buChar char="v"/>
             </a:pPr>
             <a:r>
-              <a:rPr lang="es-CL" dirty="0"/>
+              <a:rPr lang="es-CL" sz="2400" dirty="0"/>
               <a:t>Evidencias</a:t>
             </a:r>
           </a:p>
@@ -6070,7 +6134,7 @@
               <a:buFont typeface="Wingdings" panose="05000000000000000000" pitchFamily="2" charset="2"/>
               <a:buChar char="v"/>
             </a:pPr>
-            <a:endParaRPr lang="es-CL" dirty="0"/>
+            <a:endParaRPr lang="es-CL" sz="2400" dirty="0"/>
           </a:p>
         </p:txBody>
       </p:sp>
@@ -6088,8 +6152,8 @@
         </p:nvSpPr>
         <p:spPr>
           <a:xfrm>
-            <a:off x="6214873" y="2065867"/>
-            <a:ext cx="3026664" cy="2031325"/>
+            <a:off x="4687825" y="1809835"/>
+            <a:ext cx="3026664" cy="2677656"/>
           </a:xfrm>
           <a:prstGeom prst="rect">
             <a:avLst/>
@@ -6107,7 +6171,7 @@
               <a:buChar char="v"/>
             </a:pPr>
             <a:r>
-              <a:rPr lang="es-CL" dirty="0"/>
+              <a:rPr lang="es-CL" sz="2400" dirty="0"/>
               <a:t>Product Backlog</a:t>
             </a:r>
           </a:p>
@@ -6116,7 +6180,7 @@
               <a:buFont typeface="Wingdings" panose="05000000000000000000" pitchFamily="2" charset="2"/>
               <a:buChar char="v"/>
             </a:pPr>
-            <a:endParaRPr lang="es-CL" dirty="0"/>
+            <a:endParaRPr lang="es-CL" sz="2400" dirty="0"/>
           </a:p>
           <a:p>
             <a:pPr marL="285750" indent="-285750">
@@ -6124,7 +6188,7 @@
               <a:buChar char="v"/>
             </a:pPr>
             <a:r>
-              <a:rPr lang="es-CL" dirty="0"/>
+              <a:rPr lang="es-CL" sz="2400" dirty="0"/>
               <a:t>Carta Gantt</a:t>
             </a:r>
           </a:p>
@@ -6133,7 +6197,7 @@
               <a:buFont typeface="Wingdings" panose="05000000000000000000" pitchFamily="2" charset="2"/>
               <a:buChar char="v"/>
             </a:pPr>
-            <a:endParaRPr lang="es-CL" dirty="0"/>
+            <a:endParaRPr lang="es-CL" sz="2400" dirty="0"/>
           </a:p>
           <a:p>
             <a:pPr marL="285750" indent="-285750">
@@ -6141,7 +6205,7 @@
               <a:buChar char="v"/>
             </a:pPr>
             <a:r>
-              <a:rPr lang="es-CL" dirty="0"/>
+              <a:rPr lang="es-CL" sz="2400" dirty="0"/>
               <a:t>Sprint</a:t>
             </a:r>
           </a:p>
@@ -6150,7 +6214,7 @@
               <a:buFont typeface="Wingdings" panose="05000000000000000000" pitchFamily="2" charset="2"/>
               <a:buChar char="v"/>
             </a:pPr>
-            <a:endParaRPr lang="es-CL" dirty="0"/>
+            <a:endParaRPr lang="es-CL" sz="2400" dirty="0"/>
           </a:p>
           <a:p>
             <a:pPr marL="285750" indent="-285750">
@@ -6158,7 +6222,7 @@
               <a:buChar char="v"/>
             </a:pPr>
             <a:r>
-              <a:rPr lang="es-CL" dirty="0"/>
+              <a:rPr lang="es-CL" sz="2400" dirty="0"/>
               <a:t>Conclusión</a:t>
             </a:r>
           </a:p>
@@ -7014,8 +7078,8 @@
         </p:nvSpPr>
         <p:spPr>
           <a:xfrm>
-            <a:off x="1125199" y="177839"/>
-            <a:ext cx="10127192" cy="931340"/>
+            <a:off x="4746837" y="143550"/>
+            <a:ext cx="2430632" cy="743418"/>
           </a:xfrm>
         </p:spPr>
         <p:txBody>
@@ -7060,7 +7124,7 @@
         </p:blipFill>
         <p:spPr bwMode="auto">
           <a:xfrm>
-            <a:off x="922867" y="1287018"/>
+            <a:off x="621115" y="972943"/>
             <a:ext cx="2455164" cy="2455164"/>
           </a:xfrm>
           <a:prstGeom prst="roundRect">
@@ -7134,7 +7198,7 @@
         </p:blipFill>
         <p:spPr bwMode="auto">
           <a:xfrm>
-            <a:off x="3555831" y="1287018"/>
+            <a:off x="645478" y="4133088"/>
             <a:ext cx="2455164" cy="2455164"/>
           </a:xfrm>
           <a:prstGeom prst="roundRect">
@@ -7208,7 +7272,7 @@
         </p:blipFill>
         <p:spPr bwMode="auto">
           <a:xfrm>
-            <a:off x="6188795" y="1287018"/>
+            <a:off x="8815747" y="4133088"/>
             <a:ext cx="2455164" cy="2455164"/>
           </a:xfrm>
           <a:prstGeom prst="roundRect">
@@ -7282,7 +7346,7 @@
         </p:blipFill>
         <p:spPr bwMode="auto">
           <a:xfrm>
-            <a:off x="8815747" y="1287018"/>
+            <a:off x="8815747" y="972943"/>
             <a:ext cx="2455164" cy="2455164"/>
           </a:xfrm>
           <a:prstGeom prst="roundRect">
@@ -7342,8 +7406,8 @@
         </p:nvSpPr>
         <p:spPr>
           <a:xfrm>
-            <a:off x="1060704" y="4142232"/>
-            <a:ext cx="2212848" cy="923330"/>
+            <a:off x="3374136" y="1877359"/>
+            <a:ext cx="2212848" cy="646331"/>
           </a:xfrm>
           <a:prstGeom prst="rect">
             <a:avLst/>
@@ -7358,25 +7422,9 @@
           <a:p>
             <a:pPr algn="ctr"/>
             <a:r>
-              <a:rPr lang="es-CL" dirty="0" err="1"/>
-              <a:t>Product</a:t>
-            </a:r>
-            <a:r>
-              <a:rPr lang="es-CL" dirty="0"/>
-              <a:t> </a:t>
-            </a:r>
-            <a:r>
-              <a:rPr lang="es-CL" dirty="0" err="1"/>
-              <a:t>Owner</a:t>
-            </a:r>
-            <a:r>
-              <a:rPr lang="es-CL" dirty="0"/>
-              <a:t> </a:t>
-            </a:r>
-          </a:p>
-          <a:p>
-            <a:pPr algn="ctr"/>
-            <a:endParaRPr lang="es-CL" dirty="0"/>
+              <a:rPr lang="en-US" dirty="0"/>
+              <a:t>Product Owner </a:t>
+            </a:r>
           </a:p>
           <a:p>
             <a:pPr algn="ctr"/>
@@ -7401,8 +7449,8 @@
         </p:nvSpPr>
         <p:spPr>
           <a:xfrm>
-            <a:off x="3646869" y="4142232"/>
-            <a:ext cx="2212848" cy="1200329"/>
+            <a:off x="3610039" y="4899005"/>
+            <a:ext cx="2212848" cy="923330"/>
           </a:xfrm>
           <a:prstGeom prst="rect">
             <a:avLst/>
@@ -7421,22 +7469,9 @@
               <a:t>Scrum Master | </a:t>
             </a:r>
             <a:r>
-              <a:rPr lang="es-CL" dirty="0" err="1"/>
-              <a:t>Development</a:t>
-            </a:r>
-            <a:r>
-              <a:rPr lang="es-CL" dirty="0"/>
-              <a:t> </a:t>
-            </a:r>
-            <a:r>
-              <a:rPr lang="es-CL" dirty="0" err="1"/>
-              <a:t>Team</a:t>
-            </a:r>
-            <a:endParaRPr lang="es-CL" dirty="0"/>
-          </a:p>
-          <a:p>
-            <a:pPr algn="ctr"/>
-            <a:endParaRPr lang="es-CL" dirty="0"/>
+              <a:rPr lang="en-US" dirty="0"/>
+              <a:t>Development Team</a:t>
+            </a:r>
           </a:p>
           <a:p>
             <a:pPr algn="ctr"/>
@@ -7461,8 +7496,8 @@
         </p:nvSpPr>
         <p:spPr>
           <a:xfrm>
-            <a:off x="6332284" y="4142232"/>
-            <a:ext cx="2212848" cy="923330"/>
+            <a:off x="6378004" y="1877358"/>
+            <a:ext cx="2212848" cy="646331"/>
           </a:xfrm>
           <a:prstGeom prst="rect">
             <a:avLst/>
@@ -7477,22 +7512,9 @@
           <a:p>
             <a:pPr algn="ctr"/>
             <a:r>
-              <a:rPr lang="es-CL" dirty="0" err="1"/>
-              <a:t>Development</a:t>
-            </a:r>
-            <a:r>
-              <a:rPr lang="es-CL" dirty="0"/>
-              <a:t> </a:t>
-            </a:r>
-            <a:r>
-              <a:rPr lang="es-CL" dirty="0" err="1"/>
-              <a:t>Team</a:t>
-            </a:r>
-            <a:endParaRPr lang="es-CL" dirty="0"/>
-          </a:p>
-          <a:p>
-            <a:pPr algn="ctr"/>
-            <a:endParaRPr lang="es-CL" dirty="0"/>
+              <a:rPr lang="en-US" dirty="0"/>
+              <a:t>Development Team</a:t>
+            </a:r>
           </a:p>
           <a:p>
             <a:pPr algn="ctr"/>
@@ -7517,8 +7539,8 @@
         </p:nvSpPr>
         <p:spPr>
           <a:xfrm>
-            <a:off x="8918448" y="4133088"/>
-            <a:ext cx="2212848" cy="923330"/>
+            <a:off x="6332284" y="4899005"/>
+            <a:ext cx="2212848" cy="646331"/>
           </a:xfrm>
           <a:prstGeom prst="rect">
             <a:avLst/>
@@ -7533,22 +7555,9 @@
           <a:p>
             <a:pPr algn="ctr"/>
             <a:r>
-              <a:rPr lang="es-CL" dirty="0" err="1"/>
-              <a:t>Development</a:t>
-            </a:r>
-            <a:r>
-              <a:rPr lang="es-CL" dirty="0"/>
-              <a:t> </a:t>
-            </a:r>
-            <a:r>
-              <a:rPr lang="es-CL" dirty="0" err="1"/>
-              <a:t>Team</a:t>
-            </a:r>
-            <a:endParaRPr lang="es-CL" dirty="0"/>
-          </a:p>
-          <a:p>
-            <a:pPr algn="ctr"/>
-            <a:endParaRPr lang="es-CL" dirty="0"/>
+              <a:rPr lang="en-US" dirty="0"/>
+              <a:t>Development Team</a:t>
+            </a:r>
           </a:p>
           <a:p>
             <a:pPr algn="ctr"/>
@@ -7591,44 +7600,10 @@
       </p:grpSpPr>
       <p:sp>
         <p:nvSpPr>
-          <p:cNvPr id="2" name="Título 1">
+          <p:cNvPr id="5" name="Elipse 4">
             <a:extLst>
               <a:ext uri="{FF2B5EF4-FFF2-40B4-BE49-F238E27FC236}">
-                <a16:creationId xmlns:a16="http://schemas.microsoft.com/office/drawing/2014/main" id="{4F776BD3-50C6-9630-7ED6-AA837CBA15D5}"/>
-              </a:ext>
-            </a:extLst>
-          </p:cNvPr>
-          <p:cNvSpPr>
-            <a:spLocks noGrp="1"/>
-          </p:cNvSpPr>
-          <p:nvPr>
-            <p:ph type="title"/>
-          </p:nvPr>
-        </p:nvSpPr>
-        <p:spPr>
-          <a:xfrm>
-            <a:off x="434662" y="507454"/>
-            <a:ext cx="2990087" cy="668176"/>
-          </a:xfrm>
-        </p:spPr>
-        <p:txBody>
-          <a:bodyPr/>
-          <a:lstStyle/>
-          <a:p>
-            <a:pPr algn="ctr"/>
-            <a:r>
-              <a:rPr lang="es-CL" b="1" dirty="0"/>
-              <a:t>evidencias</a:t>
-            </a:r>
-          </a:p>
-        </p:txBody>
-      </p:sp>
-      <p:sp>
-        <p:nvSpPr>
-          <p:cNvPr id="4" name="Elipse 3">
-            <a:extLst>
-              <a:ext uri="{FF2B5EF4-FFF2-40B4-BE49-F238E27FC236}">
-                <a16:creationId xmlns:a16="http://schemas.microsoft.com/office/drawing/2014/main" id="{02CF837A-9502-36F0-CFEF-9C83DD9F9CAC}"/>
+                <a16:creationId xmlns:a16="http://schemas.microsoft.com/office/drawing/2014/main" id="{849FC11D-3819-DB10-1340-91E4127BFA90}"/>
               </a:ext>
             </a:extLst>
           </p:cNvPr>
@@ -7637,7 +7612,7 @@
         </p:nvSpPr>
         <p:spPr>
           <a:xfrm>
-            <a:off x="1780311" y="1892065"/>
+            <a:off x="770541" y="1138066"/>
             <a:ext cx="2318327" cy="997528"/>
           </a:xfrm>
           <a:prstGeom prst="ellipse">
@@ -7679,23 +7654,7 @@
                 <a:latin typeface="Calibri" panose="020F0502020204030204" pitchFamily="34" charset="0"/>
                 <a:ea typeface="Calibri" panose="020F0502020204030204" pitchFamily="34" charset="0"/>
               </a:rPr>
-              <a:t>Minuta </a:t>
-            </a:r>
-            <a:r>
-              <a:rPr lang="es-CL" sz="1800" dirty="0" err="1">
-                <a:effectLst/>
-                <a:latin typeface="Calibri" panose="020F0502020204030204" pitchFamily="34" charset="0"/>
-                <a:ea typeface="Calibri" panose="020F0502020204030204" pitchFamily="34" charset="0"/>
-              </a:rPr>
-              <a:t>Kick</a:t>
-            </a:r>
-            <a:r>
-              <a:rPr lang="es-CL" sz="1800" dirty="0">
-                <a:effectLst/>
-                <a:latin typeface="Calibri" panose="020F0502020204030204" pitchFamily="34" charset="0"/>
-                <a:ea typeface="Calibri" panose="020F0502020204030204" pitchFamily="34" charset="0"/>
-              </a:rPr>
-              <a:t> Off</a:t>
+              <a:t>Definición del Proyecto ATP</a:t>
             </a:r>
             <a:endParaRPr lang="es-CL" dirty="0"/>
           </a:p>
@@ -7703,10 +7662,44 @@
       </p:sp>
       <p:sp>
         <p:nvSpPr>
-          <p:cNvPr id="5" name="Elipse 4">
+          <p:cNvPr id="2" name="Título 1">
             <a:extLst>
               <a:ext uri="{FF2B5EF4-FFF2-40B4-BE49-F238E27FC236}">
-                <a16:creationId xmlns:a16="http://schemas.microsoft.com/office/drawing/2014/main" id="{849FC11D-3819-DB10-1340-91E4127BFA90}"/>
+                <a16:creationId xmlns:a16="http://schemas.microsoft.com/office/drawing/2014/main" id="{4F776BD3-50C6-9630-7ED6-AA837CBA15D5}"/>
+              </a:ext>
+            </a:extLst>
+          </p:cNvPr>
+          <p:cNvSpPr>
+            <a:spLocks noGrp="1"/>
+          </p:cNvSpPr>
+          <p:nvPr>
+            <p:ph type="title"/>
+          </p:nvPr>
+        </p:nvSpPr>
+        <p:spPr>
+          <a:xfrm>
+            <a:off x="434658" y="223662"/>
+            <a:ext cx="2990087" cy="668176"/>
+          </a:xfrm>
+        </p:spPr>
+        <p:txBody>
+          <a:bodyPr/>
+          <a:lstStyle/>
+          <a:p>
+            <a:pPr algn="ctr"/>
+            <a:r>
+              <a:rPr lang="es-CL" b="1" dirty="0"/>
+              <a:t>evidencias</a:t>
+            </a:r>
+          </a:p>
+        </p:txBody>
+      </p:sp>
+      <p:sp>
+        <p:nvSpPr>
+          <p:cNvPr id="4" name="Elipse 3">
+            <a:extLst>
+              <a:ext uri="{FF2B5EF4-FFF2-40B4-BE49-F238E27FC236}">
+                <a16:creationId xmlns:a16="http://schemas.microsoft.com/office/drawing/2014/main" id="{02CF837A-9502-36F0-CFEF-9C83DD9F9CAC}"/>
               </a:ext>
             </a:extLst>
           </p:cNvPr>
@@ -7715,7 +7708,7 @@
         </p:nvSpPr>
         <p:spPr>
           <a:xfrm>
-            <a:off x="5054506" y="676866"/>
+            <a:off x="770540" y="2290925"/>
             <a:ext cx="2318327" cy="997528"/>
           </a:xfrm>
           <a:prstGeom prst="ellipse">
@@ -7757,7 +7750,23 @@
                 <a:latin typeface="Calibri" panose="020F0502020204030204" pitchFamily="34" charset="0"/>
                 <a:ea typeface="Calibri" panose="020F0502020204030204" pitchFamily="34" charset="0"/>
               </a:rPr>
-              <a:t>Definición del Proyecto ATP</a:t>
+              <a:t>Minuta </a:t>
+            </a:r>
+            <a:r>
+              <a:rPr lang="en-US" sz="1800" dirty="0">
+                <a:effectLst/>
+                <a:latin typeface="Calibri" panose="020F0502020204030204" pitchFamily="34" charset="0"/>
+                <a:ea typeface="Calibri" panose="020F0502020204030204" pitchFamily="34" charset="0"/>
+              </a:rPr>
+              <a:t>Kick</a:t>
+            </a:r>
+            <a:r>
+              <a:rPr lang="es-CL" sz="1800" dirty="0">
+                <a:effectLst/>
+                <a:latin typeface="Calibri" panose="020F0502020204030204" pitchFamily="34" charset="0"/>
+                <a:ea typeface="Calibri" panose="020F0502020204030204" pitchFamily="34" charset="0"/>
+              </a:rPr>
+              <a:t> Off</a:t>
             </a:r>
             <a:endParaRPr lang="es-CL" dirty="0"/>
           </a:p>
@@ -7777,8 +7786,8 @@
         </p:nvSpPr>
         <p:spPr>
           <a:xfrm>
-            <a:off x="1700784" y="3211484"/>
-            <a:ext cx="2397854" cy="1151467"/>
+            <a:off x="3270520" y="3443784"/>
+            <a:ext cx="2431142" cy="997529"/>
           </a:xfrm>
           <a:prstGeom prst="ellipse">
             <a:avLst/>
@@ -7839,7 +7848,7 @@
         </p:nvSpPr>
         <p:spPr>
           <a:xfrm>
-            <a:off x="1769764" y="4684842"/>
+            <a:off x="3326926" y="5636810"/>
             <a:ext cx="2318327" cy="997528"/>
           </a:xfrm>
           <a:prstGeom prst="ellipse">
@@ -7901,7 +7910,7 @@
         </p:nvSpPr>
         <p:spPr>
           <a:xfrm>
-            <a:off x="7139982" y="3211484"/>
+            <a:off x="770539" y="5636810"/>
             <a:ext cx="2318327" cy="997528"/>
           </a:xfrm>
           <a:prstGeom prst="ellipse">
@@ -7963,7 +7972,7 @@
         </p:nvSpPr>
         <p:spPr>
           <a:xfrm>
-            <a:off x="4460147" y="3211484"/>
+            <a:off x="3326929" y="1138066"/>
             <a:ext cx="2318327" cy="997528"/>
           </a:xfrm>
           <a:prstGeom prst="ellipse">
@@ -8025,7 +8034,7 @@
         </p:nvSpPr>
         <p:spPr>
           <a:xfrm>
-            <a:off x="4460147" y="1835482"/>
+            <a:off x="770539" y="3406220"/>
             <a:ext cx="2318327" cy="997528"/>
           </a:xfrm>
           <a:prstGeom prst="ellipse">
@@ -8087,7 +8096,7 @@
         </p:nvSpPr>
         <p:spPr>
           <a:xfrm>
-            <a:off x="9252525" y="1559192"/>
+            <a:off x="770539" y="4521515"/>
             <a:ext cx="2318327" cy="997528"/>
           </a:xfrm>
           <a:prstGeom prst="ellipse">
@@ -8149,7 +8158,7 @@
         </p:nvSpPr>
         <p:spPr>
           <a:xfrm>
-            <a:off x="7150530" y="4587486"/>
+            <a:off x="3326928" y="2290925"/>
             <a:ext cx="2318327" cy="997528"/>
           </a:xfrm>
           <a:prstGeom prst="ellipse">
@@ -8186,22 +8195,14 @@
           <a:p>
             <a:pPr algn="ctr"/>
             <a:r>
-              <a:rPr lang="es-CL" sz="1800" dirty="0" err="1">
+              <a:rPr lang="en-US" sz="1800" dirty="0">
                 <a:effectLst/>
                 <a:latin typeface="Calibri" panose="020F0502020204030204" pitchFamily="34" charset="0"/>
                 <a:ea typeface="Calibri" panose="020F0502020204030204" pitchFamily="34" charset="0"/>
               </a:rPr>
-              <a:t>Product</a:t>
-            </a:r>
-            <a:r>
-              <a:rPr lang="es-CL" sz="1800" dirty="0">
-                <a:effectLst/>
-                <a:latin typeface="Calibri" panose="020F0502020204030204" pitchFamily="34" charset="0"/>
-                <a:ea typeface="Calibri" panose="020F0502020204030204" pitchFamily="34" charset="0"/>
-              </a:rPr>
-              <a:t> Backlog</a:t>
-            </a:r>
-            <a:endParaRPr lang="es-CL" dirty="0"/>
+              <a:t>Product Backlog</a:t>
+            </a:r>
+            <a:endParaRPr lang="en-US" dirty="0"/>
           </a:p>
         </p:txBody>
       </p:sp>
@@ -8219,7 +8220,7 @@
         </p:nvSpPr>
         <p:spPr>
           <a:xfrm>
-            <a:off x="4460147" y="4587486"/>
+            <a:off x="3326925" y="4540297"/>
             <a:ext cx="2318327" cy="997528"/>
           </a:xfrm>
           <a:prstGeom prst="ellipse">
@@ -8281,7 +8282,7 @@
         </p:nvSpPr>
         <p:spPr>
           <a:xfrm>
-            <a:off x="9716946" y="3211484"/>
+            <a:off x="6739810" y="1237170"/>
             <a:ext cx="2318327" cy="997528"/>
           </a:xfrm>
           <a:prstGeom prst="ellipse">
@@ -8318,12 +8319,434 @@
           <a:p>
             <a:pPr algn="ctr"/>
             <a:r>
+              <a:rPr lang="en-US" sz="1800" dirty="0">
+                <a:effectLst/>
+                <a:latin typeface="Calibri" panose="020F0502020204030204" pitchFamily="34" charset="0"/>
+                <a:ea typeface="Calibri" panose="020F0502020204030204" pitchFamily="34" charset="0"/>
+              </a:rPr>
+              <a:t>Sprint planning</a:t>
+            </a:r>
+          </a:p>
+        </p:txBody>
+      </p:sp>
+      <p:sp>
+        <p:nvSpPr>
+          <p:cNvPr id="13" name="Título 1">
+            <a:extLst>
+              <a:ext uri="{FF2B5EF4-FFF2-40B4-BE49-F238E27FC236}">
+                <a16:creationId xmlns:a16="http://schemas.microsoft.com/office/drawing/2014/main" id="{5BCF51B6-EE91-731C-88E4-489F82B0578C}"/>
+              </a:ext>
+            </a:extLst>
+          </p:cNvPr>
+          <p:cNvSpPr txBox="1">
+            <a:spLocks/>
+          </p:cNvSpPr>
+          <p:nvPr/>
+        </p:nvSpPr>
+        <p:spPr>
+          <a:xfrm>
+            <a:off x="6967729" y="223662"/>
+            <a:ext cx="4581144" cy="668176"/>
+          </a:xfrm>
+          <a:prstGeom prst="rect">
+            <a:avLst/>
+          </a:prstGeom>
+          <a:effectLst/>
+        </p:spPr>
+        <p:txBody>
+          <a:bodyPr vert="horz" lIns="91440" tIns="45720" rIns="91440" bIns="45720" rtlCol="0" anchor="ctr">
+            <a:normAutofit/>
+          </a:bodyPr>
+          <a:lstStyle>
+            <a:lvl1pPr algn="l" defTabSz="457200" rtl="0" eaLnBrk="1" latinLnBrk="0" hangingPunct="1">
+              <a:spcBef>
+                <a:spcPct val="0"/>
+              </a:spcBef>
+              <a:buNone/>
+              <a:defRPr sz="3600" kern="1200" cap="all">
+                <a:ln w="3175" cmpd="sng">
+                  <a:noFill/>
+                </a:ln>
+                <a:solidFill>
+                  <a:schemeClr val="tx1"/>
+                </a:solidFill>
+                <a:effectLst/>
+                <a:latin typeface="+mj-lt"/>
+                <a:ea typeface="+mj-ea"/>
+                <a:cs typeface="+mj-cs"/>
+              </a:defRPr>
+            </a:lvl1pPr>
+            <a:lvl2pPr eaLnBrk="1" hangingPunct="1">
+              <a:defRPr>
+                <a:solidFill>
+                  <a:schemeClr val="tx2"/>
+                </a:solidFill>
+              </a:defRPr>
+            </a:lvl2pPr>
+            <a:lvl3pPr eaLnBrk="1" hangingPunct="1">
+              <a:defRPr>
+                <a:solidFill>
+                  <a:schemeClr val="tx2"/>
+                </a:solidFill>
+              </a:defRPr>
+            </a:lvl3pPr>
+            <a:lvl4pPr eaLnBrk="1" hangingPunct="1">
+              <a:defRPr>
+                <a:solidFill>
+                  <a:schemeClr val="tx2"/>
+                </a:solidFill>
+              </a:defRPr>
+            </a:lvl4pPr>
+            <a:lvl5pPr eaLnBrk="1" hangingPunct="1">
+              <a:defRPr>
+                <a:solidFill>
+                  <a:schemeClr val="tx2"/>
+                </a:solidFill>
+              </a:defRPr>
+            </a:lvl5pPr>
+            <a:lvl6pPr eaLnBrk="1" hangingPunct="1">
+              <a:defRPr>
+                <a:solidFill>
+                  <a:schemeClr val="tx2"/>
+                </a:solidFill>
+              </a:defRPr>
+            </a:lvl6pPr>
+            <a:lvl7pPr eaLnBrk="1" hangingPunct="1">
+              <a:defRPr>
+                <a:solidFill>
+                  <a:schemeClr val="tx2"/>
+                </a:solidFill>
+              </a:defRPr>
+            </a:lvl7pPr>
+            <a:lvl8pPr eaLnBrk="1" hangingPunct="1">
+              <a:defRPr>
+                <a:solidFill>
+                  <a:schemeClr val="tx2"/>
+                </a:solidFill>
+              </a:defRPr>
+            </a:lvl8pPr>
+            <a:lvl9pPr eaLnBrk="1" hangingPunct="1">
+              <a:defRPr>
+                <a:solidFill>
+                  <a:schemeClr val="tx2"/>
+                </a:solidFill>
+              </a:defRPr>
+            </a:lvl9pPr>
+          </a:lstStyle>
+          <a:p>
+            <a:pPr algn="ctr"/>
+            <a:r>
+              <a:rPr lang="es-CL" sz="3500" b="1" dirty="0"/>
+              <a:t>Evidencias por sprint</a:t>
+            </a:r>
+          </a:p>
+        </p:txBody>
+      </p:sp>
+      <p:sp>
+        <p:nvSpPr>
+          <p:cNvPr id="14" name="Elipse 13">
+            <a:extLst>
+              <a:ext uri="{FF2B5EF4-FFF2-40B4-BE49-F238E27FC236}">
+                <a16:creationId xmlns:a16="http://schemas.microsoft.com/office/drawing/2014/main" id="{6A61FFF0-EE5C-9056-F6A5-AEE4E038DF4A}"/>
+              </a:ext>
+            </a:extLst>
+          </p:cNvPr>
+          <p:cNvSpPr/>
+          <p:nvPr/>
+        </p:nvSpPr>
+        <p:spPr>
+          <a:xfrm>
+            <a:off x="6784808" y="2446256"/>
+            <a:ext cx="2318327" cy="997528"/>
+          </a:xfrm>
+          <a:prstGeom prst="ellipse">
+            <a:avLst/>
+          </a:prstGeom>
+          <a:ln>
+            <a:solidFill>
+              <a:schemeClr val="accent2">
+                <a:lumMod val="20000"/>
+                <a:lumOff val="80000"/>
+              </a:schemeClr>
+            </a:solidFill>
+          </a:ln>
+        </p:spPr>
+        <p:style>
+          <a:lnRef idx="2">
+            <a:schemeClr val="accent1">
+              <a:shade val="15000"/>
+            </a:schemeClr>
+          </a:lnRef>
+          <a:fillRef idx="1">
+            <a:schemeClr val="accent1"/>
+          </a:fillRef>
+          <a:effectRef idx="0">
+            <a:schemeClr val="accent1"/>
+          </a:effectRef>
+          <a:fontRef idx="minor">
+            <a:schemeClr val="lt1"/>
+          </a:fontRef>
+        </p:style>
+        <p:txBody>
+          <a:bodyPr rtlCol="0" anchor="ctr"/>
+          <a:lstStyle/>
+          <a:p>
+            <a:pPr algn="ctr"/>
+            <a:r>
+              <a:rPr lang="en-US" dirty="0">
+                <a:latin typeface="Calibri" panose="020F0502020204030204" pitchFamily="34" charset="0"/>
+                <a:ea typeface="Calibri" panose="020F0502020204030204" pitchFamily="34" charset="0"/>
+              </a:rPr>
+              <a:t>Burndown Chart</a:t>
+            </a:r>
+            <a:endParaRPr lang="en-US" sz="1800" dirty="0">
+              <a:effectLst/>
+              <a:latin typeface="Calibri" panose="020F0502020204030204" pitchFamily="34" charset="0"/>
+              <a:ea typeface="Calibri" panose="020F0502020204030204" pitchFamily="34" charset="0"/>
+            </a:endParaRPr>
+          </a:p>
+        </p:txBody>
+      </p:sp>
+      <p:sp>
+        <p:nvSpPr>
+          <p:cNvPr id="18" name="Elipse 17">
+            <a:extLst>
+              <a:ext uri="{FF2B5EF4-FFF2-40B4-BE49-F238E27FC236}">
+                <a16:creationId xmlns:a16="http://schemas.microsoft.com/office/drawing/2014/main" id="{FE22A0D4-5F3C-5A36-4378-855A2C5869DD}"/>
+              </a:ext>
+            </a:extLst>
+          </p:cNvPr>
+          <p:cNvSpPr/>
+          <p:nvPr/>
+        </p:nvSpPr>
+        <p:spPr>
+          <a:xfrm>
+            <a:off x="9474868" y="1237705"/>
+            <a:ext cx="2318327" cy="997528"/>
+          </a:xfrm>
+          <a:prstGeom prst="ellipse">
+            <a:avLst/>
+          </a:prstGeom>
+          <a:ln>
+            <a:solidFill>
+              <a:schemeClr val="accent2">
+                <a:lumMod val="20000"/>
+                <a:lumOff val="80000"/>
+              </a:schemeClr>
+            </a:solidFill>
+          </a:ln>
+        </p:spPr>
+        <p:style>
+          <a:lnRef idx="2">
+            <a:schemeClr val="accent1">
+              <a:shade val="15000"/>
+            </a:schemeClr>
+          </a:lnRef>
+          <a:fillRef idx="1">
+            <a:schemeClr val="accent1"/>
+          </a:fillRef>
+          <a:effectRef idx="0">
+            <a:schemeClr val="accent1"/>
+          </a:effectRef>
+          <a:fontRef idx="minor">
+            <a:schemeClr val="lt1"/>
+          </a:fontRef>
+        </p:style>
+        <p:txBody>
+          <a:bodyPr rtlCol="0" anchor="ctr"/>
+          <a:lstStyle/>
+          <a:p>
+            <a:pPr algn="ctr"/>
+            <a:r>
+              <a:rPr lang="en-US" sz="1800" dirty="0">
+                <a:effectLst/>
+                <a:latin typeface="Calibri" panose="020F0502020204030204" pitchFamily="34" charset="0"/>
+                <a:ea typeface="Calibri" panose="020F0502020204030204" pitchFamily="34" charset="0"/>
+              </a:rPr>
+              <a:t>Sprint Review</a:t>
+            </a:r>
+          </a:p>
+        </p:txBody>
+      </p:sp>
+      <p:sp>
+        <p:nvSpPr>
+          <p:cNvPr id="19" name="Elipse 18">
+            <a:extLst>
+              <a:ext uri="{FF2B5EF4-FFF2-40B4-BE49-F238E27FC236}">
+                <a16:creationId xmlns:a16="http://schemas.microsoft.com/office/drawing/2014/main" id="{2639997D-6706-4D95-1A8D-DC765AEB5561}"/>
+              </a:ext>
+            </a:extLst>
+          </p:cNvPr>
+          <p:cNvSpPr/>
+          <p:nvPr/>
+        </p:nvSpPr>
+        <p:spPr>
+          <a:xfrm>
+            <a:off x="9474868" y="2467592"/>
+            <a:ext cx="2318327" cy="997528"/>
+          </a:xfrm>
+          <a:prstGeom prst="ellipse">
+            <a:avLst/>
+          </a:prstGeom>
+          <a:ln>
+            <a:solidFill>
+              <a:schemeClr val="accent2">
+                <a:lumMod val="20000"/>
+                <a:lumOff val="80000"/>
+              </a:schemeClr>
+            </a:solidFill>
+          </a:ln>
+        </p:spPr>
+        <p:style>
+          <a:lnRef idx="2">
+            <a:schemeClr val="accent1">
+              <a:shade val="15000"/>
+            </a:schemeClr>
+          </a:lnRef>
+          <a:fillRef idx="1">
+            <a:schemeClr val="accent1"/>
+          </a:fillRef>
+          <a:effectRef idx="0">
+            <a:schemeClr val="accent1"/>
+          </a:effectRef>
+          <a:fontRef idx="minor">
+            <a:schemeClr val="lt1"/>
+          </a:fontRef>
+        </p:style>
+        <p:txBody>
+          <a:bodyPr rtlCol="0" anchor="ctr"/>
+          <a:lstStyle/>
+          <a:p>
+            <a:pPr algn="ctr"/>
+            <a:r>
+              <a:rPr lang="en-US" sz="1800" dirty="0">
+                <a:effectLst/>
+                <a:latin typeface="Calibri" panose="020F0502020204030204" pitchFamily="34" charset="0"/>
+                <a:ea typeface="Calibri" panose="020F0502020204030204" pitchFamily="34" charset="0"/>
+              </a:rPr>
+              <a:t>Sprint Retrospective</a:t>
+            </a:r>
+          </a:p>
+        </p:txBody>
+      </p:sp>
+      <p:sp>
+        <p:nvSpPr>
+          <p:cNvPr id="20" name="Elipse 19">
+            <a:extLst>
+              <a:ext uri="{FF2B5EF4-FFF2-40B4-BE49-F238E27FC236}">
+                <a16:creationId xmlns:a16="http://schemas.microsoft.com/office/drawing/2014/main" id="{E192DB18-F7FB-07F0-4D7F-7B8750584A6C}"/>
+              </a:ext>
+            </a:extLst>
+          </p:cNvPr>
+          <p:cNvSpPr/>
+          <p:nvPr/>
+        </p:nvSpPr>
+        <p:spPr>
+          <a:xfrm>
+            <a:off x="6728399" y="3815231"/>
+            <a:ext cx="2318327" cy="997528"/>
+          </a:xfrm>
+          <a:prstGeom prst="ellipse">
+            <a:avLst/>
+          </a:prstGeom>
+          <a:ln>
+            <a:solidFill>
+              <a:schemeClr val="accent2">
+                <a:lumMod val="20000"/>
+                <a:lumOff val="80000"/>
+              </a:schemeClr>
+            </a:solidFill>
+          </a:ln>
+        </p:spPr>
+        <p:style>
+          <a:lnRef idx="2">
+            <a:schemeClr val="accent1">
+              <a:shade val="15000"/>
+            </a:schemeClr>
+          </a:lnRef>
+          <a:fillRef idx="1">
+            <a:schemeClr val="accent1"/>
+          </a:fillRef>
+          <a:effectRef idx="0">
+            <a:schemeClr val="accent1"/>
+          </a:effectRef>
+          <a:fontRef idx="minor">
+            <a:schemeClr val="lt1"/>
+          </a:fontRef>
+        </p:style>
+        <p:txBody>
+          <a:bodyPr rtlCol="0" anchor="ctr"/>
+          <a:lstStyle/>
+          <a:p>
+            <a:pPr algn="ctr"/>
+            <a:r>
               <a:rPr lang="es-CL" sz="1800" dirty="0">
                 <a:effectLst/>
                 <a:latin typeface="Calibri" panose="020F0502020204030204" pitchFamily="34" charset="0"/>
                 <a:ea typeface="Calibri" panose="020F0502020204030204" pitchFamily="34" charset="0"/>
               </a:rPr>
-              <a:t>Sprint</a:t>
+              <a:t>Meetings</a:t>
+            </a:r>
+          </a:p>
+        </p:txBody>
+      </p:sp>
+      <p:sp>
+        <p:nvSpPr>
+          <p:cNvPr id="21" name="Elipse 20">
+            <a:extLst>
+              <a:ext uri="{FF2B5EF4-FFF2-40B4-BE49-F238E27FC236}">
+                <a16:creationId xmlns:a16="http://schemas.microsoft.com/office/drawing/2014/main" id="{AC65516F-865E-1A66-EA91-08EA504A8561}"/>
+              </a:ext>
+            </a:extLst>
+          </p:cNvPr>
+          <p:cNvSpPr/>
+          <p:nvPr/>
+        </p:nvSpPr>
+        <p:spPr>
+          <a:xfrm>
+            <a:off x="9474867" y="3815231"/>
+            <a:ext cx="2318327" cy="997528"/>
+          </a:xfrm>
+          <a:prstGeom prst="ellipse">
+            <a:avLst/>
+          </a:prstGeom>
+          <a:ln>
+            <a:solidFill>
+              <a:schemeClr val="accent2">
+                <a:lumMod val="20000"/>
+                <a:lumOff val="80000"/>
+              </a:schemeClr>
+            </a:solidFill>
+          </a:ln>
+        </p:spPr>
+        <p:style>
+          <a:lnRef idx="2">
+            <a:schemeClr val="accent1">
+              <a:shade val="15000"/>
+            </a:schemeClr>
+          </a:lnRef>
+          <a:fillRef idx="1">
+            <a:schemeClr val="accent1"/>
+          </a:fillRef>
+          <a:effectRef idx="0">
+            <a:schemeClr val="accent1"/>
+          </a:effectRef>
+          <a:fontRef idx="minor">
+            <a:schemeClr val="lt1"/>
+          </a:fontRef>
+        </p:style>
+        <p:txBody>
+          <a:bodyPr rtlCol="0" anchor="ctr"/>
+          <a:lstStyle/>
+          <a:p>
+            <a:pPr algn="ctr"/>
+            <a:r>
+              <a:rPr lang="es-CL" sz="1800" dirty="0">
+                <a:effectLst/>
+                <a:latin typeface="Calibri" panose="020F0502020204030204" pitchFamily="34" charset="0"/>
+                <a:ea typeface="Calibri" panose="020F0502020204030204" pitchFamily="34" charset="0"/>
+              </a:rPr>
+              <a:t>Sprint Backlog</a:t>
             </a:r>
           </a:p>
         </p:txBody>
@@ -8332,6 +8755,64 @@
     <p:extLst>
       <p:ext uri="{BB962C8B-B14F-4D97-AF65-F5344CB8AC3E}">
         <p14:creationId xmlns:p14="http://schemas.microsoft.com/office/powerpoint/2010/main" val="271385085"/>
+      </p:ext>
+    </p:extLst>
+  </p:cSld>
+  <p:clrMapOvr>
+    <a:masterClrMapping/>
+  </p:clrMapOvr>
+</p:sld>
+</file>
+
+<file path=ppt/slides/slide9.xml><?xml version="1.0" encoding="utf-8"?>
+<p:sld xmlns:a="http://schemas.openxmlformats.org/drawingml/2006/main" xmlns:r="http://schemas.openxmlformats.org/officeDocument/2006/relationships" xmlns:p="http://schemas.openxmlformats.org/presentationml/2006/main">
+  <p:cSld>
+    <p:spTree>
+      <p:nvGrpSpPr>
+        <p:cNvPr id="1" name=""/>
+        <p:cNvGrpSpPr/>
+        <p:nvPr/>
+      </p:nvGrpSpPr>
+      <p:grpSpPr>
+        <a:xfrm>
+          <a:off x="0" y="0"/>
+          <a:ext cx="0" cy="0"/>
+          <a:chOff x="0" y="0"/>
+          <a:chExt cx="0" cy="0"/>
+        </a:xfrm>
+      </p:grpSpPr>
+      <p:sp>
+        <p:nvSpPr>
+          <p:cNvPr id="2" name="Título 1">
+            <a:extLst>
+              <a:ext uri="{FF2B5EF4-FFF2-40B4-BE49-F238E27FC236}">
+                <a16:creationId xmlns:a16="http://schemas.microsoft.com/office/drawing/2014/main" id="{39A93B25-DCD6-8E48-BC32-E655F633E5EC}"/>
+              </a:ext>
+            </a:extLst>
+          </p:cNvPr>
+          <p:cNvSpPr>
+            <a:spLocks noGrp="1"/>
+          </p:cNvSpPr>
+          <p:nvPr>
+            <p:ph type="title"/>
+          </p:nvPr>
+        </p:nvSpPr>
+        <p:spPr/>
+        <p:txBody>
+          <a:bodyPr/>
+          <a:lstStyle/>
+          <a:p>
+            <a:r>
+              <a:rPr lang="es-CL" b="1" dirty="0"/>
+              <a:t>Épicas</a:t>
+            </a:r>
+          </a:p>
+        </p:txBody>
+      </p:sp>
+    </p:spTree>
+    <p:extLst>
+      <p:ext uri="{BB962C8B-B14F-4D97-AF65-F5344CB8AC3E}">
+        <p14:creationId xmlns:p14="http://schemas.microsoft.com/office/powerpoint/2010/main" val="1465258535"/>
       </p:ext>
     </p:extLst>
   </p:cSld>
@@ -8597,15 +9078,6 @@
 </file>
 
 <file path=customXml/item2.xml><?xml version="1.0" encoding="utf-8"?>
-<?mso-contentType ?>
-<FormTemplates xmlns="http://schemas.microsoft.com/sharepoint/v3/contenttype/forms">
-  <Display>DocumentLibraryForm</Display>
-  <Edit>DocumentLibraryForm</Edit>
-  <New>DocumentLibraryForm</New>
-</FormTemplates>
-</file>
-
-<file path=customXml/item3.xml><?xml version="1.0" encoding="utf-8"?>
 <ct:contentTypeSchema xmlns:ct="http://schemas.microsoft.com/office/2006/metadata/contentType" xmlns:ma="http://schemas.microsoft.com/office/2006/metadata/properties/metaAttributes" ct:_="" ma:_="" ma:contentTypeName="Documento" ma:contentTypeID="0x0101006D3C025EB336C54D99738ABA69770699" ma:contentTypeVersion="13" ma:contentTypeDescription="Crear nuevo documento." ma:contentTypeScope="" ma:versionID="70090f480e9bfd9b6622b039184045fa">
   <xsd:schema xmlns:xsd="http://www.w3.org/2001/XMLSchema" xmlns:xs="http://www.w3.org/2001/XMLSchema" xmlns:p="http://schemas.microsoft.com/office/2006/metadata/properties" xmlns:ns3="47801498-949b-4454-8258-23c305d4a262" targetNamespace="http://schemas.microsoft.com/office/2006/metadata/properties" ma:root="true" ma:fieldsID="64121c347dfb86466853bfd46c1f1763" ns3:_="">
     <xsd:import namespace="47801498-949b-4454-8258-23c305d4a262"/>
@@ -8807,6 +9279,15 @@
 </ct:contentTypeSchema>
 </file>
 
+<file path=customXml/item3.xml><?xml version="1.0" encoding="utf-8"?>
+<?mso-contentType ?>
+<FormTemplates xmlns="http://schemas.microsoft.com/sharepoint/v3/contenttype/forms">
+  <Display>DocumentLibraryForm</Display>
+  <Edit>DocumentLibraryForm</Edit>
+  <New>DocumentLibraryForm</New>
+</FormTemplates>
+</file>
+
 <file path=customXml/itemProps1.xml><?xml version="1.0" encoding="utf-8"?>
 <ds:datastoreItem xmlns:ds="http://schemas.openxmlformats.org/officeDocument/2006/customXml" ds:itemID="{FCC9C8BC-E775-462C-B8EF-31E3AFCDF40E}">
   <ds:schemaRefs>
@@ -8824,14 +9305,6 @@
 </file>
 
 <file path=customXml/itemProps2.xml><?xml version="1.0" encoding="utf-8"?>
-<ds:datastoreItem xmlns:ds="http://schemas.openxmlformats.org/officeDocument/2006/customXml" ds:itemID="{77D27035-3B9B-4C54-A982-E0B665C55024}">
-  <ds:schemaRefs>
-    <ds:schemaRef ds:uri="http://schemas.microsoft.com/sharepoint/v3/contenttype/forms"/>
-  </ds:schemaRefs>
-</ds:datastoreItem>
-</file>
-
-<file path=customXml/itemProps3.xml><?xml version="1.0" encoding="utf-8"?>
 <ds:datastoreItem xmlns:ds="http://schemas.openxmlformats.org/officeDocument/2006/customXml" ds:itemID="{CF8E1EB6-11DD-4C76-9D1D-A96910C70864}">
   <ds:schemaRefs>
     <ds:schemaRef ds:uri="http://schemas.microsoft.com/office/2006/metadata/contentType"/>
@@ -8847,4 +9320,12 @@
     <ds:schemaRef ds:uri="http://schemas.microsoft.com/internal/obd"/>
   </ds:schemaRefs>
 </ds:datastoreItem>
+</file>
+
+<file path=customXml/itemProps3.xml><?xml version="1.0" encoding="utf-8"?>
+<ds:datastoreItem xmlns:ds="http://schemas.openxmlformats.org/officeDocument/2006/customXml" ds:itemID="{77D27035-3B9B-4C54-A982-E0B665C55024}">
+  <ds:schemaRefs>
+    <ds:schemaRef ds:uri="http://schemas.microsoft.com/sharepoint/v3/contenttype/forms"/>
+  </ds:schemaRefs>
+</ds:datastoreItem>
 </file>
--- a/Fase 1/Evidencias Grupales/Presentación Capstone.pptx
+++ b/Fase 1/Evidencias Grupales/Presentación Capstone.pptx
@@ -9072,12 +9072,6 @@
 </file>
 
 <file path=customXml/item1.xml><?xml version="1.0" encoding="utf-8"?>
-<p:properties xmlns:p="http://schemas.microsoft.com/office/2006/metadata/properties" xmlns:xsi="http://www.w3.org/2001/XMLSchema-instance" xmlns:pc="http://schemas.microsoft.com/office/infopath/2007/PartnerControls">
-  <documentManagement/>
-</p:properties>
-</file>
-
-<file path=customXml/item2.xml><?xml version="1.0" encoding="utf-8"?>
 <ct:contentTypeSchema xmlns:ct="http://schemas.microsoft.com/office/2006/metadata/contentType" xmlns:ma="http://schemas.microsoft.com/office/2006/metadata/properties/metaAttributes" ct:_="" ma:_="" ma:contentTypeName="Documento" ma:contentTypeID="0x0101006D3C025EB336C54D99738ABA69770699" ma:contentTypeVersion="13" ma:contentTypeDescription="Crear nuevo documento." ma:contentTypeScope="" ma:versionID="70090f480e9bfd9b6622b039184045fa">
   <xsd:schema xmlns:xsd="http://www.w3.org/2001/XMLSchema" xmlns:xs="http://www.w3.org/2001/XMLSchema" xmlns:p="http://schemas.microsoft.com/office/2006/metadata/properties" xmlns:ns3="47801498-949b-4454-8258-23c305d4a262" targetNamespace="http://schemas.microsoft.com/office/2006/metadata/properties" ma:root="true" ma:fieldsID="64121c347dfb86466853bfd46c1f1763" ns3:_="">
     <xsd:import namespace="47801498-949b-4454-8258-23c305d4a262"/>
@@ -9279,6 +9273,12 @@
 </ct:contentTypeSchema>
 </file>
 
+<file path=customXml/item2.xml><?xml version="1.0" encoding="utf-8"?>
+<p:properties xmlns:p="http://schemas.microsoft.com/office/2006/metadata/properties" xmlns:xsi="http://www.w3.org/2001/XMLSchema-instance" xmlns:pc="http://schemas.microsoft.com/office/infopath/2007/PartnerControls">
+  <documentManagement/>
+</p:properties>
+</file>
+
 <file path=customXml/item3.xml><?xml version="1.0" encoding="utf-8"?>
 <?mso-contentType ?>
 <FormTemplates xmlns="http://schemas.microsoft.com/sharepoint/v3/contenttype/forms">
@@ -9289,22 +9289,6 @@
 </file>
 
 <file path=customXml/itemProps1.xml><?xml version="1.0" encoding="utf-8"?>
-<ds:datastoreItem xmlns:ds="http://schemas.openxmlformats.org/officeDocument/2006/customXml" ds:itemID="{FCC9C8BC-E775-462C-B8EF-31E3AFCDF40E}">
-  <ds:schemaRefs>
-    <ds:schemaRef ds:uri="http://schemas.openxmlformats.org/package/2006/metadata/core-properties"/>
-    <ds:schemaRef ds:uri="http://purl.org/dc/dcmitype/"/>
-    <ds:schemaRef ds:uri="http://purl.org/dc/terms/"/>
-    <ds:schemaRef ds:uri="http://schemas.microsoft.com/office/2006/metadata/properties"/>
-    <ds:schemaRef ds:uri="http://schemas.microsoft.com/office/infopath/2007/PartnerControls"/>
-    <ds:schemaRef ds:uri="http://purl.org/dc/elements/1.1/"/>
-    <ds:schemaRef ds:uri="http://schemas.microsoft.com/office/2006/documentManagement/types"/>
-    <ds:schemaRef ds:uri="47801498-949b-4454-8258-23c305d4a262"/>
-    <ds:schemaRef ds:uri="http://www.w3.org/XML/1998/namespace"/>
-  </ds:schemaRefs>
-</ds:datastoreItem>
-</file>
-
-<file path=customXml/itemProps2.xml><?xml version="1.0" encoding="utf-8"?>
 <ds:datastoreItem xmlns:ds="http://schemas.openxmlformats.org/officeDocument/2006/customXml" ds:itemID="{CF8E1EB6-11DD-4C76-9D1D-A96910C70864}">
   <ds:schemaRefs>
     <ds:schemaRef ds:uri="http://schemas.microsoft.com/office/2006/metadata/contentType"/>
@@ -9322,6 +9306,22 @@
 </ds:datastoreItem>
 </file>
 
+<file path=customXml/itemProps2.xml><?xml version="1.0" encoding="utf-8"?>
+<ds:datastoreItem xmlns:ds="http://schemas.openxmlformats.org/officeDocument/2006/customXml" ds:itemID="{FCC9C8BC-E775-462C-B8EF-31E3AFCDF40E}">
+  <ds:schemaRefs>
+    <ds:schemaRef ds:uri="http://schemas.openxmlformats.org/package/2006/metadata/core-properties"/>
+    <ds:schemaRef ds:uri="http://purl.org/dc/dcmitype/"/>
+    <ds:schemaRef ds:uri="http://purl.org/dc/terms/"/>
+    <ds:schemaRef ds:uri="http://schemas.microsoft.com/office/2006/metadata/properties"/>
+    <ds:schemaRef ds:uri="http://schemas.microsoft.com/office/infopath/2007/PartnerControls"/>
+    <ds:schemaRef ds:uri="http://purl.org/dc/elements/1.1/"/>
+    <ds:schemaRef ds:uri="http://schemas.microsoft.com/office/2006/documentManagement/types"/>
+    <ds:schemaRef ds:uri="47801498-949b-4454-8258-23c305d4a262"/>
+    <ds:schemaRef ds:uri="http://www.w3.org/XML/1998/namespace"/>
+  </ds:schemaRefs>
+</ds:datastoreItem>
+</file>
+
 <file path=customXml/itemProps3.xml><?xml version="1.0" encoding="utf-8"?>
 <ds:datastoreItem xmlns:ds="http://schemas.openxmlformats.org/officeDocument/2006/customXml" ds:itemID="{77D27035-3B9B-4C54-A982-E0B665C55024}">
   <ds:schemaRefs>

--- a/Fase 1/Evidencias Grupales/Presentación Capstone.pptx
+++ b/Fase 1/Evidencias Grupales/Presentación Capstone.pptx
@@ -5978,7 +5978,12 @@
             <p:ph type="title"/>
           </p:nvPr>
         </p:nvSpPr>
-        <p:spPr/>
+        <p:spPr>
+          <a:xfrm>
+            <a:off x="685801" y="457200"/>
+            <a:ext cx="10131425" cy="922867"/>
+          </a:xfrm>
+        </p:spPr>
         <p:txBody>
           <a:bodyPr/>
           <a:lstStyle/>
@@ -9072,6 +9077,12 @@
 </file>
 
 <file path=customXml/item1.xml><?xml version="1.0" encoding="utf-8"?>
+<p:properties xmlns:p="http://schemas.microsoft.com/office/2006/metadata/properties" xmlns:xsi="http://www.w3.org/2001/XMLSchema-instance" xmlns:pc="http://schemas.microsoft.com/office/infopath/2007/PartnerControls">
+  <documentManagement/>
+</p:properties>
+</file>
+
+<file path=customXml/item2.xml><?xml version="1.0" encoding="utf-8"?>
 <ct:contentTypeSchema xmlns:ct="http://schemas.microsoft.com/office/2006/metadata/contentType" xmlns:ma="http://schemas.microsoft.com/office/2006/metadata/properties/metaAttributes" ct:_="" ma:_="" ma:contentTypeName="Documento" ma:contentTypeID="0x0101006D3C025EB336C54D99738ABA69770699" ma:contentTypeVersion="13" ma:contentTypeDescription="Crear nuevo documento." ma:contentTypeScope="" ma:versionID="70090f480e9bfd9b6622b039184045fa">
   <xsd:schema xmlns:xsd="http://www.w3.org/2001/XMLSchema" xmlns:xs="http://www.w3.org/2001/XMLSchema" xmlns:p="http://schemas.microsoft.com/office/2006/metadata/properties" xmlns:ns3="47801498-949b-4454-8258-23c305d4a262" targetNamespace="http://schemas.microsoft.com/office/2006/metadata/properties" ma:root="true" ma:fieldsID="64121c347dfb86466853bfd46c1f1763" ns3:_="">
     <xsd:import namespace="47801498-949b-4454-8258-23c305d4a262"/>
@@ -9273,12 +9284,6 @@
 </ct:contentTypeSchema>
 </file>
 
-<file path=customXml/item2.xml><?xml version="1.0" encoding="utf-8"?>
-<p:properties xmlns:p="http://schemas.microsoft.com/office/2006/metadata/properties" xmlns:xsi="http://www.w3.org/2001/XMLSchema-instance" xmlns:pc="http://schemas.microsoft.com/office/infopath/2007/PartnerControls">
-  <documentManagement/>
-</p:properties>
-</file>
-
 <file path=customXml/item3.xml><?xml version="1.0" encoding="utf-8"?>
 <?mso-contentType ?>
 <FormTemplates xmlns="http://schemas.microsoft.com/sharepoint/v3/contenttype/forms">
@@ -9289,6 +9294,22 @@
 </file>
 
 <file path=customXml/itemProps1.xml><?xml version="1.0" encoding="utf-8"?>
+<ds:datastoreItem xmlns:ds="http://schemas.openxmlformats.org/officeDocument/2006/customXml" ds:itemID="{FCC9C8BC-E775-462C-B8EF-31E3AFCDF40E}">
+  <ds:schemaRefs>
+    <ds:schemaRef ds:uri="http://schemas.openxmlformats.org/package/2006/metadata/core-properties"/>
+    <ds:schemaRef ds:uri="http://purl.org/dc/dcmitype/"/>
+    <ds:schemaRef ds:uri="http://purl.org/dc/terms/"/>
+    <ds:schemaRef ds:uri="http://schemas.microsoft.com/office/2006/metadata/properties"/>
+    <ds:schemaRef ds:uri="http://schemas.microsoft.com/office/infopath/2007/PartnerControls"/>
+    <ds:schemaRef ds:uri="http://purl.org/dc/elements/1.1/"/>
+    <ds:schemaRef ds:uri="http://schemas.microsoft.com/office/2006/documentManagement/types"/>
+    <ds:schemaRef ds:uri="47801498-949b-4454-8258-23c305d4a262"/>
+    <ds:schemaRef ds:uri="http://www.w3.org/XML/1998/namespace"/>
+  </ds:schemaRefs>
+</ds:datastoreItem>
+</file>
+
+<file path=customXml/itemProps2.xml><?xml version="1.0" encoding="utf-8"?>
 <ds:datastoreItem xmlns:ds="http://schemas.openxmlformats.org/officeDocument/2006/customXml" ds:itemID="{CF8E1EB6-11DD-4C76-9D1D-A96910C70864}">
   <ds:schemaRefs>
     <ds:schemaRef ds:uri="http://schemas.microsoft.com/office/2006/metadata/contentType"/>
@@ -9306,22 +9327,6 @@
 </ds:datastoreItem>
 </file>
 
-<file path=customXml/itemProps2.xml><?xml version="1.0" encoding="utf-8"?>
-<ds:datastoreItem xmlns:ds="http://schemas.openxmlformats.org/officeDocument/2006/customXml" ds:itemID="{FCC9C8BC-E775-462C-B8EF-31E3AFCDF40E}">
-  <ds:schemaRefs>
-    <ds:schemaRef ds:uri="http://schemas.openxmlformats.org/package/2006/metadata/core-properties"/>
-    <ds:schemaRef ds:uri="http://purl.org/dc/dcmitype/"/>
-    <ds:schemaRef ds:uri="http://purl.org/dc/terms/"/>
-    <ds:schemaRef ds:uri="http://schemas.microsoft.com/office/2006/metadata/properties"/>
-    <ds:schemaRef ds:uri="http://schemas.microsoft.com/office/infopath/2007/PartnerControls"/>
-    <ds:schemaRef ds:uri="http://purl.org/dc/elements/1.1/"/>
-    <ds:schemaRef ds:uri="http://schemas.microsoft.com/office/2006/documentManagement/types"/>
-    <ds:schemaRef ds:uri="47801498-949b-4454-8258-23c305d4a262"/>
-    <ds:schemaRef ds:uri="http://www.w3.org/XML/1998/namespace"/>
-  </ds:schemaRefs>
-</ds:datastoreItem>
-</file>
-
 <file path=customXml/itemProps3.xml><?xml version="1.0" encoding="utf-8"?>
 <ds:datastoreItem xmlns:ds="http://schemas.openxmlformats.org/officeDocument/2006/customXml" ds:itemID="{77D27035-3B9B-4C54-A982-E0B665C55024}">
   <ds:schemaRefs>

--- a/Fase 1/Evidencias Grupales/Presentación Capstone.pptx
+++ b/Fase 1/Evidencias Grupales/Presentación Capstone.pptx
@@ -10,11 +10,18 @@
     <p:sldId id="259" r:id="rId7"/>
     <p:sldId id="260" r:id="rId8"/>
     <p:sldId id="261" r:id="rId9"/>
-    <p:sldId id="258" r:id="rId10"/>
-    <p:sldId id="262" r:id="rId11"/>
-    <p:sldId id="263" r:id="rId12"/>
-    <p:sldId id="264" r:id="rId13"/>
-    <p:sldId id="265" r:id="rId14"/>
+    <p:sldId id="266" r:id="rId10"/>
+    <p:sldId id="258" r:id="rId11"/>
+    <p:sldId id="262" r:id="rId12"/>
+    <p:sldId id="263" r:id="rId13"/>
+    <p:sldId id="264" r:id="rId14"/>
+    <p:sldId id="265" r:id="rId15"/>
+    <p:sldId id="267" r:id="rId16"/>
+    <p:sldId id="268" r:id="rId17"/>
+    <p:sldId id="269" r:id="rId18"/>
+    <p:sldId id="270" r:id="rId19"/>
+    <p:sldId id="271" r:id="rId20"/>
+    <p:sldId id="272" r:id="rId21"/>
   </p:sldIdLst>
   <p:sldSz cx="12192000" cy="6858000"/>
   <p:notesSz cx="6858000" cy="9144000"/>
@@ -5905,6 +5912,154 @@
           <p:cNvPr id="2" name="Título 1">
             <a:extLst>
               <a:ext uri="{FF2B5EF4-FFF2-40B4-BE49-F238E27FC236}">
+                <a16:creationId xmlns:a16="http://schemas.microsoft.com/office/drawing/2014/main" id="{39A93B25-DCD6-8E48-BC32-E655F633E5EC}"/>
+              </a:ext>
+            </a:extLst>
+          </p:cNvPr>
+          <p:cNvSpPr>
+            <a:spLocks noGrp="1"/>
+          </p:cNvSpPr>
+          <p:nvPr>
+            <p:ph type="title"/>
+          </p:nvPr>
+        </p:nvSpPr>
+        <p:spPr/>
+        <p:txBody>
+          <a:bodyPr/>
+          <a:lstStyle/>
+          <a:p>
+            <a:r>
+              <a:rPr lang="es-CL" b="1" dirty="0"/>
+              <a:t>Épicas</a:t>
+            </a:r>
+          </a:p>
+        </p:txBody>
+      </p:sp>
+      <p:sp>
+        <p:nvSpPr>
+          <p:cNvPr id="3" name="CuadroTexto 2">
+            <a:extLst>
+              <a:ext uri="{FF2B5EF4-FFF2-40B4-BE49-F238E27FC236}">
+                <a16:creationId xmlns:a16="http://schemas.microsoft.com/office/drawing/2014/main" id="{27DA81B0-152B-CD95-2124-573B1AD1074A}"/>
+              </a:ext>
+            </a:extLst>
+          </p:cNvPr>
+          <p:cNvSpPr txBox="1"/>
+          <p:nvPr/>
+        </p:nvSpPr>
+        <p:spPr>
+          <a:xfrm>
+            <a:off x="1082039" y="1892808"/>
+            <a:ext cx="10424160" cy="4524315"/>
+          </a:xfrm>
+          <a:prstGeom prst="rect">
+            <a:avLst/>
+          </a:prstGeom>
+          <a:noFill/>
+        </p:spPr>
+        <p:txBody>
+          <a:bodyPr wrap="square" rtlCol="0">
+            <a:spAutoFit/>
+          </a:bodyPr>
+          <a:lstStyle/>
+          <a:p>
+            <a:pPr marL="285750" indent="-285750">
+              <a:buFont typeface="Wingdings" panose="05000000000000000000" pitchFamily="2" charset="2"/>
+              <a:buChar char="v"/>
+            </a:pPr>
+            <a:r>
+              <a:rPr lang="es-CL" sz="3200" dirty="0"/>
+              <a:t>Automatizar el proceso de comunicación con los trabajadores.</a:t>
+            </a:r>
+          </a:p>
+          <a:p>
+            <a:pPr marL="285750" indent="-285750">
+              <a:buFont typeface="Wingdings" panose="05000000000000000000" pitchFamily="2" charset="2"/>
+              <a:buChar char="v"/>
+            </a:pPr>
+            <a:endParaRPr lang="es-CL" sz="3200" dirty="0"/>
+          </a:p>
+          <a:p>
+            <a:pPr marL="285750" indent="-285750">
+              <a:buFont typeface="Wingdings" panose="05000000000000000000" pitchFamily="2" charset="2"/>
+              <a:buChar char="v"/>
+            </a:pPr>
+            <a:r>
+              <a:rPr lang="es-CL" sz="3200" dirty="0"/>
+              <a:t>Gestionar y controlar la identificación de cada trabajador.</a:t>
+            </a:r>
+          </a:p>
+          <a:p>
+            <a:pPr marL="285750" indent="-285750">
+              <a:buFont typeface="Wingdings" panose="05000000000000000000" pitchFamily="2" charset="2"/>
+              <a:buChar char="v"/>
+            </a:pPr>
+            <a:endParaRPr lang="es-CL" sz="3200" dirty="0"/>
+          </a:p>
+          <a:p>
+            <a:pPr marL="285750" indent="-285750">
+              <a:buFont typeface="Wingdings" panose="05000000000000000000" pitchFamily="2" charset="2"/>
+              <a:buChar char="v"/>
+            </a:pPr>
+            <a:r>
+              <a:rPr lang="es-CL" sz="3200" dirty="0"/>
+              <a:t>Asignar transporte y alojamiento a cada trabajador.</a:t>
+            </a:r>
+          </a:p>
+          <a:p>
+            <a:pPr marL="285750" indent="-285750">
+              <a:buFont typeface="Wingdings" panose="05000000000000000000" pitchFamily="2" charset="2"/>
+              <a:buChar char="v"/>
+            </a:pPr>
+            <a:endParaRPr lang="es-CL" sz="3200" dirty="0"/>
+          </a:p>
+          <a:p>
+            <a:pPr marL="285750" indent="-285750">
+              <a:buFont typeface="Wingdings" panose="05000000000000000000" pitchFamily="2" charset="2"/>
+              <a:buChar char="v"/>
+            </a:pPr>
+            <a:r>
+              <a:rPr lang="es-CL" sz="3200" dirty="0"/>
+              <a:t>Seguimiento y toma de decisiones basado en la disponibilidad de cada trabajador. </a:t>
+            </a:r>
+          </a:p>
+        </p:txBody>
+      </p:sp>
+    </p:spTree>
+    <p:extLst>
+      <p:ext uri="{BB962C8B-B14F-4D97-AF65-F5344CB8AC3E}">
+        <p14:creationId xmlns:p14="http://schemas.microsoft.com/office/powerpoint/2010/main" val="1465258535"/>
+      </p:ext>
+    </p:extLst>
+  </p:cSld>
+  <p:clrMapOvr>
+    <a:masterClrMapping/>
+  </p:clrMapOvr>
+</p:sld>
+</file>
+
+<file path=ppt/slides/slide11.xml><?xml version="1.0" encoding="utf-8"?>
+<p:sld xmlns:a="http://schemas.openxmlformats.org/drawingml/2006/main" xmlns:r="http://schemas.openxmlformats.org/officeDocument/2006/relationships" xmlns:p="http://schemas.openxmlformats.org/presentationml/2006/main">
+  <p:cSld>
+    <p:spTree>
+      <p:nvGrpSpPr>
+        <p:cNvPr id="1" name=""/>
+        <p:cNvGrpSpPr/>
+        <p:nvPr/>
+      </p:nvGrpSpPr>
+      <p:grpSpPr>
+        <a:xfrm>
+          <a:off x="0" y="0"/>
+          <a:ext cx="0" cy="0"/>
+          <a:chOff x="0" y="0"/>
+          <a:chExt cx="0" cy="0"/>
+        </a:xfrm>
+      </p:grpSpPr>
+      <p:sp>
+        <p:nvSpPr>
+          <p:cNvPr id="2" name="Título 1">
+            <a:extLst>
+              <a:ext uri="{FF2B5EF4-FFF2-40B4-BE49-F238E27FC236}">
                 <a16:creationId xmlns:a16="http://schemas.microsoft.com/office/drawing/2014/main" id="{42CAE5DF-6027-0C4F-1839-10E52B7CECAE}"/>
               </a:ext>
             </a:extLst>
@@ -5916,7 +6071,12 @@
             <p:ph type="title"/>
           </p:nvPr>
         </p:nvSpPr>
-        <p:spPr/>
+        <p:spPr>
+          <a:xfrm>
+            <a:off x="4111752" y="246888"/>
+            <a:ext cx="3968495" cy="739987"/>
+          </a:xfrm>
+        </p:spPr>
         <p:txBody>
           <a:bodyPr/>
           <a:lstStyle/>
@@ -5928,6 +6088,563 @@
             <a:r>
               <a:rPr lang="es-CL" b="1" dirty="0"/>
               <a:t> backlog</a:t>
+            </a:r>
+          </a:p>
+        </p:txBody>
+      </p:sp>
+      <p:sp>
+        <p:nvSpPr>
+          <p:cNvPr id="3" name="Título 1">
+            <a:extLst>
+              <a:ext uri="{FF2B5EF4-FFF2-40B4-BE49-F238E27FC236}">
+                <a16:creationId xmlns:a16="http://schemas.microsoft.com/office/drawing/2014/main" id="{61D90917-F80A-7412-34F5-851B57B515E4}"/>
+              </a:ext>
+            </a:extLst>
+          </p:cNvPr>
+          <p:cNvSpPr txBox="1">
+            <a:spLocks/>
+          </p:cNvSpPr>
+          <p:nvPr/>
+        </p:nvSpPr>
+        <p:spPr>
+          <a:xfrm>
+            <a:off x="7168898" y="754718"/>
+            <a:ext cx="4166616" cy="739987"/>
+          </a:xfrm>
+          <a:prstGeom prst="rect">
+            <a:avLst/>
+          </a:prstGeom>
+          <a:effectLst/>
+        </p:spPr>
+        <p:txBody>
+          <a:bodyPr vert="horz" lIns="91440" tIns="45720" rIns="91440" bIns="45720" rtlCol="0" anchor="ctr">
+            <a:normAutofit fontScale="70000" lnSpcReduction="20000"/>
+          </a:bodyPr>
+          <a:lstStyle>
+            <a:lvl1pPr algn="l" defTabSz="457200" rtl="0" eaLnBrk="1" latinLnBrk="0" hangingPunct="1">
+              <a:spcBef>
+                <a:spcPct val="0"/>
+              </a:spcBef>
+              <a:buNone/>
+              <a:defRPr sz="3600" kern="1200" cap="all">
+                <a:ln w="3175" cmpd="sng">
+                  <a:noFill/>
+                </a:ln>
+                <a:solidFill>
+                  <a:schemeClr val="tx1"/>
+                </a:solidFill>
+                <a:effectLst/>
+                <a:latin typeface="+mj-lt"/>
+                <a:ea typeface="+mj-ea"/>
+                <a:cs typeface="+mj-cs"/>
+              </a:defRPr>
+            </a:lvl1pPr>
+            <a:lvl2pPr eaLnBrk="1" hangingPunct="1">
+              <a:defRPr>
+                <a:solidFill>
+                  <a:schemeClr val="tx2"/>
+                </a:solidFill>
+              </a:defRPr>
+            </a:lvl2pPr>
+            <a:lvl3pPr eaLnBrk="1" hangingPunct="1">
+              <a:defRPr>
+                <a:solidFill>
+                  <a:schemeClr val="tx2"/>
+                </a:solidFill>
+              </a:defRPr>
+            </a:lvl3pPr>
+            <a:lvl4pPr eaLnBrk="1" hangingPunct="1">
+              <a:defRPr>
+                <a:solidFill>
+                  <a:schemeClr val="tx2"/>
+                </a:solidFill>
+              </a:defRPr>
+            </a:lvl4pPr>
+            <a:lvl5pPr eaLnBrk="1" hangingPunct="1">
+              <a:defRPr>
+                <a:solidFill>
+                  <a:schemeClr val="tx2"/>
+                </a:solidFill>
+              </a:defRPr>
+            </a:lvl5pPr>
+            <a:lvl6pPr eaLnBrk="1" hangingPunct="1">
+              <a:defRPr>
+                <a:solidFill>
+                  <a:schemeClr val="tx2"/>
+                </a:solidFill>
+              </a:defRPr>
+            </a:lvl6pPr>
+            <a:lvl7pPr eaLnBrk="1" hangingPunct="1">
+              <a:defRPr>
+                <a:solidFill>
+                  <a:schemeClr val="tx2"/>
+                </a:solidFill>
+              </a:defRPr>
+            </a:lvl7pPr>
+            <a:lvl8pPr eaLnBrk="1" hangingPunct="1">
+              <a:defRPr>
+                <a:solidFill>
+                  <a:schemeClr val="tx2"/>
+                </a:solidFill>
+              </a:defRPr>
+            </a:lvl8pPr>
+            <a:lvl9pPr eaLnBrk="1" hangingPunct="1">
+              <a:defRPr>
+                <a:solidFill>
+                  <a:schemeClr val="tx2"/>
+                </a:solidFill>
+              </a:defRPr>
+            </a:lvl9pPr>
+          </a:lstStyle>
+          <a:p>
+            <a:r>
+              <a:rPr lang="es-CL" b="1" dirty="0"/>
+              <a:t>Requisitos no funcionales</a:t>
+            </a:r>
+          </a:p>
+        </p:txBody>
+      </p:sp>
+      <p:sp>
+        <p:nvSpPr>
+          <p:cNvPr id="4" name="Título 1">
+            <a:extLst>
+              <a:ext uri="{FF2B5EF4-FFF2-40B4-BE49-F238E27FC236}">
+                <a16:creationId xmlns:a16="http://schemas.microsoft.com/office/drawing/2014/main" id="{AD2B27E1-2BE4-3D3D-9D89-39073169AD29}"/>
+              </a:ext>
+            </a:extLst>
+          </p:cNvPr>
+          <p:cNvSpPr txBox="1">
+            <a:spLocks/>
+          </p:cNvSpPr>
+          <p:nvPr/>
+        </p:nvSpPr>
+        <p:spPr>
+          <a:xfrm>
+            <a:off x="621793" y="769281"/>
+            <a:ext cx="3968495" cy="739987"/>
+          </a:xfrm>
+          <a:prstGeom prst="rect">
+            <a:avLst/>
+          </a:prstGeom>
+          <a:effectLst/>
+        </p:spPr>
+        <p:txBody>
+          <a:bodyPr vert="horz" lIns="91440" tIns="45720" rIns="91440" bIns="45720" rtlCol="0" anchor="ctr">
+            <a:normAutofit fontScale="77500" lnSpcReduction="20000"/>
+          </a:bodyPr>
+          <a:lstStyle>
+            <a:lvl1pPr algn="l" defTabSz="457200" rtl="0" eaLnBrk="1" latinLnBrk="0" hangingPunct="1">
+              <a:spcBef>
+                <a:spcPct val="0"/>
+              </a:spcBef>
+              <a:buNone/>
+              <a:defRPr sz="3600" kern="1200" cap="all">
+                <a:ln w="3175" cmpd="sng">
+                  <a:noFill/>
+                </a:ln>
+                <a:solidFill>
+                  <a:schemeClr val="tx1"/>
+                </a:solidFill>
+                <a:effectLst/>
+                <a:latin typeface="+mj-lt"/>
+                <a:ea typeface="+mj-ea"/>
+                <a:cs typeface="+mj-cs"/>
+              </a:defRPr>
+            </a:lvl1pPr>
+            <a:lvl2pPr eaLnBrk="1" hangingPunct="1">
+              <a:defRPr>
+                <a:solidFill>
+                  <a:schemeClr val="tx2"/>
+                </a:solidFill>
+              </a:defRPr>
+            </a:lvl2pPr>
+            <a:lvl3pPr eaLnBrk="1" hangingPunct="1">
+              <a:defRPr>
+                <a:solidFill>
+                  <a:schemeClr val="tx2"/>
+                </a:solidFill>
+              </a:defRPr>
+            </a:lvl3pPr>
+            <a:lvl4pPr eaLnBrk="1" hangingPunct="1">
+              <a:defRPr>
+                <a:solidFill>
+                  <a:schemeClr val="tx2"/>
+                </a:solidFill>
+              </a:defRPr>
+            </a:lvl4pPr>
+            <a:lvl5pPr eaLnBrk="1" hangingPunct="1">
+              <a:defRPr>
+                <a:solidFill>
+                  <a:schemeClr val="tx2"/>
+                </a:solidFill>
+              </a:defRPr>
+            </a:lvl5pPr>
+            <a:lvl6pPr eaLnBrk="1" hangingPunct="1">
+              <a:defRPr>
+                <a:solidFill>
+                  <a:schemeClr val="tx2"/>
+                </a:solidFill>
+              </a:defRPr>
+            </a:lvl6pPr>
+            <a:lvl7pPr eaLnBrk="1" hangingPunct="1">
+              <a:defRPr>
+                <a:solidFill>
+                  <a:schemeClr val="tx2"/>
+                </a:solidFill>
+              </a:defRPr>
+            </a:lvl7pPr>
+            <a:lvl8pPr eaLnBrk="1" hangingPunct="1">
+              <a:defRPr>
+                <a:solidFill>
+                  <a:schemeClr val="tx2"/>
+                </a:solidFill>
+              </a:defRPr>
+            </a:lvl8pPr>
+            <a:lvl9pPr eaLnBrk="1" hangingPunct="1">
+              <a:defRPr>
+                <a:solidFill>
+                  <a:schemeClr val="tx2"/>
+                </a:solidFill>
+              </a:defRPr>
+            </a:lvl9pPr>
+          </a:lstStyle>
+          <a:p>
+            <a:r>
+              <a:rPr lang="es-CL" b="1" dirty="0"/>
+              <a:t>Requisitos funcionales</a:t>
+            </a:r>
+          </a:p>
+        </p:txBody>
+      </p:sp>
+      <p:sp>
+        <p:nvSpPr>
+          <p:cNvPr id="5" name="CuadroTexto 4">
+            <a:extLst>
+              <a:ext uri="{FF2B5EF4-FFF2-40B4-BE49-F238E27FC236}">
+                <a16:creationId xmlns:a16="http://schemas.microsoft.com/office/drawing/2014/main" id="{BE714788-DA64-70A1-0DAB-C69EE45F30B8}"/>
+              </a:ext>
+            </a:extLst>
+          </p:cNvPr>
+          <p:cNvSpPr txBox="1"/>
+          <p:nvPr/>
+        </p:nvSpPr>
+        <p:spPr>
+          <a:xfrm>
+            <a:off x="621793" y="1502688"/>
+            <a:ext cx="4279392" cy="5355312"/>
+          </a:xfrm>
+          <a:prstGeom prst="rect">
+            <a:avLst/>
+          </a:prstGeom>
+          <a:noFill/>
+        </p:spPr>
+        <p:txBody>
+          <a:bodyPr wrap="square" rtlCol="0">
+            <a:spAutoFit/>
+          </a:bodyPr>
+          <a:lstStyle/>
+          <a:p>
+            <a:pPr marL="285750" indent="-285750">
+              <a:buFont typeface="Wingdings" panose="05000000000000000000" pitchFamily="2" charset="2"/>
+              <a:buChar char="q"/>
+            </a:pPr>
+            <a:r>
+              <a:rPr lang="es-CL" dirty="0"/>
+              <a:t>Gestión de candidatos</a:t>
+            </a:r>
+          </a:p>
+          <a:p>
+            <a:pPr marL="285750" indent="-285750">
+              <a:buFont typeface="Wingdings" panose="05000000000000000000" pitchFamily="2" charset="2"/>
+              <a:buChar char="q"/>
+            </a:pPr>
+            <a:endParaRPr lang="es-CL" dirty="0"/>
+          </a:p>
+          <a:p>
+            <a:pPr marL="285750" indent="-285750">
+              <a:buFont typeface="Wingdings" panose="05000000000000000000" pitchFamily="2" charset="2"/>
+              <a:buChar char="q"/>
+            </a:pPr>
+            <a:r>
+              <a:rPr lang="es-CL" dirty="0"/>
+              <a:t>Automatización de la comunicación</a:t>
+            </a:r>
+          </a:p>
+          <a:p>
+            <a:pPr marL="285750" indent="-285750">
+              <a:buFont typeface="Wingdings" panose="05000000000000000000" pitchFamily="2" charset="2"/>
+              <a:buChar char="q"/>
+            </a:pPr>
+            <a:endParaRPr lang="es-CL" dirty="0"/>
+          </a:p>
+          <a:p>
+            <a:pPr marL="285750" indent="-285750">
+              <a:buFont typeface="Wingdings" panose="05000000000000000000" pitchFamily="2" charset="2"/>
+              <a:buChar char="q"/>
+            </a:pPr>
+            <a:r>
+              <a:rPr lang="es-CL" dirty="0"/>
+              <a:t>Gestión de transporte y alojamiento</a:t>
+            </a:r>
+          </a:p>
+          <a:p>
+            <a:pPr marL="285750" indent="-285750">
+              <a:buFont typeface="Wingdings" panose="05000000000000000000" pitchFamily="2" charset="2"/>
+              <a:buChar char="q"/>
+            </a:pPr>
+            <a:endParaRPr lang="es-CL" dirty="0"/>
+          </a:p>
+          <a:p>
+            <a:pPr marL="285750" indent="-285750">
+              <a:buFont typeface="Wingdings" panose="05000000000000000000" pitchFamily="2" charset="2"/>
+              <a:buChar char="q"/>
+            </a:pPr>
+            <a:r>
+              <a:rPr lang="es-CL" dirty="0"/>
+              <a:t>Identificación y control de asistencia</a:t>
+            </a:r>
+          </a:p>
+          <a:p>
+            <a:pPr marL="285750" indent="-285750">
+              <a:buFont typeface="Wingdings" panose="05000000000000000000" pitchFamily="2" charset="2"/>
+              <a:buChar char="q"/>
+            </a:pPr>
+            <a:endParaRPr lang="es-CL" dirty="0"/>
+          </a:p>
+          <a:p>
+            <a:pPr marL="285750" indent="-285750">
+              <a:buFont typeface="Wingdings" panose="05000000000000000000" pitchFamily="2" charset="2"/>
+              <a:buChar char="q"/>
+            </a:pPr>
+            <a:r>
+              <a:rPr lang="es-CL" dirty="0"/>
+              <a:t>Registro asistencia</a:t>
+            </a:r>
+          </a:p>
+          <a:p>
+            <a:pPr marL="285750" indent="-285750">
+              <a:buFont typeface="Wingdings" panose="05000000000000000000" pitchFamily="2" charset="2"/>
+              <a:buChar char="q"/>
+            </a:pPr>
+            <a:endParaRPr lang="es-CL" dirty="0"/>
+          </a:p>
+          <a:p>
+            <a:pPr marL="285750" indent="-285750">
+              <a:buFont typeface="Wingdings" panose="05000000000000000000" pitchFamily="2" charset="2"/>
+              <a:buChar char="q"/>
+            </a:pPr>
+            <a:r>
+              <a:rPr lang="es-CL" dirty="0"/>
+              <a:t>Priorización de trabajadores</a:t>
+            </a:r>
+          </a:p>
+          <a:p>
+            <a:pPr marL="285750" indent="-285750">
+              <a:buFont typeface="Wingdings" panose="05000000000000000000" pitchFamily="2" charset="2"/>
+              <a:buChar char="q"/>
+            </a:pPr>
+            <a:endParaRPr lang="es-CL" dirty="0"/>
+          </a:p>
+          <a:p>
+            <a:pPr marL="285750" indent="-285750">
+              <a:buFont typeface="Wingdings" panose="05000000000000000000" pitchFamily="2" charset="2"/>
+              <a:buChar char="q"/>
+            </a:pPr>
+            <a:r>
+              <a:rPr lang="es-CL" dirty="0"/>
+              <a:t>Informes</a:t>
+            </a:r>
+          </a:p>
+          <a:p>
+            <a:pPr marL="285750" indent="-285750">
+              <a:buFont typeface="Wingdings" panose="05000000000000000000" pitchFamily="2" charset="2"/>
+              <a:buChar char="q"/>
+            </a:pPr>
+            <a:endParaRPr lang="es-CL" dirty="0"/>
+          </a:p>
+          <a:p>
+            <a:pPr marL="285750" indent="-285750">
+              <a:buFont typeface="Wingdings" panose="05000000000000000000" pitchFamily="2" charset="2"/>
+              <a:buChar char="q"/>
+            </a:pPr>
+            <a:r>
+              <a:rPr lang="es-CL" dirty="0"/>
+              <a:t>Editar y eliminar registros</a:t>
+            </a:r>
+          </a:p>
+          <a:p>
+            <a:pPr marL="285750" indent="-285750">
+              <a:buFont typeface="Wingdings" panose="05000000000000000000" pitchFamily="2" charset="2"/>
+              <a:buChar char="q"/>
+            </a:pPr>
+            <a:endParaRPr lang="es-CL" dirty="0"/>
+          </a:p>
+          <a:p>
+            <a:pPr marL="285750" indent="-285750">
+              <a:buFont typeface="Wingdings" panose="05000000000000000000" pitchFamily="2" charset="2"/>
+              <a:buChar char="q"/>
+            </a:pPr>
+            <a:r>
+              <a:rPr lang="es-CL" dirty="0"/>
+              <a:t>Filtrado de trabajadores</a:t>
+            </a:r>
+          </a:p>
+          <a:p>
+            <a:pPr marL="285750" indent="-285750">
+              <a:buFont typeface="Wingdings" panose="05000000000000000000" pitchFamily="2" charset="2"/>
+              <a:buChar char="q"/>
+            </a:pPr>
+            <a:endParaRPr lang="es-CL" dirty="0"/>
+          </a:p>
+          <a:p>
+            <a:pPr marL="285750" indent="-285750">
+              <a:buFont typeface="Wingdings" panose="05000000000000000000" pitchFamily="2" charset="2"/>
+              <a:buChar char="q"/>
+            </a:pPr>
+            <a:r>
+              <a:rPr lang="es-CL" dirty="0"/>
+              <a:t>Ciclos de trabajo</a:t>
+            </a:r>
+          </a:p>
+        </p:txBody>
+      </p:sp>
+      <p:sp>
+        <p:nvSpPr>
+          <p:cNvPr id="6" name="CuadroTexto 5">
+            <a:extLst>
+              <a:ext uri="{FF2B5EF4-FFF2-40B4-BE49-F238E27FC236}">
+                <a16:creationId xmlns:a16="http://schemas.microsoft.com/office/drawing/2014/main" id="{F0BA1877-8208-79A0-1647-2F124705A23B}"/>
+              </a:ext>
+            </a:extLst>
+          </p:cNvPr>
+          <p:cNvSpPr txBox="1"/>
+          <p:nvPr/>
+        </p:nvSpPr>
+        <p:spPr>
+          <a:xfrm>
+            <a:off x="7035106" y="1427808"/>
+            <a:ext cx="4279392" cy="3693319"/>
+          </a:xfrm>
+          <a:prstGeom prst="rect">
+            <a:avLst/>
+          </a:prstGeom>
+          <a:noFill/>
+        </p:spPr>
+        <p:txBody>
+          <a:bodyPr wrap="square" rtlCol="0">
+            <a:spAutoFit/>
+          </a:bodyPr>
+          <a:lstStyle/>
+          <a:p>
+            <a:pPr marL="285750" indent="-285750">
+              <a:buFont typeface="Wingdings" panose="05000000000000000000" pitchFamily="2" charset="2"/>
+              <a:buChar char="q"/>
+            </a:pPr>
+            <a:r>
+              <a:rPr lang="es-CL" dirty="0"/>
+              <a:t>Escalabilidad</a:t>
+            </a:r>
+          </a:p>
+          <a:p>
+            <a:pPr marL="285750" indent="-285750">
+              <a:buFont typeface="Wingdings" panose="05000000000000000000" pitchFamily="2" charset="2"/>
+              <a:buChar char="q"/>
+            </a:pPr>
+            <a:endParaRPr lang="es-CL" dirty="0"/>
+          </a:p>
+          <a:p>
+            <a:pPr marL="285750" indent="-285750">
+              <a:buFont typeface="Wingdings" panose="05000000000000000000" pitchFamily="2" charset="2"/>
+              <a:buChar char="q"/>
+            </a:pPr>
+            <a:r>
+              <a:rPr lang="es-CL" dirty="0"/>
+              <a:t>Disponibilidad</a:t>
+            </a:r>
+          </a:p>
+          <a:p>
+            <a:pPr marL="285750" indent="-285750">
+              <a:buFont typeface="Wingdings" panose="05000000000000000000" pitchFamily="2" charset="2"/>
+              <a:buChar char="q"/>
+            </a:pPr>
+            <a:endParaRPr lang="es-CL" dirty="0"/>
+          </a:p>
+          <a:p>
+            <a:pPr marL="285750" indent="-285750">
+              <a:buFont typeface="Wingdings" panose="05000000000000000000" pitchFamily="2" charset="2"/>
+              <a:buChar char="q"/>
+            </a:pPr>
+            <a:r>
+              <a:rPr lang="es-CL" dirty="0"/>
+              <a:t>Seguridad</a:t>
+            </a:r>
+          </a:p>
+          <a:p>
+            <a:pPr marL="285750" indent="-285750">
+              <a:buFont typeface="Wingdings" panose="05000000000000000000" pitchFamily="2" charset="2"/>
+              <a:buChar char="q"/>
+            </a:pPr>
+            <a:endParaRPr lang="es-CL" dirty="0"/>
+          </a:p>
+          <a:p>
+            <a:pPr marL="285750" indent="-285750">
+              <a:buFont typeface="Wingdings" panose="05000000000000000000" pitchFamily="2" charset="2"/>
+              <a:buChar char="q"/>
+            </a:pPr>
+            <a:r>
+              <a:rPr lang="es-CL" dirty="0"/>
+              <a:t>Usabilidad</a:t>
+            </a:r>
+          </a:p>
+          <a:p>
+            <a:pPr marL="285750" indent="-285750">
+              <a:buFont typeface="Wingdings" panose="05000000000000000000" pitchFamily="2" charset="2"/>
+              <a:buChar char="q"/>
+            </a:pPr>
+            <a:endParaRPr lang="es-CL" dirty="0"/>
+          </a:p>
+          <a:p>
+            <a:pPr marL="285750" indent="-285750">
+              <a:buFont typeface="Wingdings" panose="05000000000000000000" pitchFamily="2" charset="2"/>
+              <a:buChar char="q"/>
+            </a:pPr>
+            <a:r>
+              <a:rPr lang="es-CL" dirty="0"/>
+              <a:t>Mantenimiento</a:t>
+            </a:r>
+          </a:p>
+          <a:p>
+            <a:pPr marL="285750" indent="-285750">
+              <a:buFont typeface="Wingdings" panose="05000000000000000000" pitchFamily="2" charset="2"/>
+              <a:buChar char="q"/>
+            </a:pPr>
+            <a:endParaRPr lang="es-CL" dirty="0"/>
+          </a:p>
+          <a:p>
+            <a:pPr marL="285750" indent="-285750">
+              <a:buFont typeface="Wingdings" panose="05000000000000000000" pitchFamily="2" charset="2"/>
+              <a:buChar char="q"/>
+            </a:pPr>
+            <a:r>
+              <a:rPr lang="es-CL" dirty="0"/>
+              <a:t>Compatibilidad</a:t>
+            </a:r>
+          </a:p>
+          <a:p>
+            <a:pPr marL="285750" indent="-285750">
+              <a:buFont typeface="Wingdings" panose="05000000000000000000" pitchFamily="2" charset="2"/>
+              <a:buChar char="q"/>
+            </a:pPr>
+            <a:endParaRPr lang="es-CL" dirty="0"/>
+          </a:p>
+          <a:p>
+            <a:pPr marL="285750" indent="-285750">
+              <a:buFont typeface="Wingdings" panose="05000000000000000000" pitchFamily="2" charset="2"/>
+              <a:buChar char="q"/>
+            </a:pPr>
+            <a:r>
+              <a:rPr lang="es-CL" dirty="0"/>
+              <a:t>Integración</a:t>
             </a:r>
           </a:p>
         </p:txBody>
@@ -5936,6 +6653,700 @@
     <p:extLst>
       <p:ext uri="{BB962C8B-B14F-4D97-AF65-F5344CB8AC3E}">
         <p14:creationId xmlns:p14="http://schemas.microsoft.com/office/powerpoint/2010/main" val="2896381880"/>
+      </p:ext>
+    </p:extLst>
+  </p:cSld>
+  <p:clrMapOvr>
+    <a:masterClrMapping/>
+  </p:clrMapOvr>
+</p:sld>
+</file>
+
+<file path=ppt/slides/slide12.xml><?xml version="1.0" encoding="utf-8"?>
+<p:sld xmlns:a="http://schemas.openxmlformats.org/drawingml/2006/main" xmlns:r="http://schemas.openxmlformats.org/officeDocument/2006/relationships" xmlns:p="http://schemas.openxmlformats.org/presentationml/2006/main">
+  <p:cSld>
+    <p:bg>
+      <p:bgPr>
+        <a:blipFill>
+          <a:blip r:embed="rId2"/>
+          <a:stretch/>
+        </a:blipFill>
+        <a:effectLst/>
+      </p:bgPr>
+    </p:bg>
+    <p:spTree>
+      <p:nvGrpSpPr>
+        <p:cNvPr id="1" name=""/>
+        <p:cNvGrpSpPr/>
+        <p:nvPr/>
+      </p:nvGrpSpPr>
+      <p:grpSpPr>
+        <a:xfrm>
+          <a:off x="0" y="0"/>
+          <a:ext cx="0" cy="0"/>
+          <a:chOff x="0" y="0"/>
+          <a:chExt cx="0" cy="0"/>
+        </a:xfrm>
+      </p:grpSpPr>
+      <p:pic>
+        <p:nvPicPr>
+          <p:cNvPr id="10" name="Picture 9">
+            <a:extLst>
+              <a:ext uri="{FF2B5EF4-FFF2-40B4-BE49-F238E27FC236}">
+                <a16:creationId xmlns:a16="http://schemas.microsoft.com/office/drawing/2014/main" id="{6AF6706C-CF07-43A1-BCC4-CBA5D33820DA}"/>
+              </a:ext>
+              <a:ext uri="{C183D7F6-B498-43B3-948B-1728B52AA6E4}">
+                <adec:decorative xmlns:adec="http://schemas.microsoft.com/office/drawing/2017/decorative" val="1"/>
+              </a:ext>
+            </a:extLst>
+          </p:cNvPr>
+          <p:cNvPicPr>
+            <a:picLocks noGrp="1" noRot="1" noChangeAspect="1" noMove="1" noResize="1" noEditPoints="1" noAdjustHandles="1" noChangeArrowheads="1" noChangeShapeType="1" noCrop="1"/>
+          </p:cNvPicPr>
+          <p:nvPr>
+            <p:extLst>
+              <p:ext uri="{386F3935-93C4-4BCD-93E2-E3B085C9AB24}">
+                <p16:designElem xmlns:p16="http://schemas.microsoft.com/office/powerpoint/2015/main" val="1"/>
+              </p:ext>
+            </p:extLst>
+          </p:nvPr>
+        </p:nvPicPr>
+        <p:blipFill>
+          <a:blip r:embed="rId3">
+            <a:extLst>
+              <a:ext uri="{28A0092B-C50C-407E-A947-70E740481C1C}">
+                <a14:useLocalDpi xmlns:a14="http://schemas.microsoft.com/office/drawing/2010/main" val="0"/>
+              </a:ext>
+            </a:extLst>
+          </a:blip>
+          <a:stretch>
+            <a:fillRect/>
+          </a:stretch>
+        </p:blipFill>
+        <p:spPr>
+          <a:xfrm>
+            <a:off x="0" y="0"/>
+            <a:ext cx="12188825" cy="6856214"/>
+          </a:xfrm>
+          <a:prstGeom prst="rect">
+            <a:avLst/>
+          </a:prstGeom>
+        </p:spPr>
+      </p:pic>
+      <p:sp>
+        <p:nvSpPr>
+          <p:cNvPr id="2" name="Título 1">
+            <a:extLst>
+              <a:ext uri="{FF2B5EF4-FFF2-40B4-BE49-F238E27FC236}">
+                <a16:creationId xmlns:a16="http://schemas.microsoft.com/office/drawing/2014/main" id="{7A2A7430-5E4E-049E-BA34-86063663BB3B}"/>
+              </a:ext>
+            </a:extLst>
+          </p:cNvPr>
+          <p:cNvSpPr>
+            <a:spLocks noGrp="1"/>
+          </p:cNvSpPr>
+          <p:nvPr>
+            <p:ph type="title"/>
+          </p:nvPr>
+        </p:nvSpPr>
+        <p:spPr>
+          <a:xfrm>
+            <a:off x="8106849" y="3068659"/>
+            <a:ext cx="3691566" cy="718895"/>
+          </a:xfrm>
+        </p:spPr>
+        <p:txBody>
+          <a:bodyPr vert="horz" lIns="91440" tIns="45720" rIns="91440" bIns="45720" rtlCol="0" anchor="b">
+            <a:normAutofit fontScale="90000"/>
+          </a:bodyPr>
+          <a:lstStyle/>
+          <a:p>
+            <a:pPr algn="ctr"/>
+            <a:r>
+              <a:rPr lang="en-US" sz="4800" b="1" dirty="0"/>
+              <a:t>Carta Gantt</a:t>
+            </a:r>
+          </a:p>
+        </p:txBody>
+      </p:sp>
+      <p:pic>
+        <p:nvPicPr>
+          <p:cNvPr id="5" name="Imagen 4">
+            <a:extLst>
+              <a:ext uri="{FF2B5EF4-FFF2-40B4-BE49-F238E27FC236}">
+                <a16:creationId xmlns:a16="http://schemas.microsoft.com/office/drawing/2014/main" id="{3099617D-6C84-6450-93B9-3311C27BA82E}"/>
+              </a:ext>
+            </a:extLst>
+          </p:cNvPr>
+          <p:cNvPicPr>
+            <a:picLocks noChangeAspect="1"/>
+          </p:cNvPicPr>
+          <p:nvPr/>
+        </p:nvPicPr>
+        <p:blipFill>
+          <a:blip r:embed="rId4"/>
+          <a:stretch>
+            <a:fillRect/>
+          </a:stretch>
+        </p:blipFill>
+        <p:spPr>
+          <a:xfrm>
+            <a:off x="629810" y="740778"/>
+            <a:ext cx="6921364" cy="5381359"/>
+          </a:xfrm>
+          <a:prstGeom prst="roundRect">
+            <a:avLst>
+              <a:gd name="adj" fmla="val 4380"/>
+            </a:avLst>
+          </a:prstGeom>
+          <a:ln w="50800" cap="sq" cmpd="dbl">
+            <a:gradFill flip="none" rotWithShape="1">
+              <a:gsLst>
+                <a:gs pos="0">
+                  <a:srgbClr val="FFFFFF"/>
+                </a:gs>
+                <a:gs pos="100000">
+                  <a:schemeClr val="tx1">
+                    <a:alpha val="0"/>
+                  </a:schemeClr>
+                </a:gs>
+              </a:gsLst>
+              <a:path path="circle">
+                <a:fillToRect l="50000" t="50000" r="50000" b="50000"/>
+              </a:path>
+              <a:tileRect/>
+            </a:gradFill>
+            <a:miter lim="800000"/>
+          </a:ln>
+          <a:effectLst>
+            <a:outerShdw blurRad="254000" algn="tl" rotWithShape="0">
+              <a:srgbClr val="000000">
+                <a:alpha val="43000"/>
+              </a:srgbClr>
+            </a:outerShdw>
+          </a:effectLst>
+        </p:spPr>
+      </p:pic>
+    </p:spTree>
+    <p:extLst>
+      <p:ext uri="{BB962C8B-B14F-4D97-AF65-F5344CB8AC3E}">
+        <p14:creationId xmlns:p14="http://schemas.microsoft.com/office/powerpoint/2010/main" val="1815483935"/>
+      </p:ext>
+    </p:extLst>
+  </p:cSld>
+  <p:clrMapOvr>
+    <a:masterClrMapping/>
+  </p:clrMapOvr>
+</p:sld>
+</file>
+
+<file path=ppt/slides/slide13.xml><?xml version="1.0" encoding="utf-8"?>
+<p:sld xmlns:a="http://schemas.openxmlformats.org/drawingml/2006/main" xmlns:r="http://schemas.openxmlformats.org/officeDocument/2006/relationships" xmlns:p="http://schemas.openxmlformats.org/presentationml/2006/main">
+  <p:cSld>
+    <p:spTree>
+      <p:nvGrpSpPr>
+        <p:cNvPr id="1" name=""/>
+        <p:cNvGrpSpPr/>
+        <p:nvPr/>
+      </p:nvGrpSpPr>
+      <p:grpSpPr>
+        <a:xfrm>
+          <a:off x="0" y="0"/>
+          <a:ext cx="0" cy="0"/>
+          <a:chOff x="0" y="0"/>
+          <a:chExt cx="0" cy="0"/>
+        </a:xfrm>
+      </p:grpSpPr>
+      <p:sp>
+        <p:nvSpPr>
+          <p:cNvPr id="2" name="Título 1">
+            <a:extLst>
+              <a:ext uri="{FF2B5EF4-FFF2-40B4-BE49-F238E27FC236}">
+                <a16:creationId xmlns:a16="http://schemas.microsoft.com/office/drawing/2014/main" id="{8E02AAF8-B6B0-23A8-AFBF-DB987F81291C}"/>
+              </a:ext>
+            </a:extLst>
+          </p:cNvPr>
+          <p:cNvSpPr>
+            <a:spLocks noGrp="1"/>
+          </p:cNvSpPr>
+          <p:nvPr>
+            <p:ph type="title"/>
+          </p:nvPr>
+        </p:nvSpPr>
+        <p:spPr/>
+        <p:txBody>
+          <a:bodyPr/>
+          <a:lstStyle/>
+          <a:p>
+            <a:r>
+              <a:rPr lang="es-CL" dirty="0"/>
+              <a:t>Sprint 1</a:t>
+            </a:r>
+          </a:p>
+        </p:txBody>
+      </p:sp>
+    </p:spTree>
+    <p:extLst>
+      <p:ext uri="{BB962C8B-B14F-4D97-AF65-F5344CB8AC3E}">
+        <p14:creationId xmlns:p14="http://schemas.microsoft.com/office/powerpoint/2010/main" val="3652208132"/>
+      </p:ext>
+    </p:extLst>
+  </p:cSld>
+  <p:clrMapOvr>
+    <a:masterClrMapping/>
+  </p:clrMapOvr>
+</p:sld>
+</file>
+
+<file path=ppt/slides/slide14.xml><?xml version="1.0" encoding="utf-8"?>
+<p:sld xmlns:a="http://schemas.openxmlformats.org/drawingml/2006/main" xmlns:r="http://schemas.openxmlformats.org/officeDocument/2006/relationships" xmlns:p="http://schemas.openxmlformats.org/presentationml/2006/main">
+  <p:cSld>
+    <p:spTree>
+      <p:nvGrpSpPr>
+        <p:cNvPr id="1" name=""/>
+        <p:cNvGrpSpPr/>
+        <p:nvPr/>
+      </p:nvGrpSpPr>
+      <p:grpSpPr>
+        <a:xfrm>
+          <a:off x="0" y="0"/>
+          <a:ext cx="0" cy="0"/>
+          <a:chOff x="0" y="0"/>
+          <a:chExt cx="0" cy="0"/>
+        </a:xfrm>
+      </p:grpSpPr>
+      <p:sp>
+        <p:nvSpPr>
+          <p:cNvPr id="3" name="Marcador de contenido 2">
+            <a:extLst>
+              <a:ext uri="{FF2B5EF4-FFF2-40B4-BE49-F238E27FC236}">
+                <a16:creationId xmlns:a16="http://schemas.microsoft.com/office/drawing/2014/main" id="{5B8A0547-A266-3A31-B500-D514E7A02CF7}"/>
+              </a:ext>
+            </a:extLst>
+          </p:cNvPr>
+          <p:cNvSpPr>
+            <a:spLocks noGrp="1"/>
+          </p:cNvSpPr>
+          <p:nvPr>
+            <p:ph idx="1"/>
+          </p:nvPr>
+        </p:nvSpPr>
+        <p:spPr/>
+        <p:txBody>
+          <a:bodyPr/>
+          <a:lstStyle/>
+          <a:p>
+            <a:endParaRPr lang="es-CL"/>
+          </a:p>
+        </p:txBody>
+      </p:sp>
+      <p:sp>
+        <p:nvSpPr>
+          <p:cNvPr id="4" name="Título 1">
+            <a:extLst>
+              <a:ext uri="{FF2B5EF4-FFF2-40B4-BE49-F238E27FC236}">
+                <a16:creationId xmlns:a16="http://schemas.microsoft.com/office/drawing/2014/main" id="{1B034871-CEFA-7E3C-E3A2-1BB182FB4653}"/>
+              </a:ext>
+            </a:extLst>
+          </p:cNvPr>
+          <p:cNvSpPr>
+            <a:spLocks noGrp="1"/>
+          </p:cNvSpPr>
+          <p:nvPr>
+            <p:ph type="title"/>
+          </p:nvPr>
+        </p:nvSpPr>
+        <p:spPr>
+          <a:xfrm>
+            <a:off x="685800" y="609600"/>
+            <a:ext cx="10131425" cy="1455738"/>
+          </a:xfrm>
+        </p:spPr>
+        <p:txBody>
+          <a:bodyPr/>
+          <a:lstStyle/>
+          <a:p>
+            <a:r>
+              <a:rPr lang="es-CL" dirty="0"/>
+              <a:t>Sprint 2</a:t>
+            </a:r>
+          </a:p>
+        </p:txBody>
+      </p:sp>
+    </p:spTree>
+    <p:extLst>
+      <p:ext uri="{BB962C8B-B14F-4D97-AF65-F5344CB8AC3E}">
+        <p14:creationId xmlns:p14="http://schemas.microsoft.com/office/powerpoint/2010/main" val="830640341"/>
+      </p:ext>
+    </p:extLst>
+  </p:cSld>
+  <p:clrMapOvr>
+    <a:masterClrMapping/>
+  </p:clrMapOvr>
+</p:sld>
+</file>
+
+<file path=ppt/slides/slide15.xml><?xml version="1.0" encoding="utf-8"?>
+<p:sld xmlns:a="http://schemas.openxmlformats.org/drawingml/2006/main" xmlns:r="http://schemas.openxmlformats.org/officeDocument/2006/relationships" xmlns:p="http://schemas.openxmlformats.org/presentationml/2006/main">
+  <p:cSld>
+    <p:spTree>
+      <p:nvGrpSpPr>
+        <p:cNvPr id="1" name=""/>
+        <p:cNvGrpSpPr/>
+        <p:nvPr/>
+      </p:nvGrpSpPr>
+      <p:grpSpPr>
+        <a:xfrm>
+          <a:off x="0" y="0"/>
+          <a:ext cx="0" cy="0"/>
+          <a:chOff x="0" y="0"/>
+          <a:chExt cx="0" cy="0"/>
+        </a:xfrm>
+      </p:grpSpPr>
+      <p:sp>
+        <p:nvSpPr>
+          <p:cNvPr id="3" name="Marcador de contenido 2">
+            <a:extLst>
+              <a:ext uri="{FF2B5EF4-FFF2-40B4-BE49-F238E27FC236}">
+                <a16:creationId xmlns:a16="http://schemas.microsoft.com/office/drawing/2014/main" id="{C32C614E-E287-B294-0B0A-70E6D2F82B3E}"/>
+              </a:ext>
+            </a:extLst>
+          </p:cNvPr>
+          <p:cNvSpPr>
+            <a:spLocks noGrp="1"/>
+          </p:cNvSpPr>
+          <p:nvPr>
+            <p:ph idx="1"/>
+          </p:nvPr>
+        </p:nvSpPr>
+        <p:spPr/>
+        <p:txBody>
+          <a:bodyPr/>
+          <a:lstStyle/>
+          <a:p>
+            <a:endParaRPr lang="es-CL"/>
+          </a:p>
+        </p:txBody>
+      </p:sp>
+      <p:sp>
+        <p:nvSpPr>
+          <p:cNvPr id="4" name="Título 1">
+            <a:extLst>
+              <a:ext uri="{FF2B5EF4-FFF2-40B4-BE49-F238E27FC236}">
+                <a16:creationId xmlns:a16="http://schemas.microsoft.com/office/drawing/2014/main" id="{C6E416C0-2597-D33B-DB9D-1A9462920CFF}"/>
+              </a:ext>
+            </a:extLst>
+          </p:cNvPr>
+          <p:cNvSpPr>
+            <a:spLocks noGrp="1"/>
+          </p:cNvSpPr>
+          <p:nvPr>
+            <p:ph type="title"/>
+          </p:nvPr>
+        </p:nvSpPr>
+        <p:spPr>
+          <a:xfrm>
+            <a:off x="685800" y="609600"/>
+            <a:ext cx="10131425" cy="1455738"/>
+          </a:xfrm>
+        </p:spPr>
+        <p:txBody>
+          <a:bodyPr/>
+          <a:lstStyle/>
+          <a:p>
+            <a:r>
+              <a:rPr lang="es-CL" dirty="0"/>
+              <a:t>Sprint 3</a:t>
+            </a:r>
+          </a:p>
+        </p:txBody>
+      </p:sp>
+    </p:spTree>
+    <p:extLst>
+      <p:ext uri="{BB962C8B-B14F-4D97-AF65-F5344CB8AC3E}">
+        <p14:creationId xmlns:p14="http://schemas.microsoft.com/office/powerpoint/2010/main" val="2733748575"/>
+      </p:ext>
+    </p:extLst>
+  </p:cSld>
+  <p:clrMapOvr>
+    <a:masterClrMapping/>
+  </p:clrMapOvr>
+</p:sld>
+</file>
+
+<file path=ppt/slides/slide16.xml><?xml version="1.0" encoding="utf-8"?>
+<p:sld xmlns:a="http://schemas.openxmlformats.org/drawingml/2006/main" xmlns:r="http://schemas.openxmlformats.org/officeDocument/2006/relationships" xmlns:p="http://schemas.openxmlformats.org/presentationml/2006/main">
+  <p:cSld>
+    <p:spTree>
+      <p:nvGrpSpPr>
+        <p:cNvPr id="1" name=""/>
+        <p:cNvGrpSpPr/>
+        <p:nvPr/>
+      </p:nvGrpSpPr>
+      <p:grpSpPr>
+        <a:xfrm>
+          <a:off x="0" y="0"/>
+          <a:ext cx="0" cy="0"/>
+          <a:chOff x="0" y="0"/>
+          <a:chExt cx="0" cy="0"/>
+        </a:xfrm>
+      </p:grpSpPr>
+      <p:sp>
+        <p:nvSpPr>
+          <p:cNvPr id="3" name="Marcador de contenido 2">
+            <a:extLst>
+              <a:ext uri="{FF2B5EF4-FFF2-40B4-BE49-F238E27FC236}">
+                <a16:creationId xmlns:a16="http://schemas.microsoft.com/office/drawing/2014/main" id="{033F4FD9-965E-0E5F-F602-8E6DA80CB1B1}"/>
+              </a:ext>
+            </a:extLst>
+          </p:cNvPr>
+          <p:cNvSpPr>
+            <a:spLocks noGrp="1"/>
+          </p:cNvSpPr>
+          <p:nvPr>
+            <p:ph idx="1"/>
+          </p:nvPr>
+        </p:nvSpPr>
+        <p:spPr/>
+        <p:txBody>
+          <a:bodyPr/>
+          <a:lstStyle/>
+          <a:p>
+            <a:endParaRPr lang="es-CL"/>
+          </a:p>
+        </p:txBody>
+      </p:sp>
+      <p:sp>
+        <p:nvSpPr>
+          <p:cNvPr id="4" name="Título 1">
+            <a:extLst>
+              <a:ext uri="{FF2B5EF4-FFF2-40B4-BE49-F238E27FC236}">
+                <a16:creationId xmlns:a16="http://schemas.microsoft.com/office/drawing/2014/main" id="{CE30A3B1-D8D5-901F-E930-318514ABF61E}"/>
+              </a:ext>
+            </a:extLst>
+          </p:cNvPr>
+          <p:cNvSpPr>
+            <a:spLocks noGrp="1"/>
+          </p:cNvSpPr>
+          <p:nvPr>
+            <p:ph type="title"/>
+          </p:nvPr>
+        </p:nvSpPr>
+        <p:spPr>
+          <a:xfrm>
+            <a:off x="685800" y="536448"/>
+            <a:ext cx="10131425" cy="1455738"/>
+          </a:xfrm>
+        </p:spPr>
+        <p:txBody>
+          <a:bodyPr/>
+          <a:lstStyle/>
+          <a:p>
+            <a:r>
+              <a:rPr lang="es-CL" dirty="0"/>
+              <a:t>Sprint 4</a:t>
+            </a:r>
+          </a:p>
+        </p:txBody>
+      </p:sp>
+    </p:spTree>
+    <p:extLst>
+      <p:ext uri="{BB962C8B-B14F-4D97-AF65-F5344CB8AC3E}">
+        <p14:creationId xmlns:p14="http://schemas.microsoft.com/office/powerpoint/2010/main" val="2361390148"/>
+      </p:ext>
+    </p:extLst>
+  </p:cSld>
+  <p:clrMapOvr>
+    <a:masterClrMapping/>
+  </p:clrMapOvr>
+</p:sld>
+</file>
+
+<file path=ppt/slides/slide17.xml><?xml version="1.0" encoding="utf-8"?>
+<p:sld xmlns:a="http://schemas.openxmlformats.org/drawingml/2006/main" xmlns:r="http://schemas.openxmlformats.org/officeDocument/2006/relationships" xmlns:p="http://schemas.openxmlformats.org/presentationml/2006/main">
+  <p:cSld>
+    <p:bg>
+      <p:bgPr>
+        <a:blipFill>
+          <a:blip r:embed="rId2"/>
+          <a:stretch/>
+        </a:blipFill>
+        <a:effectLst/>
+      </p:bgPr>
+    </p:bg>
+    <p:spTree>
+      <p:nvGrpSpPr>
+        <p:cNvPr id="1" name=""/>
+        <p:cNvGrpSpPr/>
+        <p:nvPr/>
+      </p:nvGrpSpPr>
+      <p:grpSpPr>
+        <a:xfrm>
+          <a:off x="0" y="0"/>
+          <a:ext cx="0" cy="0"/>
+          <a:chOff x="0" y="0"/>
+          <a:chExt cx="0" cy="0"/>
+        </a:xfrm>
+      </p:grpSpPr>
+      <p:pic>
+        <p:nvPicPr>
+          <p:cNvPr id="2055" name="Picture 2054">
+            <a:extLst>
+              <a:ext uri="{FF2B5EF4-FFF2-40B4-BE49-F238E27FC236}">
+                <a16:creationId xmlns:a16="http://schemas.microsoft.com/office/drawing/2014/main" id="{6AF6706C-CF07-43A1-BCC4-CBA5D33820DA}"/>
+              </a:ext>
+              <a:ext uri="{C183D7F6-B498-43B3-948B-1728B52AA6E4}">
+                <adec:decorative xmlns:adec="http://schemas.microsoft.com/office/drawing/2017/decorative" val="1"/>
+              </a:ext>
+            </a:extLst>
+          </p:cNvPr>
+          <p:cNvPicPr>
+            <a:picLocks noGrp="1" noRot="1" noChangeAspect="1" noMove="1" noResize="1" noEditPoints="1" noAdjustHandles="1" noChangeArrowheads="1" noChangeShapeType="1" noCrop="1"/>
+          </p:cNvPicPr>
+          <p:nvPr>
+            <p:extLst>
+              <p:ext uri="{386F3935-93C4-4BCD-93E2-E3B085C9AB24}">
+                <p16:designElem xmlns:p16="http://schemas.microsoft.com/office/powerpoint/2015/main" val="1"/>
+              </p:ext>
+            </p:extLst>
+          </p:nvPr>
+        </p:nvPicPr>
+        <p:blipFill>
+          <a:blip r:embed="rId3">
+            <a:extLst>
+              <a:ext uri="{28A0092B-C50C-407E-A947-70E740481C1C}">
+                <a14:useLocalDpi xmlns:a14="http://schemas.microsoft.com/office/drawing/2010/main" val="0"/>
+              </a:ext>
+            </a:extLst>
+          </a:blip>
+          <a:stretch>
+            <a:fillRect/>
+          </a:stretch>
+        </p:blipFill>
+        <p:spPr>
+          <a:xfrm>
+            <a:off x="0" y="0"/>
+            <a:ext cx="12188825" cy="6856214"/>
+          </a:xfrm>
+          <a:prstGeom prst="rect">
+            <a:avLst/>
+          </a:prstGeom>
+        </p:spPr>
+      </p:pic>
+      <p:sp>
+        <p:nvSpPr>
+          <p:cNvPr id="2" name="Título 1">
+            <a:extLst>
+              <a:ext uri="{FF2B5EF4-FFF2-40B4-BE49-F238E27FC236}">
+                <a16:creationId xmlns:a16="http://schemas.microsoft.com/office/drawing/2014/main" id="{18F45005-1000-6D1E-9AB4-E3D9599F6D9E}"/>
+              </a:ext>
+            </a:extLst>
+          </p:cNvPr>
+          <p:cNvSpPr>
+            <a:spLocks noGrp="1"/>
+          </p:cNvSpPr>
+          <p:nvPr>
+            <p:ph type="title"/>
+          </p:nvPr>
+        </p:nvSpPr>
+        <p:spPr>
+          <a:xfrm>
+            <a:off x="1032933" y="4538133"/>
+            <a:ext cx="10127192" cy="931341"/>
+          </a:xfrm>
+        </p:spPr>
+        <p:txBody>
+          <a:bodyPr vert="horz" lIns="91440" tIns="45720" rIns="91440" bIns="45720" rtlCol="0" anchor="b">
+            <a:normAutofit/>
+          </a:bodyPr>
+          <a:lstStyle/>
+          <a:p>
+            <a:pPr algn="r"/>
+            <a:r>
+              <a:rPr lang="en-US" sz="4000"/>
+              <a:t>conclusiones</a:t>
+            </a:r>
+          </a:p>
+        </p:txBody>
+      </p:sp>
+      <p:pic>
+        <p:nvPicPr>
+          <p:cNvPr id="2050" name="Picture 2" descr="Miradas que Hablan: Explorando la Seguridad en el Reconocimiento Facial -  Fundación Fepropaz">
+            <a:extLst>
+              <a:ext uri="{FF2B5EF4-FFF2-40B4-BE49-F238E27FC236}">
+                <a16:creationId xmlns:a16="http://schemas.microsoft.com/office/drawing/2014/main" id="{B226BADD-1BA2-0429-C998-2FAD9A457E5A}"/>
+              </a:ext>
+            </a:extLst>
+          </p:cNvPr>
+          <p:cNvPicPr>
+            <a:picLocks noChangeAspect="1" noChangeArrowheads="1"/>
+          </p:cNvPicPr>
+          <p:nvPr/>
+        </p:nvPicPr>
+        <p:blipFill>
+          <a:blip r:embed="rId4">
+            <a:extLst>
+              <a:ext uri="{28A0092B-C50C-407E-A947-70E740481C1C}">
+                <a14:useLocalDpi xmlns:a14="http://schemas.microsoft.com/office/drawing/2010/main" val="0"/>
+              </a:ext>
+            </a:extLst>
+          </a:blip>
+          <a:stretch>
+            <a:fillRect/>
+          </a:stretch>
+        </p:blipFill>
+        <p:spPr bwMode="auto">
+          <a:xfrm>
+            <a:off x="2357834" y="645517"/>
+            <a:ext cx="7476332" cy="3738166"/>
+          </a:xfrm>
+          <a:prstGeom prst="roundRect">
+            <a:avLst>
+              <a:gd name="adj" fmla="val 4380"/>
+            </a:avLst>
+          </a:prstGeom>
+          <a:noFill/>
+          <a:ln w="50800" cap="sq" cmpd="dbl">
+            <a:gradFill flip="none" rotWithShape="1">
+              <a:gsLst>
+                <a:gs pos="0">
+                  <a:srgbClr val="FFFFFF"/>
+                </a:gs>
+                <a:gs pos="100000">
+                  <a:schemeClr val="tx1">
+                    <a:alpha val="0"/>
+                  </a:schemeClr>
+                </a:gs>
+              </a:gsLst>
+              <a:path path="circle">
+                <a:fillToRect l="50000" t="50000" r="50000" b="50000"/>
+              </a:path>
+              <a:tileRect/>
+            </a:gradFill>
+            <a:miter lim="800000"/>
+          </a:ln>
+          <a:effectLst>
+            <a:outerShdw blurRad="254000" algn="tl" rotWithShape="0">
+              <a:srgbClr val="000000">
+                <a:alpha val="43000"/>
+              </a:srgbClr>
+            </a:outerShdw>
+          </a:effectLst>
+          <a:extLst>
+            <a:ext uri="{909E8E84-426E-40DD-AFC4-6F175D3DCCD1}">
+              <a14:hiddenFill xmlns:a14="http://schemas.microsoft.com/office/drawing/2010/main">
+                <a:solidFill>
+                  <a:srgbClr val="FFFFFF"/>
+                </a:solidFill>
+              </a14:hiddenFill>
+            </a:ext>
+          </a:extLst>
+        </p:spPr>
+      </p:pic>
+    </p:spTree>
+    <p:extLst>
+      <p:ext uri="{BB962C8B-B14F-4D97-AF65-F5344CB8AC3E}">
+        <p14:creationId xmlns:p14="http://schemas.microsoft.com/office/powerpoint/2010/main" val="3241779247"/>
       </p:ext>
     </p:extLst>
   </p:cSld>
@@ -6815,6 +8226,64 @@
 <file path=ppt/slides/slide6.xml><?xml version="1.0" encoding="utf-8"?>
 <p:sld xmlns:a="http://schemas.openxmlformats.org/drawingml/2006/main" xmlns:r="http://schemas.openxmlformats.org/officeDocument/2006/relationships" xmlns:p="http://schemas.openxmlformats.org/presentationml/2006/main">
   <p:cSld>
+    <p:spTree>
+      <p:nvGrpSpPr>
+        <p:cNvPr id="1" name=""/>
+        <p:cNvGrpSpPr/>
+        <p:nvPr/>
+      </p:nvGrpSpPr>
+      <p:grpSpPr>
+        <a:xfrm>
+          <a:off x="0" y="0"/>
+          <a:ext cx="0" cy="0"/>
+          <a:chOff x="0" y="0"/>
+          <a:chExt cx="0" cy="0"/>
+        </a:xfrm>
+      </p:grpSpPr>
+      <p:sp>
+        <p:nvSpPr>
+          <p:cNvPr id="2" name="Título 1">
+            <a:extLst>
+              <a:ext uri="{FF2B5EF4-FFF2-40B4-BE49-F238E27FC236}">
+                <a16:creationId xmlns:a16="http://schemas.microsoft.com/office/drawing/2014/main" id="{D6F3C8D4-57F8-C44B-0F9F-4FA56220599C}"/>
+              </a:ext>
+            </a:extLst>
+          </p:cNvPr>
+          <p:cNvSpPr>
+            <a:spLocks noGrp="1"/>
+          </p:cNvSpPr>
+          <p:nvPr>
+            <p:ph type="title"/>
+          </p:nvPr>
+        </p:nvSpPr>
+        <p:spPr/>
+        <p:txBody>
+          <a:bodyPr/>
+          <a:lstStyle/>
+          <a:p>
+            <a:r>
+              <a:rPr lang="es-CL" b="1" dirty="0"/>
+              <a:t>arquitectura</a:t>
+            </a:r>
+          </a:p>
+        </p:txBody>
+      </p:sp>
+    </p:spTree>
+    <p:extLst>
+      <p:ext uri="{BB962C8B-B14F-4D97-AF65-F5344CB8AC3E}">
+        <p14:creationId xmlns:p14="http://schemas.microsoft.com/office/powerpoint/2010/main" val="2567202185"/>
+      </p:ext>
+    </p:extLst>
+  </p:cSld>
+  <p:clrMapOvr>
+    <a:masterClrMapping/>
+  </p:clrMapOvr>
+</p:sld>
+</file>
+
+<file path=ppt/slides/slide7.xml><?xml version="1.0" encoding="utf-8"?>
+<p:sld xmlns:a="http://schemas.openxmlformats.org/drawingml/2006/main" xmlns:r="http://schemas.openxmlformats.org/officeDocument/2006/relationships" xmlns:p="http://schemas.openxmlformats.org/presentationml/2006/main">
+  <p:cSld>
     <p:bg>
       <p:bgPr>
         <a:blipFill>
@@ -6994,7 +8463,7 @@
 </p:sld>
 </file>
 
-<file path=ppt/slides/slide7.xml><?xml version="1.0" encoding="utf-8"?>
+<file path=ppt/slides/slide8.xml><?xml version="1.0" encoding="utf-8"?>
 <p:sld xmlns:a="http://schemas.openxmlformats.org/drawingml/2006/main" xmlns:r="http://schemas.openxmlformats.org/officeDocument/2006/relationships" xmlns:p="http://schemas.openxmlformats.org/presentationml/2006/main">
   <p:cSld>
     <p:bg>
@@ -7586,1189 +9055,6 @@
 </p:sld>
 </file>
 
-<file path=ppt/slides/slide8.xml><?xml version="1.0" encoding="utf-8"?>
-<p:sld xmlns:a="http://schemas.openxmlformats.org/drawingml/2006/main" xmlns:r="http://schemas.openxmlformats.org/officeDocument/2006/relationships" xmlns:p="http://schemas.openxmlformats.org/presentationml/2006/main">
-  <p:cSld>
-    <p:spTree>
-      <p:nvGrpSpPr>
-        <p:cNvPr id="1" name=""/>
-        <p:cNvGrpSpPr/>
-        <p:nvPr/>
-      </p:nvGrpSpPr>
-      <p:grpSpPr>
-        <a:xfrm>
-          <a:off x="0" y="0"/>
-          <a:ext cx="0" cy="0"/>
-          <a:chOff x="0" y="0"/>
-          <a:chExt cx="0" cy="0"/>
-        </a:xfrm>
-      </p:grpSpPr>
-      <p:sp>
-        <p:nvSpPr>
-          <p:cNvPr id="5" name="Elipse 4">
-            <a:extLst>
-              <a:ext uri="{FF2B5EF4-FFF2-40B4-BE49-F238E27FC236}">
-                <a16:creationId xmlns:a16="http://schemas.microsoft.com/office/drawing/2014/main" id="{849FC11D-3819-DB10-1340-91E4127BFA90}"/>
-              </a:ext>
-            </a:extLst>
-          </p:cNvPr>
-          <p:cNvSpPr/>
-          <p:nvPr/>
-        </p:nvSpPr>
-        <p:spPr>
-          <a:xfrm>
-            <a:off x="770541" y="1138066"/>
-            <a:ext cx="2318327" cy="997528"/>
-          </a:xfrm>
-          <a:prstGeom prst="ellipse">
-            <a:avLst/>
-          </a:prstGeom>
-          <a:ln>
-            <a:solidFill>
-              <a:schemeClr val="accent2">
-                <a:lumMod val="20000"/>
-                <a:lumOff val="80000"/>
-              </a:schemeClr>
-            </a:solidFill>
-          </a:ln>
-        </p:spPr>
-        <p:style>
-          <a:lnRef idx="2">
-            <a:schemeClr val="accent1">
-              <a:shade val="15000"/>
-            </a:schemeClr>
-          </a:lnRef>
-          <a:fillRef idx="1">
-            <a:schemeClr val="accent1"/>
-          </a:fillRef>
-          <a:effectRef idx="0">
-            <a:schemeClr val="accent1"/>
-          </a:effectRef>
-          <a:fontRef idx="minor">
-            <a:schemeClr val="lt1"/>
-          </a:fontRef>
-        </p:style>
-        <p:txBody>
-          <a:bodyPr rtlCol="0" anchor="ctr"/>
-          <a:lstStyle/>
-          <a:p>
-            <a:pPr algn="ctr"/>
-            <a:r>
-              <a:rPr lang="es-CL" sz="1800" dirty="0">
-                <a:effectLst/>
-                <a:latin typeface="Calibri" panose="020F0502020204030204" pitchFamily="34" charset="0"/>
-                <a:ea typeface="Calibri" panose="020F0502020204030204" pitchFamily="34" charset="0"/>
-              </a:rPr>
-              <a:t>Definición del Proyecto ATP</a:t>
-            </a:r>
-            <a:endParaRPr lang="es-CL" dirty="0"/>
-          </a:p>
-        </p:txBody>
-      </p:sp>
-      <p:sp>
-        <p:nvSpPr>
-          <p:cNvPr id="2" name="Título 1">
-            <a:extLst>
-              <a:ext uri="{FF2B5EF4-FFF2-40B4-BE49-F238E27FC236}">
-                <a16:creationId xmlns:a16="http://schemas.microsoft.com/office/drawing/2014/main" id="{4F776BD3-50C6-9630-7ED6-AA837CBA15D5}"/>
-              </a:ext>
-            </a:extLst>
-          </p:cNvPr>
-          <p:cNvSpPr>
-            <a:spLocks noGrp="1"/>
-          </p:cNvSpPr>
-          <p:nvPr>
-            <p:ph type="title"/>
-          </p:nvPr>
-        </p:nvSpPr>
-        <p:spPr>
-          <a:xfrm>
-            <a:off x="434658" y="223662"/>
-            <a:ext cx="2990087" cy="668176"/>
-          </a:xfrm>
-        </p:spPr>
-        <p:txBody>
-          <a:bodyPr/>
-          <a:lstStyle/>
-          <a:p>
-            <a:pPr algn="ctr"/>
-            <a:r>
-              <a:rPr lang="es-CL" b="1" dirty="0"/>
-              <a:t>evidencias</a:t>
-            </a:r>
-          </a:p>
-        </p:txBody>
-      </p:sp>
-      <p:sp>
-        <p:nvSpPr>
-          <p:cNvPr id="4" name="Elipse 3">
-            <a:extLst>
-              <a:ext uri="{FF2B5EF4-FFF2-40B4-BE49-F238E27FC236}">
-                <a16:creationId xmlns:a16="http://schemas.microsoft.com/office/drawing/2014/main" id="{02CF837A-9502-36F0-CFEF-9C83DD9F9CAC}"/>
-              </a:ext>
-            </a:extLst>
-          </p:cNvPr>
-          <p:cNvSpPr/>
-          <p:nvPr/>
-        </p:nvSpPr>
-        <p:spPr>
-          <a:xfrm>
-            <a:off x="770540" y="2290925"/>
-            <a:ext cx="2318327" cy="997528"/>
-          </a:xfrm>
-          <a:prstGeom prst="ellipse">
-            <a:avLst/>
-          </a:prstGeom>
-          <a:ln>
-            <a:solidFill>
-              <a:schemeClr val="accent2">
-                <a:lumMod val="20000"/>
-                <a:lumOff val="80000"/>
-              </a:schemeClr>
-            </a:solidFill>
-          </a:ln>
-        </p:spPr>
-        <p:style>
-          <a:lnRef idx="2">
-            <a:schemeClr val="accent1">
-              <a:shade val="15000"/>
-            </a:schemeClr>
-          </a:lnRef>
-          <a:fillRef idx="1">
-            <a:schemeClr val="accent1"/>
-          </a:fillRef>
-          <a:effectRef idx="0">
-            <a:schemeClr val="accent1"/>
-          </a:effectRef>
-          <a:fontRef idx="minor">
-            <a:schemeClr val="lt1"/>
-          </a:fontRef>
-        </p:style>
-        <p:txBody>
-          <a:bodyPr rtlCol="0" anchor="ctr"/>
-          <a:lstStyle/>
-          <a:p>
-            <a:pPr algn="ctr"/>
-            <a:r>
-              <a:rPr lang="es-CL" sz="1800" dirty="0">
-                <a:effectLst/>
-                <a:latin typeface="Calibri" panose="020F0502020204030204" pitchFamily="34" charset="0"/>
-                <a:ea typeface="Calibri" panose="020F0502020204030204" pitchFamily="34" charset="0"/>
-              </a:rPr>
-              <a:t>Minuta </a:t>
-            </a:r>
-            <a:r>
-              <a:rPr lang="en-US" sz="1800" dirty="0">
-                <a:effectLst/>
-                <a:latin typeface="Calibri" panose="020F0502020204030204" pitchFamily="34" charset="0"/>
-                <a:ea typeface="Calibri" panose="020F0502020204030204" pitchFamily="34" charset="0"/>
-              </a:rPr>
-              <a:t>Kick</a:t>
-            </a:r>
-            <a:r>
-              <a:rPr lang="es-CL" sz="1800" dirty="0">
-                <a:effectLst/>
-                <a:latin typeface="Calibri" panose="020F0502020204030204" pitchFamily="34" charset="0"/>
-                <a:ea typeface="Calibri" panose="020F0502020204030204" pitchFamily="34" charset="0"/>
-              </a:rPr>
-              <a:t> Off</a:t>
-            </a:r>
-            <a:endParaRPr lang="es-CL" dirty="0"/>
-          </a:p>
-        </p:txBody>
-      </p:sp>
-      <p:sp>
-        <p:nvSpPr>
-          <p:cNvPr id="6" name="Elipse 5">
-            <a:extLst>
-              <a:ext uri="{FF2B5EF4-FFF2-40B4-BE49-F238E27FC236}">
-                <a16:creationId xmlns:a16="http://schemas.microsoft.com/office/drawing/2014/main" id="{E6621462-FB8F-6F69-2926-43C3CB3F2EF5}"/>
-              </a:ext>
-            </a:extLst>
-          </p:cNvPr>
-          <p:cNvSpPr/>
-          <p:nvPr/>
-        </p:nvSpPr>
-        <p:spPr>
-          <a:xfrm>
-            <a:off x="3270520" y="3443784"/>
-            <a:ext cx="2431142" cy="997529"/>
-          </a:xfrm>
-          <a:prstGeom prst="ellipse">
-            <a:avLst/>
-          </a:prstGeom>
-          <a:ln>
-            <a:solidFill>
-              <a:schemeClr val="accent2">
-                <a:lumMod val="20000"/>
-                <a:lumOff val="80000"/>
-              </a:schemeClr>
-            </a:solidFill>
-          </a:ln>
-        </p:spPr>
-        <p:style>
-          <a:lnRef idx="2">
-            <a:schemeClr val="accent1">
-              <a:shade val="15000"/>
-            </a:schemeClr>
-          </a:lnRef>
-          <a:fillRef idx="1">
-            <a:schemeClr val="accent1"/>
-          </a:fillRef>
-          <a:effectRef idx="0">
-            <a:schemeClr val="accent1"/>
-          </a:effectRef>
-          <a:fontRef idx="minor">
-            <a:schemeClr val="lt1"/>
-          </a:fontRef>
-        </p:style>
-        <p:txBody>
-          <a:bodyPr rtlCol="0" anchor="ctr"/>
-          <a:lstStyle/>
-          <a:p>
-            <a:pPr algn="ctr"/>
-            <a:r>
-              <a:rPr lang="es-CL" sz="1800" dirty="0">
-                <a:effectLst/>
-                <a:latin typeface="Calibri" panose="020F0502020204030204" pitchFamily="34" charset="0"/>
-                <a:ea typeface="Calibri" panose="020F0502020204030204" pitchFamily="34" charset="0"/>
-              </a:rPr>
-              <a:t>Requerimientos</a:t>
-            </a:r>
-            <a:endParaRPr lang="es-CL" dirty="0"/>
-          </a:p>
-        </p:txBody>
-      </p:sp>
-      <p:sp>
-        <p:nvSpPr>
-          <p:cNvPr id="7" name="Elipse 6">
-            <a:extLst>
-              <a:ext uri="{FF2B5EF4-FFF2-40B4-BE49-F238E27FC236}">
-                <a16:creationId xmlns:a16="http://schemas.microsoft.com/office/drawing/2014/main" id="{9BA23239-9EC6-7EC3-51E9-C40E39B91D64}"/>
-              </a:ext>
-            </a:extLst>
-          </p:cNvPr>
-          <p:cNvSpPr/>
-          <p:nvPr/>
-        </p:nvSpPr>
-        <p:spPr>
-          <a:xfrm>
-            <a:off x="3326926" y="5636810"/>
-            <a:ext cx="2318327" cy="997528"/>
-          </a:xfrm>
-          <a:prstGeom prst="ellipse">
-            <a:avLst/>
-          </a:prstGeom>
-          <a:ln>
-            <a:solidFill>
-              <a:schemeClr val="accent2">
-                <a:lumMod val="20000"/>
-                <a:lumOff val="80000"/>
-              </a:schemeClr>
-            </a:solidFill>
-          </a:ln>
-        </p:spPr>
-        <p:style>
-          <a:lnRef idx="2">
-            <a:schemeClr val="accent1">
-              <a:shade val="15000"/>
-            </a:schemeClr>
-          </a:lnRef>
-          <a:fillRef idx="1">
-            <a:schemeClr val="accent1"/>
-          </a:fillRef>
-          <a:effectRef idx="0">
-            <a:schemeClr val="accent1"/>
-          </a:effectRef>
-          <a:fontRef idx="minor">
-            <a:schemeClr val="lt1"/>
-          </a:fontRef>
-        </p:style>
-        <p:txBody>
-          <a:bodyPr rtlCol="0" anchor="ctr"/>
-          <a:lstStyle/>
-          <a:p>
-            <a:pPr algn="ctr"/>
-            <a:r>
-              <a:rPr lang="es-CL" sz="1800" dirty="0">
-                <a:effectLst/>
-                <a:latin typeface="Calibri" panose="020F0502020204030204" pitchFamily="34" charset="0"/>
-                <a:ea typeface="Calibri" panose="020F0502020204030204" pitchFamily="34" charset="0"/>
-              </a:rPr>
-              <a:t>Carta Gantt</a:t>
-            </a:r>
-            <a:endParaRPr lang="es-CL" dirty="0"/>
-          </a:p>
-        </p:txBody>
-      </p:sp>
-      <p:sp>
-        <p:nvSpPr>
-          <p:cNvPr id="8" name="Elipse 7">
-            <a:extLst>
-              <a:ext uri="{FF2B5EF4-FFF2-40B4-BE49-F238E27FC236}">
-                <a16:creationId xmlns:a16="http://schemas.microsoft.com/office/drawing/2014/main" id="{5F7684A6-863B-D449-A2EF-5DAE45FC81AE}"/>
-              </a:ext>
-            </a:extLst>
-          </p:cNvPr>
-          <p:cNvSpPr/>
-          <p:nvPr/>
-        </p:nvSpPr>
-        <p:spPr>
-          <a:xfrm>
-            <a:off x="770539" y="5636810"/>
-            <a:ext cx="2318327" cy="997528"/>
-          </a:xfrm>
-          <a:prstGeom prst="ellipse">
-            <a:avLst/>
-          </a:prstGeom>
-          <a:ln>
-            <a:solidFill>
-              <a:schemeClr val="accent2">
-                <a:lumMod val="20000"/>
-                <a:lumOff val="80000"/>
-              </a:schemeClr>
-            </a:solidFill>
-          </a:ln>
-        </p:spPr>
-        <p:style>
-          <a:lnRef idx="2">
-            <a:schemeClr val="accent1">
-              <a:shade val="15000"/>
-            </a:schemeClr>
-          </a:lnRef>
-          <a:fillRef idx="1">
-            <a:schemeClr val="accent1"/>
-          </a:fillRef>
-          <a:effectRef idx="0">
-            <a:schemeClr val="accent1"/>
-          </a:effectRef>
-          <a:fontRef idx="minor">
-            <a:schemeClr val="lt1"/>
-          </a:fontRef>
-        </p:style>
-        <p:txBody>
-          <a:bodyPr rtlCol="0" anchor="ctr"/>
-          <a:lstStyle/>
-          <a:p>
-            <a:pPr algn="ctr"/>
-            <a:r>
-              <a:rPr lang="es-CL" sz="1800" dirty="0">
-                <a:effectLst/>
-                <a:latin typeface="Calibri" panose="020F0502020204030204" pitchFamily="34" charset="0"/>
-                <a:ea typeface="Calibri" panose="020F0502020204030204" pitchFamily="34" charset="0"/>
-              </a:rPr>
-              <a:t>Arquitectura </a:t>
-            </a:r>
-            <a:endParaRPr lang="es-CL" dirty="0"/>
-          </a:p>
-        </p:txBody>
-      </p:sp>
-      <p:sp>
-        <p:nvSpPr>
-          <p:cNvPr id="9" name="Elipse 8">
-            <a:extLst>
-              <a:ext uri="{FF2B5EF4-FFF2-40B4-BE49-F238E27FC236}">
-                <a16:creationId xmlns:a16="http://schemas.microsoft.com/office/drawing/2014/main" id="{FD9DB417-3B2E-071A-AACC-6D3ED9E48E2A}"/>
-              </a:ext>
-            </a:extLst>
-          </p:cNvPr>
-          <p:cNvSpPr/>
-          <p:nvPr/>
-        </p:nvSpPr>
-        <p:spPr>
-          <a:xfrm>
-            <a:off x="3326929" y="1138066"/>
-            <a:ext cx="2318327" cy="997528"/>
-          </a:xfrm>
-          <a:prstGeom prst="ellipse">
-            <a:avLst/>
-          </a:prstGeom>
-          <a:ln>
-            <a:solidFill>
-              <a:schemeClr val="accent2">
-                <a:lumMod val="20000"/>
-                <a:lumOff val="80000"/>
-              </a:schemeClr>
-            </a:solidFill>
-          </a:ln>
-        </p:spPr>
-        <p:style>
-          <a:lnRef idx="2">
-            <a:schemeClr val="accent1">
-              <a:shade val="15000"/>
-            </a:schemeClr>
-          </a:lnRef>
-          <a:fillRef idx="1">
-            <a:schemeClr val="accent1"/>
-          </a:fillRef>
-          <a:effectRef idx="0">
-            <a:schemeClr val="accent1"/>
-          </a:effectRef>
-          <a:fontRef idx="minor">
-            <a:schemeClr val="lt1"/>
-          </a:fontRef>
-        </p:style>
-        <p:txBody>
-          <a:bodyPr rtlCol="0" anchor="ctr"/>
-          <a:lstStyle/>
-          <a:p>
-            <a:pPr algn="ctr"/>
-            <a:r>
-              <a:rPr lang="es-CL" sz="1800" dirty="0">
-                <a:effectLst/>
-                <a:latin typeface="Calibri" panose="020F0502020204030204" pitchFamily="34" charset="0"/>
-                <a:ea typeface="Calibri" panose="020F0502020204030204" pitchFamily="34" charset="0"/>
-              </a:rPr>
-              <a:t>Épicas e Historias de Usuarios.</a:t>
-            </a:r>
-            <a:endParaRPr lang="es-CL" dirty="0"/>
-          </a:p>
-        </p:txBody>
-      </p:sp>
-      <p:sp>
-        <p:nvSpPr>
-          <p:cNvPr id="10" name="Elipse 9">
-            <a:extLst>
-              <a:ext uri="{FF2B5EF4-FFF2-40B4-BE49-F238E27FC236}">
-                <a16:creationId xmlns:a16="http://schemas.microsoft.com/office/drawing/2014/main" id="{E83F11C2-2965-DD51-C879-7F9C3CEC05C5}"/>
-              </a:ext>
-            </a:extLst>
-          </p:cNvPr>
-          <p:cNvSpPr/>
-          <p:nvPr/>
-        </p:nvSpPr>
-        <p:spPr>
-          <a:xfrm>
-            <a:off x="770539" y="3406220"/>
-            <a:ext cx="2318327" cy="997528"/>
-          </a:xfrm>
-          <a:prstGeom prst="ellipse">
-            <a:avLst/>
-          </a:prstGeom>
-          <a:ln>
-            <a:solidFill>
-              <a:schemeClr val="accent2">
-                <a:lumMod val="20000"/>
-                <a:lumOff val="80000"/>
-              </a:schemeClr>
-            </a:solidFill>
-          </a:ln>
-        </p:spPr>
-        <p:style>
-          <a:lnRef idx="2">
-            <a:schemeClr val="accent1">
-              <a:shade val="15000"/>
-            </a:schemeClr>
-          </a:lnRef>
-          <a:fillRef idx="1">
-            <a:schemeClr val="accent1"/>
-          </a:fillRef>
-          <a:effectRef idx="0">
-            <a:schemeClr val="accent1"/>
-          </a:effectRef>
-          <a:fontRef idx="minor">
-            <a:schemeClr val="lt1"/>
-          </a:fontRef>
-        </p:style>
-        <p:txBody>
-          <a:bodyPr rtlCol="0" anchor="ctr"/>
-          <a:lstStyle/>
-          <a:p>
-            <a:pPr algn="ctr"/>
-            <a:r>
-              <a:rPr lang="es-CL" sz="1800" dirty="0">
-                <a:effectLst/>
-                <a:latin typeface="Calibri" panose="020F0502020204030204" pitchFamily="34" charset="0"/>
-                <a:ea typeface="Calibri" panose="020F0502020204030204" pitchFamily="34" charset="0"/>
-              </a:rPr>
-              <a:t>Actores</a:t>
-            </a:r>
-            <a:endParaRPr lang="es-CL" dirty="0"/>
-          </a:p>
-        </p:txBody>
-      </p:sp>
-      <p:sp>
-        <p:nvSpPr>
-          <p:cNvPr id="11" name="Elipse 10">
-            <a:extLst>
-              <a:ext uri="{FF2B5EF4-FFF2-40B4-BE49-F238E27FC236}">
-                <a16:creationId xmlns:a16="http://schemas.microsoft.com/office/drawing/2014/main" id="{31B5D39A-C231-86CE-1E2D-14F49E085F79}"/>
-              </a:ext>
-            </a:extLst>
-          </p:cNvPr>
-          <p:cNvSpPr/>
-          <p:nvPr/>
-        </p:nvSpPr>
-        <p:spPr>
-          <a:xfrm>
-            <a:off x="770539" y="4521515"/>
-            <a:ext cx="2318327" cy="997528"/>
-          </a:xfrm>
-          <a:prstGeom prst="ellipse">
-            <a:avLst/>
-          </a:prstGeom>
-          <a:ln>
-            <a:solidFill>
-              <a:schemeClr val="accent2">
-                <a:lumMod val="20000"/>
-                <a:lumOff val="80000"/>
-              </a:schemeClr>
-            </a:solidFill>
-          </a:ln>
-        </p:spPr>
-        <p:style>
-          <a:lnRef idx="2">
-            <a:schemeClr val="accent1">
-              <a:shade val="15000"/>
-            </a:schemeClr>
-          </a:lnRef>
-          <a:fillRef idx="1">
-            <a:schemeClr val="accent1"/>
-          </a:fillRef>
-          <a:effectRef idx="0">
-            <a:schemeClr val="accent1"/>
-          </a:effectRef>
-          <a:fontRef idx="minor">
-            <a:schemeClr val="lt1"/>
-          </a:fontRef>
-        </p:style>
-        <p:txBody>
-          <a:bodyPr rtlCol="0" anchor="ctr"/>
-          <a:lstStyle/>
-          <a:p>
-            <a:pPr algn="ctr"/>
-            <a:r>
-              <a:rPr lang="es-CL" sz="1800" dirty="0">
-                <a:effectLst/>
-                <a:latin typeface="Calibri" panose="020F0502020204030204" pitchFamily="34" charset="0"/>
-                <a:ea typeface="Calibri" panose="020F0502020204030204" pitchFamily="34" charset="0"/>
-              </a:rPr>
-              <a:t>Visión del proyecto</a:t>
-            </a:r>
-            <a:endParaRPr lang="es-CL" dirty="0"/>
-          </a:p>
-        </p:txBody>
-      </p:sp>
-      <p:sp>
-        <p:nvSpPr>
-          <p:cNvPr id="15" name="Elipse 14">
-            <a:extLst>
-              <a:ext uri="{FF2B5EF4-FFF2-40B4-BE49-F238E27FC236}">
-                <a16:creationId xmlns:a16="http://schemas.microsoft.com/office/drawing/2014/main" id="{B48B6E5B-F473-474E-D813-70BE290D65CA}"/>
-              </a:ext>
-            </a:extLst>
-          </p:cNvPr>
-          <p:cNvSpPr/>
-          <p:nvPr/>
-        </p:nvSpPr>
-        <p:spPr>
-          <a:xfrm>
-            <a:off x="3326928" y="2290925"/>
-            <a:ext cx="2318327" cy="997528"/>
-          </a:xfrm>
-          <a:prstGeom prst="ellipse">
-            <a:avLst/>
-          </a:prstGeom>
-          <a:ln>
-            <a:solidFill>
-              <a:schemeClr val="accent2">
-                <a:lumMod val="20000"/>
-                <a:lumOff val="80000"/>
-              </a:schemeClr>
-            </a:solidFill>
-          </a:ln>
-        </p:spPr>
-        <p:style>
-          <a:lnRef idx="2">
-            <a:schemeClr val="accent1">
-              <a:shade val="15000"/>
-            </a:schemeClr>
-          </a:lnRef>
-          <a:fillRef idx="1">
-            <a:schemeClr val="accent1"/>
-          </a:fillRef>
-          <a:effectRef idx="0">
-            <a:schemeClr val="accent1"/>
-          </a:effectRef>
-          <a:fontRef idx="minor">
-            <a:schemeClr val="lt1"/>
-          </a:fontRef>
-        </p:style>
-        <p:txBody>
-          <a:bodyPr rtlCol="0" anchor="ctr"/>
-          <a:lstStyle/>
-          <a:p>
-            <a:pPr algn="ctr"/>
-            <a:r>
-              <a:rPr lang="en-US" sz="1800" dirty="0">
-                <a:effectLst/>
-                <a:latin typeface="Calibri" panose="020F0502020204030204" pitchFamily="34" charset="0"/>
-                <a:ea typeface="Calibri" panose="020F0502020204030204" pitchFamily="34" charset="0"/>
-              </a:rPr>
-              <a:t>Product Backlog</a:t>
-            </a:r>
-            <a:endParaRPr lang="en-US" dirty="0"/>
-          </a:p>
-        </p:txBody>
-      </p:sp>
-      <p:sp>
-        <p:nvSpPr>
-          <p:cNvPr id="16" name="Elipse 15">
-            <a:extLst>
-              <a:ext uri="{FF2B5EF4-FFF2-40B4-BE49-F238E27FC236}">
-                <a16:creationId xmlns:a16="http://schemas.microsoft.com/office/drawing/2014/main" id="{0DE0AE75-9F3C-5298-64AA-70D1D5F480F9}"/>
-              </a:ext>
-            </a:extLst>
-          </p:cNvPr>
-          <p:cNvSpPr/>
-          <p:nvPr/>
-        </p:nvSpPr>
-        <p:spPr>
-          <a:xfrm>
-            <a:off x="3326925" y="4540297"/>
-            <a:ext cx="2318327" cy="997528"/>
-          </a:xfrm>
-          <a:prstGeom prst="ellipse">
-            <a:avLst/>
-          </a:prstGeom>
-          <a:ln>
-            <a:solidFill>
-              <a:schemeClr val="accent2">
-                <a:lumMod val="20000"/>
-                <a:lumOff val="80000"/>
-              </a:schemeClr>
-            </a:solidFill>
-          </a:ln>
-        </p:spPr>
-        <p:style>
-          <a:lnRef idx="2">
-            <a:schemeClr val="accent1">
-              <a:shade val="15000"/>
-            </a:schemeClr>
-          </a:lnRef>
-          <a:fillRef idx="1">
-            <a:schemeClr val="accent1"/>
-          </a:fillRef>
-          <a:effectRef idx="0">
-            <a:schemeClr val="accent1"/>
-          </a:effectRef>
-          <a:fontRef idx="minor">
-            <a:schemeClr val="lt1"/>
-          </a:fontRef>
-        </p:style>
-        <p:txBody>
-          <a:bodyPr rtlCol="0" anchor="ctr"/>
-          <a:lstStyle/>
-          <a:p>
-            <a:pPr algn="ctr"/>
-            <a:r>
-              <a:rPr lang="es-CL" sz="1800" dirty="0">
-                <a:effectLst/>
-                <a:latin typeface="Calibri" panose="020F0502020204030204" pitchFamily="34" charset="0"/>
-                <a:ea typeface="Calibri" panose="020F0502020204030204" pitchFamily="34" charset="0"/>
-              </a:rPr>
-              <a:t>Mockups</a:t>
-            </a:r>
-            <a:endParaRPr lang="es-CL" dirty="0"/>
-          </a:p>
-        </p:txBody>
-      </p:sp>
-      <p:sp>
-        <p:nvSpPr>
-          <p:cNvPr id="17" name="Elipse 16">
-            <a:extLst>
-              <a:ext uri="{FF2B5EF4-FFF2-40B4-BE49-F238E27FC236}">
-                <a16:creationId xmlns:a16="http://schemas.microsoft.com/office/drawing/2014/main" id="{755B5692-1FCA-F25E-719F-DEE97E75DF72}"/>
-              </a:ext>
-            </a:extLst>
-          </p:cNvPr>
-          <p:cNvSpPr/>
-          <p:nvPr/>
-        </p:nvSpPr>
-        <p:spPr>
-          <a:xfrm>
-            <a:off x="6739810" y="1237170"/>
-            <a:ext cx="2318327" cy="997528"/>
-          </a:xfrm>
-          <a:prstGeom prst="ellipse">
-            <a:avLst/>
-          </a:prstGeom>
-          <a:ln>
-            <a:solidFill>
-              <a:schemeClr val="accent2">
-                <a:lumMod val="20000"/>
-                <a:lumOff val="80000"/>
-              </a:schemeClr>
-            </a:solidFill>
-          </a:ln>
-        </p:spPr>
-        <p:style>
-          <a:lnRef idx="2">
-            <a:schemeClr val="accent1">
-              <a:shade val="15000"/>
-            </a:schemeClr>
-          </a:lnRef>
-          <a:fillRef idx="1">
-            <a:schemeClr val="accent1"/>
-          </a:fillRef>
-          <a:effectRef idx="0">
-            <a:schemeClr val="accent1"/>
-          </a:effectRef>
-          <a:fontRef idx="minor">
-            <a:schemeClr val="lt1"/>
-          </a:fontRef>
-        </p:style>
-        <p:txBody>
-          <a:bodyPr rtlCol="0" anchor="ctr"/>
-          <a:lstStyle/>
-          <a:p>
-            <a:pPr algn="ctr"/>
-            <a:r>
-              <a:rPr lang="en-US" sz="1800" dirty="0">
-                <a:effectLst/>
-                <a:latin typeface="Calibri" panose="020F0502020204030204" pitchFamily="34" charset="0"/>
-                <a:ea typeface="Calibri" panose="020F0502020204030204" pitchFamily="34" charset="0"/>
-              </a:rPr>
-              <a:t>Sprint planning</a:t>
-            </a:r>
-          </a:p>
-        </p:txBody>
-      </p:sp>
-      <p:sp>
-        <p:nvSpPr>
-          <p:cNvPr id="13" name="Título 1">
-            <a:extLst>
-              <a:ext uri="{FF2B5EF4-FFF2-40B4-BE49-F238E27FC236}">
-                <a16:creationId xmlns:a16="http://schemas.microsoft.com/office/drawing/2014/main" id="{5BCF51B6-EE91-731C-88E4-489F82B0578C}"/>
-              </a:ext>
-            </a:extLst>
-          </p:cNvPr>
-          <p:cNvSpPr txBox="1">
-            <a:spLocks/>
-          </p:cNvSpPr>
-          <p:nvPr/>
-        </p:nvSpPr>
-        <p:spPr>
-          <a:xfrm>
-            <a:off x="6967729" y="223662"/>
-            <a:ext cx="4581144" cy="668176"/>
-          </a:xfrm>
-          <a:prstGeom prst="rect">
-            <a:avLst/>
-          </a:prstGeom>
-          <a:effectLst/>
-        </p:spPr>
-        <p:txBody>
-          <a:bodyPr vert="horz" lIns="91440" tIns="45720" rIns="91440" bIns="45720" rtlCol="0" anchor="ctr">
-            <a:normAutofit/>
-          </a:bodyPr>
-          <a:lstStyle>
-            <a:lvl1pPr algn="l" defTabSz="457200" rtl="0" eaLnBrk="1" latinLnBrk="0" hangingPunct="1">
-              <a:spcBef>
-                <a:spcPct val="0"/>
-              </a:spcBef>
-              <a:buNone/>
-              <a:defRPr sz="3600" kern="1200" cap="all">
-                <a:ln w="3175" cmpd="sng">
-                  <a:noFill/>
-                </a:ln>
-                <a:solidFill>
-                  <a:schemeClr val="tx1"/>
-                </a:solidFill>
-                <a:effectLst/>
-                <a:latin typeface="+mj-lt"/>
-                <a:ea typeface="+mj-ea"/>
-                <a:cs typeface="+mj-cs"/>
-              </a:defRPr>
-            </a:lvl1pPr>
-            <a:lvl2pPr eaLnBrk="1" hangingPunct="1">
-              <a:defRPr>
-                <a:solidFill>
-                  <a:schemeClr val="tx2"/>
-                </a:solidFill>
-              </a:defRPr>
-            </a:lvl2pPr>
-            <a:lvl3pPr eaLnBrk="1" hangingPunct="1">
-              <a:defRPr>
-                <a:solidFill>
-                  <a:schemeClr val="tx2"/>
-                </a:solidFill>
-              </a:defRPr>
-            </a:lvl3pPr>
-            <a:lvl4pPr eaLnBrk="1" hangingPunct="1">
-              <a:defRPr>
-                <a:solidFill>
-                  <a:schemeClr val="tx2"/>
-                </a:solidFill>
-              </a:defRPr>
-            </a:lvl4pPr>
-            <a:lvl5pPr eaLnBrk="1" hangingPunct="1">
-              <a:defRPr>
-                <a:solidFill>
-                  <a:schemeClr val="tx2"/>
-                </a:solidFill>
-              </a:defRPr>
-            </a:lvl5pPr>
-            <a:lvl6pPr eaLnBrk="1" hangingPunct="1">
-              <a:defRPr>
-                <a:solidFill>
-                  <a:schemeClr val="tx2"/>
-                </a:solidFill>
-              </a:defRPr>
-            </a:lvl6pPr>
-            <a:lvl7pPr eaLnBrk="1" hangingPunct="1">
-              <a:defRPr>
-                <a:solidFill>
-                  <a:schemeClr val="tx2"/>
-                </a:solidFill>
-              </a:defRPr>
-            </a:lvl7pPr>
-            <a:lvl8pPr eaLnBrk="1" hangingPunct="1">
-              <a:defRPr>
-                <a:solidFill>
-                  <a:schemeClr val="tx2"/>
-                </a:solidFill>
-              </a:defRPr>
-            </a:lvl8pPr>
-            <a:lvl9pPr eaLnBrk="1" hangingPunct="1">
-              <a:defRPr>
-                <a:solidFill>
-                  <a:schemeClr val="tx2"/>
-                </a:solidFill>
-              </a:defRPr>
-            </a:lvl9pPr>
-          </a:lstStyle>
-          <a:p>
-            <a:pPr algn="ctr"/>
-            <a:r>
-              <a:rPr lang="es-CL" sz="3500" b="1" dirty="0"/>
-              <a:t>Evidencias por sprint</a:t>
-            </a:r>
-          </a:p>
-        </p:txBody>
-      </p:sp>
-      <p:sp>
-        <p:nvSpPr>
-          <p:cNvPr id="14" name="Elipse 13">
-            <a:extLst>
-              <a:ext uri="{FF2B5EF4-FFF2-40B4-BE49-F238E27FC236}">
-                <a16:creationId xmlns:a16="http://schemas.microsoft.com/office/drawing/2014/main" id="{6A61FFF0-EE5C-9056-F6A5-AEE4E038DF4A}"/>
-              </a:ext>
-            </a:extLst>
-          </p:cNvPr>
-          <p:cNvSpPr/>
-          <p:nvPr/>
-        </p:nvSpPr>
-        <p:spPr>
-          <a:xfrm>
-            <a:off x="6784808" y="2446256"/>
-            <a:ext cx="2318327" cy="997528"/>
-          </a:xfrm>
-          <a:prstGeom prst="ellipse">
-            <a:avLst/>
-          </a:prstGeom>
-          <a:ln>
-            <a:solidFill>
-              <a:schemeClr val="accent2">
-                <a:lumMod val="20000"/>
-                <a:lumOff val="80000"/>
-              </a:schemeClr>
-            </a:solidFill>
-          </a:ln>
-        </p:spPr>
-        <p:style>
-          <a:lnRef idx="2">
-            <a:schemeClr val="accent1">
-              <a:shade val="15000"/>
-            </a:schemeClr>
-          </a:lnRef>
-          <a:fillRef idx="1">
-            <a:schemeClr val="accent1"/>
-          </a:fillRef>
-          <a:effectRef idx="0">
-            <a:schemeClr val="accent1"/>
-          </a:effectRef>
-          <a:fontRef idx="minor">
-            <a:schemeClr val="lt1"/>
-          </a:fontRef>
-        </p:style>
-        <p:txBody>
-          <a:bodyPr rtlCol="0" anchor="ctr"/>
-          <a:lstStyle/>
-          <a:p>
-            <a:pPr algn="ctr"/>
-            <a:r>
-              <a:rPr lang="en-US" dirty="0">
-                <a:latin typeface="Calibri" panose="020F0502020204030204" pitchFamily="34" charset="0"/>
-                <a:ea typeface="Calibri" panose="020F0502020204030204" pitchFamily="34" charset="0"/>
-              </a:rPr>
-              <a:t>Burndown Chart</a:t>
-            </a:r>
-            <a:endParaRPr lang="en-US" sz="1800" dirty="0">
-              <a:effectLst/>
-              <a:latin typeface="Calibri" panose="020F0502020204030204" pitchFamily="34" charset="0"/>
-              <a:ea typeface="Calibri" panose="020F0502020204030204" pitchFamily="34" charset="0"/>
-            </a:endParaRPr>
-          </a:p>
-        </p:txBody>
-      </p:sp>
-      <p:sp>
-        <p:nvSpPr>
-          <p:cNvPr id="18" name="Elipse 17">
-            <a:extLst>
-              <a:ext uri="{FF2B5EF4-FFF2-40B4-BE49-F238E27FC236}">
-                <a16:creationId xmlns:a16="http://schemas.microsoft.com/office/drawing/2014/main" id="{FE22A0D4-5F3C-5A36-4378-855A2C5869DD}"/>
-              </a:ext>
-            </a:extLst>
-          </p:cNvPr>
-          <p:cNvSpPr/>
-          <p:nvPr/>
-        </p:nvSpPr>
-        <p:spPr>
-          <a:xfrm>
-            <a:off x="9474868" y="1237705"/>
-            <a:ext cx="2318327" cy="997528"/>
-          </a:xfrm>
-          <a:prstGeom prst="ellipse">
-            <a:avLst/>
-          </a:prstGeom>
-          <a:ln>
-            <a:solidFill>
-              <a:schemeClr val="accent2">
-                <a:lumMod val="20000"/>
-                <a:lumOff val="80000"/>
-              </a:schemeClr>
-            </a:solidFill>
-          </a:ln>
-        </p:spPr>
-        <p:style>
-          <a:lnRef idx="2">
-            <a:schemeClr val="accent1">
-              <a:shade val="15000"/>
-            </a:schemeClr>
-          </a:lnRef>
-          <a:fillRef idx="1">
-            <a:schemeClr val="accent1"/>
-          </a:fillRef>
-          <a:effectRef idx="0">
-            <a:schemeClr val="accent1"/>
-          </a:effectRef>
-          <a:fontRef idx="minor">
-            <a:schemeClr val="lt1"/>
-          </a:fontRef>
-        </p:style>
-        <p:txBody>
-          <a:bodyPr rtlCol="0" anchor="ctr"/>
-          <a:lstStyle/>
-          <a:p>
-            <a:pPr algn="ctr"/>
-            <a:r>
-              <a:rPr lang="en-US" sz="1800" dirty="0">
-                <a:effectLst/>
-                <a:latin typeface="Calibri" panose="020F0502020204030204" pitchFamily="34" charset="0"/>
-                <a:ea typeface="Calibri" panose="020F0502020204030204" pitchFamily="34" charset="0"/>
-              </a:rPr>
-              <a:t>Sprint Review</a:t>
-            </a:r>
-          </a:p>
-        </p:txBody>
-      </p:sp>
-      <p:sp>
-        <p:nvSpPr>
-          <p:cNvPr id="19" name="Elipse 18">
-            <a:extLst>
-              <a:ext uri="{FF2B5EF4-FFF2-40B4-BE49-F238E27FC236}">
-                <a16:creationId xmlns:a16="http://schemas.microsoft.com/office/drawing/2014/main" id="{2639997D-6706-4D95-1A8D-DC765AEB5561}"/>
-              </a:ext>
-            </a:extLst>
-          </p:cNvPr>
-          <p:cNvSpPr/>
-          <p:nvPr/>
-        </p:nvSpPr>
-        <p:spPr>
-          <a:xfrm>
-            <a:off x="9474868" y="2467592"/>
-            <a:ext cx="2318327" cy="997528"/>
-          </a:xfrm>
-          <a:prstGeom prst="ellipse">
-            <a:avLst/>
-          </a:prstGeom>
-          <a:ln>
-            <a:solidFill>
-              <a:schemeClr val="accent2">
-                <a:lumMod val="20000"/>
-                <a:lumOff val="80000"/>
-              </a:schemeClr>
-            </a:solidFill>
-          </a:ln>
-        </p:spPr>
-        <p:style>
-          <a:lnRef idx="2">
-            <a:schemeClr val="accent1">
-              <a:shade val="15000"/>
-            </a:schemeClr>
-          </a:lnRef>
-          <a:fillRef idx="1">
-            <a:schemeClr val="accent1"/>
-          </a:fillRef>
-          <a:effectRef idx="0">
-            <a:schemeClr val="accent1"/>
-          </a:effectRef>
-          <a:fontRef idx="minor">
-            <a:schemeClr val="lt1"/>
-          </a:fontRef>
-        </p:style>
-        <p:txBody>
-          <a:bodyPr rtlCol="0" anchor="ctr"/>
-          <a:lstStyle/>
-          <a:p>
-            <a:pPr algn="ctr"/>
-            <a:r>
-              <a:rPr lang="en-US" sz="1800" dirty="0">
-                <a:effectLst/>
-                <a:latin typeface="Calibri" panose="020F0502020204030204" pitchFamily="34" charset="0"/>
-                <a:ea typeface="Calibri" panose="020F0502020204030204" pitchFamily="34" charset="0"/>
-              </a:rPr>
-              <a:t>Sprint Retrospective</a:t>
-            </a:r>
-          </a:p>
-        </p:txBody>
-      </p:sp>
-      <p:sp>
-        <p:nvSpPr>
-          <p:cNvPr id="20" name="Elipse 19">
-            <a:extLst>
-              <a:ext uri="{FF2B5EF4-FFF2-40B4-BE49-F238E27FC236}">
-                <a16:creationId xmlns:a16="http://schemas.microsoft.com/office/drawing/2014/main" id="{E192DB18-F7FB-07F0-4D7F-7B8750584A6C}"/>
-              </a:ext>
-            </a:extLst>
-          </p:cNvPr>
-          <p:cNvSpPr/>
-          <p:nvPr/>
-        </p:nvSpPr>
-        <p:spPr>
-          <a:xfrm>
-            <a:off x="6728399" y="3815231"/>
-            <a:ext cx="2318327" cy="997528"/>
-          </a:xfrm>
-          <a:prstGeom prst="ellipse">
-            <a:avLst/>
-          </a:prstGeom>
-          <a:ln>
-            <a:solidFill>
-              <a:schemeClr val="accent2">
-                <a:lumMod val="20000"/>
-                <a:lumOff val="80000"/>
-              </a:schemeClr>
-            </a:solidFill>
-          </a:ln>
-        </p:spPr>
-        <p:style>
-          <a:lnRef idx="2">
-            <a:schemeClr val="accent1">
-              <a:shade val="15000"/>
-            </a:schemeClr>
-          </a:lnRef>
-          <a:fillRef idx="1">
-            <a:schemeClr val="accent1"/>
-          </a:fillRef>
-          <a:effectRef idx="0">
-            <a:schemeClr val="accent1"/>
-          </a:effectRef>
-          <a:fontRef idx="minor">
-            <a:schemeClr val="lt1"/>
-          </a:fontRef>
-        </p:style>
-        <p:txBody>
-          <a:bodyPr rtlCol="0" anchor="ctr"/>
-          <a:lstStyle/>
-          <a:p>
-            <a:pPr algn="ctr"/>
-            <a:r>
-              <a:rPr lang="es-CL" sz="1800" dirty="0">
-                <a:effectLst/>
-                <a:latin typeface="Calibri" panose="020F0502020204030204" pitchFamily="34" charset="0"/>
-                <a:ea typeface="Calibri" panose="020F0502020204030204" pitchFamily="34" charset="0"/>
-              </a:rPr>
-              <a:t>Meetings</a:t>
-            </a:r>
-          </a:p>
-        </p:txBody>
-      </p:sp>
-      <p:sp>
-        <p:nvSpPr>
-          <p:cNvPr id="21" name="Elipse 20">
-            <a:extLst>
-              <a:ext uri="{FF2B5EF4-FFF2-40B4-BE49-F238E27FC236}">
-                <a16:creationId xmlns:a16="http://schemas.microsoft.com/office/drawing/2014/main" id="{AC65516F-865E-1A66-EA91-08EA504A8561}"/>
-              </a:ext>
-            </a:extLst>
-          </p:cNvPr>
-          <p:cNvSpPr/>
-          <p:nvPr/>
-        </p:nvSpPr>
-        <p:spPr>
-          <a:xfrm>
-            <a:off x="9474867" y="3815231"/>
-            <a:ext cx="2318327" cy="997528"/>
-          </a:xfrm>
-          <a:prstGeom prst="ellipse">
-            <a:avLst/>
-          </a:prstGeom>
-          <a:ln>
-            <a:solidFill>
-              <a:schemeClr val="accent2">
-                <a:lumMod val="20000"/>
-                <a:lumOff val="80000"/>
-              </a:schemeClr>
-            </a:solidFill>
-          </a:ln>
-        </p:spPr>
-        <p:style>
-          <a:lnRef idx="2">
-            <a:schemeClr val="accent1">
-              <a:shade val="15000"/>
-            </a:schemeClr>
-          </a:lnRef>
-          <a:fillRef idx="1">
-            <a:schemeClr val="accent1"/>
-          </a:fillRef>
-          <a:effectRef idx="0">
-            <a:schemeClr val="accent1"/>
-          </a:effectRef>
-          <a:fontRef idx="minor">
-            <a:schemeClr val="lt1"/>
-          </a:fontRef>
-        </p:style>
-        <p:txBody>
-          <a:bodyPr rtlCol="0" anchor="ctr"/>
-          <a:lstStyle/>
-          <a:p>
-            <a:pPr algn="ctr"/>
-            <a:r>
-              <a:rPr lang="es-CL" sz="1800" dirty="0">
-                <a:effectLst/>
-                <a:latin typeface="Calibri" panose="020F0502020204030204" pitchFamily="34" charset="0"/>
-                <a:ea typeface="Calibri" panose="020F0502020204030204" pitchFamily="34" charset="0"/>
-              </a:rPr>
-              <a:t>Sprint Backlog</a:t>
-            </a:r>
-          </a:p>
-        </p:txBody>
-      </p:sp>
-    </p:spTree>
-    <p:extLst>
-      <p:ext uri="{BB962C8B-B14F-4D97-AF65-F5344CB8AC3E}">
-        <p14:creationId xmlns:p14="http://schemas.microsoft.com/office/powerpoint/2010/main" val="271385085"/>
-      </p:ext>
-    </p:extLst>
-  </p:cSld>
-  <p:clrMapOvr>
-    <a:masterClrMapping/>
-  </p:clrMapOvr>
-</p:sld>
-</file>
-
 <file path=ppt/slides/slide9.xml><?xml version="1.0" encoding="utf-8"?>
 <p:sld xmlns:a="http://schemas.openxmlformats.org/drawingml/2006/main" xmlns:r="http://schemas.openxmlformats.org/officeDocument/2006/relationships" xmlns:p="http://schemas.openxmlformats.org/presentationml/2006/main">
   <p:cSld>
@@ -8788,10 +9074,72 @@
       </p:grpSpPr>
       <p:sp>
         <p:nvSpPr>
+          <p:cNvPr id="5" name="Elipse 4">
+            <a:extLst>
+              <a:ext uri="{FF2B5EF4-FFF2-40B4-BE49-F238E27FC236}">
+                <a16:creationId xmlns:a16="http://schemas.microsoft.com/office/drawing/2014/main" id="{849FC11D-3819-DB10-1340-91E4127BFA90}"/>
+              </a:ext>
+            </a:extLst>
+          </p:cNvPr>
+          <p:cNvSpPr/>
+          <p:nvPr/>
+        </p:nvSpPr>
+        <p:spPr>
+          <a:xfrm>
+            <a:off x="770541" y="1138066"/>
+            <a:ext cx="2318327" cy="997528"/>
+          </a:xfrm>
+          <a:prstGeom prst="ellipse">
+            <a:avLst/>
+          </a:prstGeom>
+          <a:ln>
+            <a:solidFill>
+              <a:schemeClr val="accent2">
+                <a:lumMod val="20000"/>
+                <a:lumOff val="80000"/>
+              </a:schemeClr>
+            </a:solidFill>
+          </a:ln>
+        </p:spPr>
+        <p:style>
+          <a:lnRef idx="2">
+            <a:schemeClr val="accent1">
+              <a:shade val="15000"/>
+            </a:schemeClr>
+          </a:lnRef>
+          <a:fillRef idx="1">
+            <a:schemeClr val="accent1"/>
+          </a:fillRef>
+          <a:effectRef idx="0">
+            <a:schemeClr val="accent1"/>
+          </a:effectRef>
+          <a:fontRef idx="minor">
+            <a:schemeClr val="lt1"/>
+          </a:fontRef>
+        </p:style>
+        <p:txBody>
+          <a:bodyPr rtlCol="0" anchor="ctr"/>
+          <a:lstStyle/>
+          <a:p>
+            <a:pPr algn="ctr"/>
+            <a:r>
+              <a:rPr lang="es-CL" sz="1800" dirty="0">
+                <a:effectLst/>
+                <a:latin typeface="Calibri" panose="020F0502020204030204" pitchFamily="34" charset="0"/>
+                <a:ea typeface="Calibri" panose="020F0502020204030204" pitchFamily="34" charset="0"/>
+              </a:rPr>
+              <a:t>Definición del Proyecto ATP</a:t>
+            </a:r>
+            <a:endParaRPr lang="es-CL" dirty="0"/>
+          </a:p>
+        </p:txBody>
+      </p:sp>
+      <p:sp>
+        <p:nvSpPr>
           <p:cNvPr id="2" name="Título 1">
             <a:extLst>
               <a:ext uri="{FF2B5EF4-FFF2-40B4-BE49-F238E27FC236}">
-                <a16:creationId xmlns:a16="http://schemas.microsoft.com/office/drawing/2014/main" id="{39A93B25-DCD6-8E48-BC32-E655F633E5EC}"/>
+                <a16:creationId xmlns:a16="http://schemas.microsoft.com/office/drawing/2014/main" id="{4F776BD3-50C6-9630-7ED6-AA837CBA15D5}"/>
               </a:ext>
             </a:extLst>
           </p:cNvPr>
@@ -8802,14 +9150,1077 @@
             <p:ph type="title"/>
           </p:nvPr>
         </p:nvSpPr>
-        <p:spPr/>
+        <p:spPr>
+          <a:xfrm>
+            <a:off x="434658" y="223662"/>
+            <a:ext cx="2990087" cy="668176"/>
+          </a:xfrm>
+        </p:spPr>
         <p:txBody>
           <a:bodyPr/>
           <a:lstStyle/>
           <a:p>
+            <a:pPr algn="ctr"/>
             <a:r>
               <a:rPr lang="es-CL" b="1" dirty="0"/>
-              <a:t>Épicas</a:t>
+              <a:t>evidencias</a:t>
+            </a:r>
+          </a:p>
+        </p:txBody>
+      </p:sp>
+      <p:sp>
+        <p:nvSpPr>
+          <p:cNvPr id="4" name="Elipse 3">
+            <a:extLst>
+              <a:ext uri="{FF2B5EF4-FFF2-40B4-BE49-F238E27FC236}">
+                <a16:creationId xmlns:a16="http://schemas.microsoft.com/office/drawing/2014/main" id="{02CF837A-9502-36F0-CFEF-9C83DD9F9CAC}"/>
+              </a:ext>
+            </a:extLst>
+          </p:cNvPr>
+          <p:cNvSpPr/>
+          <p:nvPr/>
+        </p:nvSpPr>
+        <p:spPr>
+          <a:xfrm>
+            <a:off x="770540" y="2290925"/>
+            <a:ext cx="2318327" cy="997528"/>
+          </a:xfrm>
+          <a:prstGeom prst="ellipse">
+            <a:avLst/>
+          </a:prstGeom>
+          <a:ln>
+            <a:solidFill>
+              <a:schemeClr val="accent2">
+                <a:lumMod val="20000"/>
+                <a:lumOff val="80000"/>
+              </a:schemeClr>
+            </a:solidFill>
+          </a:ln>
+        </p:spPr>
+        <p:style>
+          <a:lnRef idx="2">
+            <a:schemeClr val="accent1">
+              <a:shade val="15000"/>
+            </a:schemeClr>
+          </a:lnRef>
+          <a:fillRef idx="1">
+            <a:schemeClr val="accent1"/>
+          </a:fillRef>
+          <a:effectRef idx="0">
+            <a:schemeClr val="accent1"/>
+          </a:effectRef>
+          <a:fontRef idx="minor">
+            <a:schemeClr val="lt1"/>
+          </a:fontRef>
+        </p:style>
+        <p:txBody>
+          <a:bodyPr rtlCol="0" anchor="ctr"/>
+          <a:lstStyle/>
+          <a:p>
+            <a:pPr algn="ctr"/>
+            <a:r>
+              <a:rPr lang="es-CL" sz="1800" dirty="0">
+                <a:effectLst/>
+                <a:latin typeface="Calibri" panose="020F0502020204030204" pitchFamily="34" charset="0"/>
+                <a:ea typeface="Calibri" panose="020F0502020204030204" pitchFamily="34" charset="0"/>
+              </a:rPr>
+              <a:t>Minuta </a:t>
+            </a:r>
+            <a:r>
+              <a:rPr lang="en-US" sz="1800" dirty="0">
+                <a:effectLst/>
+                <a:latin typeface="Calibri" panose="020F0502020204030204" pitchFamily="34" charset="0"/>
+                <a:ea typeface="Calibri" panose="020F0502020204030204" pitchFamily="34" charset="0"/>
+              </a:rPr>
+              <a:t>Kick</a:t>
+            </a:r>
+            <a:r>
+              <a:rPr lang="es-CL" sz="1800" dirty="0">
+                <a:effectLst/>
+                <a:latin typeface="Calibri" panose="020F0502020204030204" pitchFamily="34" charset="0"/>
+                <a:ea typeface="Calibri" panose="020F0502020204030204" pitchFamily="34" charset="0"/>
+              </a:rPr>
+              <a:t> Off</a:t>
+            </a:r>
+            <a:endParaRPr lang="es-CL" dirty="0"/>
+          </a:p>
+        </p:txBody>
+      </p:sp>
+      <p:sp>
+        <p:nvSpPr>
+          <p:cNvPr id="6" name="Elipse 5">
+            <a:extLst>
+              <a:ext uri="{FF2B5EF4-FFF2-40B4-BE49-F238E27FC236}">
+                <a16:creationId xmlns:a16="http://schemas.microsoft.com/office/drawing/2014/main" id="{E6621462-FB8F-6F69-2926-43C3CB3F2EF5}"/>
+              </a:ext>
+            </a:extLst>
+          </p:cNvPr>
+          <p:cNvSpPr/>
+          <p:nvPr/>
+        </p:nvSpPr>
+        <p:spPr>
+          <a:xfrm>
+            <a:off x="3270520" y="3443784"/>
+            <a:ext cx="2431142" cy="997529"/>
+          </a:xfrm>
+          <a:prstGeom prst="ellipse">
+            <a:avLst/>
+          </a:prstGeom>
+          <a:ln>
+            <a:solidFill>
+              <a:schemeClr val="accent2">
+                <a:lumMod val="20000"/>
+                <a:lumOff val="80000"/>
+              </a:schemeClr>
+            </a:solidFill>
+          </a:ln>
+        </p:spPr>
+        <p:style>
+          <a:lnRef idx="2">
+            <a:schemeClr val="accent1">
+              <a:shade val="15000"/>
+            </a:schemeClr>
+          </a:lnRef>
+          <a:fillRef idx="1">
+            <a:schemeClr val="accent1"/>
+          </a:fillRef>
+          <a:effectRef idx="0">
+            <a:schemeClr val="accent1"/>
+          </a:effectRef>
+          <a:fontRef idx="minor">
+            <a:schemeClr val="lt1"/>
+          </a:fontRef>
+        </p:style>
+        <p:txBody>
+          <a:bodyPr rtlCol="0" anchor="ctr"/>
+          <a:lstStyle/>
+          <a:p>
+            <a:pPr algn="ctr"/>
+            <a:r>
+              <a:rPr lang="es-CL" sz="1800" dirty="0">
+                <a:effectLst/>
+                <a:latin typeface="Calibri" panose="020F0502020204030204" pitchFamily="34" charset="0"/>
+                <a:ea typeface="Calibri" panose="020F0502020204030204" pitchFamily="34" charset="0"/>
+              </a:rPr>
+              <a:t>Requerimientos</a:t>
+            </a:r>
+            <a:endParaRPr lang="es-CL" dirty="0"/>
+          </a:p>
+        </p:txBody>
+      </p:sp>
+      <p:sp>
+        <p:nvSpPr>
+          <p:cNvPr id="7" name="Elipse 6">
+            <a:extLst>
+              <a:ext uri="{FF2B5EF4-FFF2-40B4-BE49-F238E27FC236}">
+                <a16:creationId xmlns:a16="http://schemas.microsoft.com/office/drawing/2014/main" id="{9BA23239-9EC6-7EC3-51E9-C40E39B91D64}"/>
+              </a:ext>
+            </a:extLst>
+          </p:cNvPr>
+          <p:cNvSpPr/>
+          <p:nvPr/>
+        </p:nvSpPr>
+        <p:spPr>
+          <a:xfrm>
+            <a:off x="3326926" y="5636810"/>
+            <a:ext cx="2318327" cy="997528"/>
+          </a:xfrm>
+          <a:prstGeom prst="ellipse">
+            <a:avLst/>
+          </a:prstGeom>
+          <a:ln>
+            <a:solidFill>
+              <a:schemeClr val="accent2">
+                <a:lumMod val="20000"/>
+                <a:lumOff val="80000"/>
+              </a:schemeClr>
+            </a:solidFill>
+          </a:ln>
+        </p:spPr>
+        <p:style>
+          <a:lnRef idx="2">
+            <a:schemeClr val="accent1">
+              <a:shade val="15000"/>
+            </a:schemeClr>
+          </a:lnRef>
+          <a:fillRef idx="1">
+            <a:schemeClr val="accent1"/>
+          </a:fillRef>
+          <a:effectRef idx="0">
+            <a:schemeClr val="accent1"/>
+          </a:effectRef>
+          <a:fontRef idx="minor">
+            <a:schemeClr val="lt1"/>
+          </a:fontRef>
+        </p:style>
+        <p:txBody>
+          <a:bodyPr rtlCol="0" anchor="ctr"/>
+          <a:lstStyle/>
+          <a:p>
+            <a:pPr algn="ctr"/>
+            <a:r>
+              <a:rPr lang="es-CL" sz="1800" dirty="0">
+                <a:effectLst/>
+                <a:latin typeface="Calibri" panose="020F0502020204030204" pitchFamily="34" charset="0"/>
+                <a:ea typeface="Calibri" panose="020F0502020204030204" pitchFamily="34" charset="0"/>
+              </a:rPr>
+              <a:t>Carta Gantt</a:t>
+            </a:r>
+            <a:endParaRPr lang="es-CL" dirty="0"/>
+          </a:p>
+        </p:txBody>
+      </p:sp>
+      <p:sp>
+        <p:nvSpPr>
+          <p:cNvPr id="8" name="Elipse 7">
+            <a:extLst>
+              <a:ext uri="{FF2B5EF4-FFF2-40B4-BE49-F238E27FC236}">
+                <a16:creationId xmlns:a16="http://schemas.microsoft.com/office/drawing/2014/main" id="{5F7684A6-863B-D449-A2EF-5DAE45FC81AE}"/>
+              </a:ext>
+            </a:extLst>
+          </p:cNvPr>
+          <p:cNvSpPr/>
+          <p:nvPr/>
+        </p:nvSpPr>
+        <p:spPr>
+          <a:xfrm>
+            <a:off x="770539" y="5636810"/>
+            <a:ext cx="2318327" cy="997528"/>
+          </a:xfrm>
+          <a:prstGeom prst="ellipse">
+            <a:avLst/>
+          </a:prstGeom>
+          <a:ln>
+            <a:solidFill>
+              <a:schemeClr val="accent2">
+                <a:lumMod val="20000"/>
+                <a:lumOff val="80000"/>
+              </a:schemeClr>
+            </a:solidFill>
+          </a:ln>
+        </p:spPr>
+        <p:style>
+          <a:lnRef idx="2">
+            <a:schemeClr val="accent1">
+              <a:shade val="15000"/>
+            </a:schemeClr>
+          </a:lnRef>
+          <a:fillRef idx="1">
+            <a:schemeClr val="accent1"/>
+          </a:fillRef>
+          <a:effectRef idx="0">
+            <a:schemeClr val="accent1"/>
+          </a:effectRef>
+          <a:fontRef idx="minor">
+            <a:schemeClr val="lt1"/>
+          </a:fontRef>
+        </p:style>
+        <p:txBody>
+          <a:bodyPr rtlCol="0" anchor="ctr"/>
+          <a:lstStyle/>
+          <a:p>
+            <a:pPr algn="ctr"/>
+            <a:r>
+              <a:rPr lang="es-CL" sz="1800" dirty="0">
+                <a:effectLst/>
+                <a:latin typeface="Calibri" panose="020F0502020204030204" pitchFamily="34" charset="0"/>
+                <a:ea typeface="Calibri" panose="020F0502020204030204" pitchFamily="34" charset="0"/>
+              </a:rPr>
+              <a:t>Arquitectura </a:t>
+            </a:r>
+            <a:endParaRPr lang="es-CL" dirty="0"/>
+          </a:p>
+        </p:txBody>
+      </p:sp>
+      <p:sp>
+        <p:nvSpPr>
+          <p:cNvPr id="9" name="Elipse 8">
+            <a:extLst>
+              <a:ext uri="{FF2B5EF4-FFF2-40B4-BE49-F238E27FC236}">
+                <a16:creationId xmlns:a16="http://schemas.microsoft.com/office/drawing/2014/main" id="{FD9DB417-3B2E-071A-AACC-6D3ED9E48E2A}"/>
+              </a:ext>
+            </a:extLst>
+          </p:cNvPr>
+          <p:cNvSpPr/>
+          <p:nvPr/>
+        </p:nvSpPr>
+        <p:spPr>
+          <a:xfrm>
+            <a:off x="3326929" y="1138066"/>
+            <a:ext cx="2318327" cy="997528"/>
+          </a:xfrm>
+          <a:prstGeom prst="ellipse">
+            <a:avLst/>
+          </a:prstGeom>
+          <a:ln>
+            <a:solidFill>
+              <a:schemeClr val="accent2">
+                <a:lumMod val="20000"/>
+                <a:lumOff val="80000"/>
+              </a:schemeClr>
+            </a:solidFill>
+          </a:ln>
+        </p:spPr>
+        <p:style>
+          <a:lnRef idx="2">
+            <a:schemeClr val="accent1">
+              <a:shade val="15000"/>
+            </a:schemeClr>
+          </a:lnRef>
+          <a:fillRef idx="1">
+            <a:schemeClr val="accent1"/>
+          </a:fillRef>
+          <a:effectRef idx="0">
+            <a:schemeClr val="accent1"/>
+          </a:effectRef>
+          <a:fontRef idx="minor">
+            <a:schemeClr val="lt1"/>
+          </a:fontRef>
+        </p:style>
+        <p:txBody>
+          <a:bodyPr rtlCol="0" anchor="ctr"/>
+          <a:lstStyle/>
+          <a:p>
+            <a:pPr algn="ctr"/>
+            <a:r>
+              <a:rPr lang="es-CL" sz="1800" dirty="0">
+                <a:effectLst/>
+                <a:latin typeface="Calibri" panose="020F0502020204030204" pitchFamily="34" charset="0"/>
+                <a:ea typeface="Calibri" panose="020F0502020204030204" pitchFamily="34" charset="0"/>
+              </a:rPr>
+              <a:t>Épicas e Historias de Usuarios.</a:t>
+            </a:r>
+            <a:endParaRPr lang="es-CL" dirty="0"/>
+          </a:p>
+        </p:txBody>
+      </p:sp>
+      <p:sp>
+        <p:nvSpPr>
+          <p:cNvPr id="10" name="Elipse 9">
+            <a:extLst>
+              <a:ext uri="{FF2B5EF4-FFF2-40B4-BE49-F238E27FC236}">
+                <a16:creationId xmlns:a16="http://schemas.microsoft.com/office/drawing/2014/main" id="{E83F11C2-2965-DD51-C879-7F9C3CEC05C5}"/>
+              </a:ext>
+            </a:extLst>
+          </p:cNvPr>
+          <p:cNvSpPr/>
+          <p:nvPr/>
+        </p:nvSpPr>
+        <p:spPr>
+          <a:xfrm>
+            <a:off x="770539" y="3406220"/>
+            <a:ext cx="2318327" cy="997528"/>
+          </a:xfrm>
+          <a:prstGeom prst="ellipse">
+            <a:avLst/>
+          </a:prstGeom>
+          <a:ln>
+            <a:solidFill>
+              <a:schemeClr val="accent2">
+                <a:lumMod val="20000"/>
+                <a:lumOff val="80000"/>
+              </a:schemeClr>
+            </a:solidFill>
+          </a:ln>
+        </p:spPr>
+        <p:style>
+          <a:lnRef idx="2">
+            <a:schemeClr val="accent1">
+              <a:shade val="15000"/>
+            </a:schemeClr>
+          </a:lnRef>
+          <a:fillRef idx="1">
+            <a:schemeClr val="accent1"/>
+          </a:fillRef>
+          <a:effectRef idx="0">
+            <a:schemeClr val="accent1"/>
+          </a:effectRef>
+          <a:fontRef idx="minor">
+            <a:schemeClr val="lt1"/>
+          </a:fontRef>
+        </p:style>
+        <p:txBody>
+          <a:bodyPr rtlCol="0" anchor="ctr"/>
+          <a:lstStyle/>
+          <a:p>
+            <a:pPr algn="ctr"/>
+            <a:r>
+              <a:rPr lang="es-CL" sz="1800" dirty="0">
+                <a:effectLst/>
+                <a:latin typeface="Calibri" panose="020F0502020204030204" pitchFamily="34" charset="0"/>
+                <a:ea typeface="Calibri" panose="020F0502020204030204" pitchFamily="34" charset="0"/>
+              </a:rPr>
+              <a:t>Actores</a:t>
+            </a:r>
+            <a:endParaRPr lang="es-CL" dirty="0"/>
+          </a:p>
+        </p:txBody>
+      </p:sp>
+      <p:sp>
+        <p:nvSpPr>
+          <p:cNvPr id="11" name="Elipse 10">
+            <a:extLst>
+              <a:ext uri="{FF2B5EF4-FFF2-40B4-BE49-F238E27FC236}">
+                <a16:creationId xmlns:a16="http://schemas.microsoft.com/office/drawing/2014/main" id="{31B5D39A-C231-86CE-1E2D-14F49E085F79}"/>
+              </a:ext>
+            </a:extLst>
+          </p:cNvPr>
+          <p:cNvSpPr/>
+          <p:nvPr/>
+        </p:nvSpPr>
+        <p:spPr>
+          <a:xfrm>
+            <a:off x="770539" y="4521515"/>
+            <a:ext cx="2318327" cy="997528"/>
+          </a:xfrm>
+          <a:prstGeom prst="ellipse">
+            <a:avLst/>
+          </a:prstGeom>
+          <a:ln>
+            <a:solidFill>
+              <a:schemeClr val="accent2">
+                <a:lumMod val="20000"/>
+                <a:lumOff val="80000"/>
+              </a:schemeClr>
+            </a:solidFill>
+          </a:ln>
+        </p:spPr>
+        <p:style>
+          <a:lnRef idx="2">
+            <a:schemeClr val="accent1">
+              <a:shade val="15000"/>
+            </a:schemeClr>
+          </a:lnRef>
+          <a:fillRef idx="1">
+            <a:schemeClr val="accent1"/>
+          </a:fillRef>
+          <a:effectRef idx="0">
+            <a:schemeClr val="accent1"/>
+          </a:effectRef>
+          <a:fontRef idx="minor">
+            <a:schemeClr val="lt1"/>
+          </a:fontRef>
+        </p:style>
+        <p:txBody>
+          <a:bodyPr rtlCol="0" anchor="ctr"/>
+          <a:lstStyle/>
+          <a:p>
+            <a:pPr algn="ctr"/>
+            <a:r>
+              <a:rPr lang="es-CL" sz="1800" dirty="0">
+                <a:effectLst/>
+                <a:latin typeface="Calibri" panose="020F0502020204030204" pitchFamily="34" charset="0"/>
+                <a:ea typeface="Calibri" panose="020F0502020204030204" pitchFamily="34" charset="0"/>
+              </a:rPr>
+              <a:t>Visión del proyecto</a:t>
+            </a:r>
+            <a:endParaRPr lang="es-CL" dirty="0"/>
+          </a:p>
+        </p:txBody>
+      </p:sp>
+      <p:sp>
+        <p:nvSpPr>
+          <p:cNvPr id="15" name="Elipse 14">
+            <a:extLst>
+              <a:ext uri="{FF2B5EF4-FFF2-40B4-BE49-F238E27FC236}">
+                <a16:creationId xmlns:a16="http://schemas.microsoft.com/office/drawing/2014/main" id="{B48B6E5B-F473-474E-D813-70BE290D65CA}"/>
+              </a:ext>
+            </a:extLst>
+          </p:cNvPr>
+          <p:cNvSpPr/>
+          <p:nvPr/>
+        </p:nvSpPr>
+        <p:spPr>
+          <a:xfrm>
+            <a:off x="3326928" y="2290925"/>
+            <a:ext cx="2318327" cy="997528"/>
+          </a:xfrm>
+          <a:prstGeom prst="ellipse">
+            <a:avLst/>
+          </a:prstGeom>
+          <a:ln>
+            <a:solidFill>
+              <a:schemeClr val="accent2">
+                <a:lumMod val="20000"/>
+                <a:lumOff val="80000"/>
+              </a:schemeClr>
+            </a:solidFill>
+          </a:ln>
+        </p:spPr>
+        <p:style>
+          <a:lnRef idx="2">
+            <a:schemeClr val="accent1">
+              <a:shade val="15000"/>
+            </a:schemeClr>
+          </a:lnRef>
+          <a:fillRef idx="1">
+            <a:schemeClr val="accent1"/>
+          </a:fillRef>
+          <a:effectRef idx="0">
+            <a:schemeClr val="accent1"/>
+          </a:effectRef>
+          <a:fontRef idx="minor">
+            <a:schemeClr val="lt1"/>
+          </a:fontRef>
+        </p:style>
+        <p:txBody>
+          <a:bodyPr rtlCol="0" anchor="ctr"/>
+          <a:lstStyle/>
+          <a:p>
+            <a:pPr algn="ctr"/>
+            <a:r>
+              <a:rPr lang="en-US" sz="1800" dirty="0">
+                <a:effectLst/>
+                <a:latin typeface="Calibri" panose="020F0502020204030204" pitchFamily="34" charset="0"/>
+                <a:ea typeface="Calibri" panose="020F0502020204030204" pitchFamily="34" charset="0"/>
+              </a:rPr>
+              <a:t>Product Backlog</a:t>
+            </a:r>
+            <a:endParaRPr lang="en-US" dirty="0"/>
+          </a:p>
+        </p:txBody>
+      </p:sp>
+      <p:sp>
+        <p:nvSpPr>
+          <p:cNvPr id="16" name="Elipse 15">
+            <a:extLst>
+              <a:ext uri="{FF2B5EF4-FFF2-40B4-BE49-F238E27FC236}">
+                <a16:creationId xmlns:a16="http://schemas.microsoft.com/office/drawing/2014/main" id="{0DE0AE75-9F3C-5298-64AA-70D1D5F480F9}"/>
+              </a:ext>
+            </a:extLst>
+          </p:cNvPr>
+          <p:cNvSpPr/>
+          <p:nvPr/>
+        </p:nvSpPr>
+        <p:spPr>
+          <a:xfrm>
+            <a:off x="3326925" y="4540297"/>
+            <a:ext cx="2318327" cy="997528"/>
+          </a:xfrm>
+          <a:prstGeom prst="ellipse">
+            <a:avLst/>
+          </a:prstGeom>
+          <a:ln>
+            <a:solidFill>
+              <a:schemeClr val="accent2">
+                <a:lumMod val="20000"/>
+                <a:lumOff val="80000"/>
+              </a:schemeClr>
+            </a:solidFill>
+          </a:ln>
+        </p:spPr>
+        <p:style>
+          <a:lnRef idx="2">
+            <a:schemeClr val="accent1">
+              <a:shade val="15000"/>
+            </a:schemeClr>
+          </a:lnRef>
+          <a:fillRef idx="1">
+            <a:schemeClr val="accent1"/>
+          </a:fillRef>
+          <a:effectRef idx="0">
+            <a:schemeClr val="accent1"/>
+          </a:effectRef>
+          <a:fontRef idx="minor">
+            <a:schemeClr val="lt1"/>
+          </a:fontRef>
+        </p:style>
+        <p:txBody>
+          <a:bodyPr rtlCol="0" anchor="ctr"/>
+          <a:lstStyle/>
+          <a:p>
+            <a:pPr algn="ctr"/>
+            <a:r>
+              <a:rPr lang="es-CL" sz="1800" dirty="0">
+                <a:effectLst/>
+                <a:latin typeface="Calibri" panose="020F0502020204030204" pitchFamily="34" charset="0"/>
+                <a:ea typeface="Calibri" panose="020F0502020204030204" pitchFamily="34" charset="0"/>
+              </a:rPr>
+              <a:t>Mockups</a:t>
+            </a:r>
+            <a:endParaRPr lang="es-CL" dirty="0"/>
+          </a:p>
+        </p:txBody>
+      </p:sp>
+      <p:sp>
+        <p:nvSpPr>
+          <p:cNvPr id="17" name="Elipse 16">
+            <a:extLst>
+              <a:ext uri="{FF2B5EF4-FFF2-40B4-BE49-F238E27FC236}">
+                <a16:creationId xmlns:a16="http://schemas.microsoft.com/office/drawing/2014/main" id="{755B5692-1FCA-F25E-719F-DEE97E75DF72}"/>
+              </a:ext>
+            </a:extLst>
+          </p:cNvPr>
+          <p:cNvSpPr/>
+          <p:nvPr/>
+        </p:nvSpPr>
+        <p:spPr>
+          <a:xfrm>
+            <a:off x="6739810" y="1237170"/>
+            <a:ext cx="2318327" cy="997528"/>
+          </a:xfrm>
+          <a:prstGeom prst="ellipse">
+            <a:avLst/>
+          </a:prstGeom>
+          <a:ln>
+            <a:solidFill>
+              <a:schemeClr val="accent2">
+                <a:lumMod val="20000"/>
+                <a:lumOff val="80000"/>
+              </a:schemeClr>
+            </a:solidFill>
+          </a:ln>
+        </p:spPr>
+        <p:style>
+          <a:lnRef idx="2">
+            <a:schemeClr val="accent1">
+              <a:shade val="15000"/>
+            </a:schemeClr>
+          </a:lnRef>
+          <a:fillRef idx="1">
+            <a:schemeClr val="accent1"/>
+          </a:fillRef>
+          <a:effectRef idx="0">
+            <a:schemeClr val="accent1"/>
+          </a:effectRef>
+          <a:fontRef idx="minor">
+            <a:schemeClr val="lt1"/>
+          </a:fontRef>
+        </p:style>
+        <p:txBody>
+          <a:bodyPr rtlCol="0" anchor="ctr"/>
+          <a:lstStyle/>
+          <a:p>
+            <a:pPr algn="ctr"/>
+            <a:r>
+              <a:rPr lang="en-US" sz="1800" dirty="0">
+                <a:effectLst/>
+                <a:latin typeface="Calibri" panose="020F0502020204030204" pitchFamily="34" charset="0"/>
+                <a:ea typeface="Calibri" panose="020F0502020204030204" pitchFamily="34" charset="0"/>
+              </a:rPr>
+              <a:t>Sprint planning</a:t>
+            </a:r>
+          </a:p>
+        </p:txBody>
+      </p:sp>
+      <p:sp>
+        <p:nvSpPr>
+          <p:cNvPr id="13" name="Título 1">
+            <a:extLst>
+              <a:ext uri="{FF2B5EF4-FFF2-40B4-BE49-F238E27FC236}">
+                <a16:creationId xmlns:a16="http://schemas.microsoft.com/office/drawing/2014/main" id="{5BCF51B6-EE91-731C-88E4-489F82B0578C}"/>
+              </a:ext>
+            </a:extLst>
+          </p:cNvPr>
+          <p:cNvSpPr txBox="1">
+            <a:spLocks/>
+          </p:cNvSpPr>
+          <p:nvPr/>
+        </p:nvSpPr>
+        <p:spPr>
+          <a:xfrm>
+            <a:off x="6967729" y="223662"/>
+            <a:ext cx="4581144" cy="668176"/>
+          </a:xfrm>
+          <a:prstGeom prst="rect">
+            <a:avLst/>
+          </a:prstGeom>
+          <a:effectLst/>
+        </p:spPr>
+        <p:txBody>
+          <a:bodyPr vert="horz" lIns="91440" tIns="45720" rIns="91440" bIns="45720" rtlCol="0" anchor="ctr">
+            <a:normAutofit/>
+          </a:bodyPr>
+          <a:lstStyle>
+            <a:lvl1pPr algn="l" defTabSz="457200" rtl="0" eaLnBrk="1" latinLnBrk="0" hangingPunct="1">
+              <a:spcBef>
+                <a:spcPct val="0"/>
+              </a:spcBef>
+              <a:buNone/>
+              <a:defRPr sz="3600" kern="1200" cap="all">
+                <a:ln w="3175" cmpd="sng">
+                  <a:noFill/>
+                </a:ln>
+                <a:solidFill>
+                  <a:schemeClr val="tx1"/>
+                </a:solidFill>
+                <a:effectLst/>
+                <a:latin typeface="+mj-lt"/>
+                <a:ea typeface="+mj-ea"/>
+                <a:cs typeface="+mj-cs"/>
+              </a:defRPr>
+            </a:lvl1pPr>
+            <a:lvl2pPr eaLnBrk="1" hangingPunct="1">
+              <a:defRPr>
+                <a:solidFill>
+                  <a:schemeClr val="tx2"/>
+                </a:solidFill>
+              </a:defRPr>
+            </a:lvl2pPr>
+            <a:lvl3pPr eaLnBrk="1" hangingPunct="1">
+              <a:defRPr>
+                <a:solidFill>
+                  <a:schemeClr val="tx2"/>
+                </a:solidFill>
+              </a:defRPr>
+            </a:lvl3pPr>
+            <a:lvl4pPr eaLnBrk="1" hangingPunct="1">
+              <a:defRPr>
+                <a:solidFill>
+                  <a:schemeClr val="tx2"/>
+                </a:solidFill>
+              </a:defRPr>
+            </a:lvl4pPr>
+            <a:lvl5pPr eaLnBrk="1" hangingPunct="1">
+              <a:defRPr>
+                <a:solidFill>
+                  <a:schemeClr val="tx2"/>
+                </a:solidFill>
+              </a:defRPr>
+            </a:lvl5pPr>
+            <a:lvl6pPr eaLnBrk="1" hangingPunct="1">
+              <a:defRPr>
+                <a:solidFill>
+                  <a:schemeClr val="tx2"/>
+                </a:solidFill>
+              </a:defRPr>
+            </a:lvl6pPr>
+            <a:lvl7pPr eaLnBrk="1" hangingPunct="1">
+              <a:defRPr>
+                <a:solidFill>
+                  <a:schemeClr val="tx2"/>
+                </a:solidFill>
+              </a:defRPr>
+            </a:lvl7pPr>
+            <a:lvl8pPr eaLnBrk="1" hangingPunct="1">
+              <a:defRPr>
+                <a:solidFill>
+                  <a:schemeClr val="tx2"/>
+                </a:solidFill>
+              </a:defRPr>
+            </a:lvl8pPr>
+            <a:lvl9pPr eaLnBrk="1" hangingPunct="1">
+              <a:defRPr>
+                <a:solidFill>
+                  <a:schemeClr val="tx2"/>
+                </a:solidFill>
+              </a:defRPr>
+            </a:lvl9pPr>
+          </a:lstStyle>
+          <a:p>
+            <a:pPr algn="ctr"/>
+            <a:r>
+              <a:rPr lang="es-CL" sz="3500" b="1" dirty="0"/>
+              <a:t>Evidencias por sprint</a:t>
+            </a:r>
+          </a:p>
+        </p:txBody>
+      </p:sp>
+      <p:sp>
+        <p:nvSpPr>
+          <p:cNvPr id="14" name="Elipse 13">
+            <a:extLst>
+              <a:ext uri="{FF2B5EF4-FFF2-40B4-BE49-F238E27FC236}">
+                <a16:creationId xmlns:a16="http://schemas.microsoft.com/office/drawing/2014/main" id="{6A61FFF0-EE5C-9056-F6A5-AEE4E038DF4A}"/>
+              </a:ext>
+            </a:extLst>
+          </p:cNvPr>
+          <p:cNvSpPr/>
+          <p:nvPr/>
+        </p:nvSpPr>
+        <p:spPr>
+          <a:xfrm>
+            <a:off x="6784808" y="2446256"/>
+            <a:ext cx="2318327" cy="997528"/>
+          </a:xfrm>
+          <a:prstGeom prst="ellipse">
+            <a:avLst/>
+          </a:prstGeom>
+          <a:ln>
+            <a:solidFill>
+              <a:schemeClr val="accent2">
+                <a:lumMod val="20000"/>
+                <a:lumOff val="80000"/>
+              </a:schemeClr>
+            </a:solidFill>
+          </a:ln>
+        </p:spPr>
+        <p:style>
+          <a:lnRef idx="2">
+            <a:schemeClr val="accent1">
+              <a:shade val="15000"/>
+            </a:schemeClr>
+          </a:lnRef>
+          <a:fillRef idx="1">
+            <a:schemeClr val="accent1"/>
+          </a:fillRef>
+          <a:effectRef idx="0">
+            <a:schemeClr val="accent1"/>
+          </a:effectRef>
+          <a:fontRef idx="minor">
+            <a:schemeClr val="lt1"/>
+          </a:fontRef>
+        </p:style>
+        <p:txBody>
+          <a:bodyPr rtlCol="0" anchor="ctr"/>
+          <a:lstStyle/>
+          <a:p>
+            <a:pPr algn="ctr"/>
+            <a:r>
+              <a:rPr lang="en-US" dirty="0">
+                <a:latin typeface="Calibri" panose="020F0502020204030204" pitchFamily="34" charset="0"/>
+                <a:ea typeface="Calibri" panose="020F0502020204030204" pitchFamily="34" charset="0"/>
+              </a:rPr>
+              <a:t>Burndown Chart</a:t>
+            </a:r>
+            <a:endParaRPr lang="en-US" sz="1800" dirty="0">
+              <a:effectLst/>
+              <a:latin typeface="Calibri" panose="020F0502020204030204" pitchFamily="34" charset="0"/>
+              <a:ea typeface="Calibri" panose="020F0502020204030204" pitchFamily="34" charset="0"/>
+            </a:endParaRPr>
+          </a:p>
+        </p:txBody>
+      </p:sp>
+      <p:sp>
+        <p:nvSpPr>
+          <p:cNvPr id="18" name="Elipse 17">
+            <a:extLst>
+              <a:ext uri="{FF2B5EF4-FFF2-40B4-BE49-F238E27FC236}">
+                <a16:creationId xmlns:a16="http://schemas.microsoft.com/office/drawing/2014/main" id="{FE22A0D4-5F3C-5A36-4378-855A2C5869DD}"/>
+              </a:ext>
+            </a:extLst>
+          </p:cNvPr>
+          <p:cNvSpPr/>
+          <p:nvPr/>
+        </p:nvSpPr>
+        <p:spPr>
+          <a:xfrm>
+            <a:off x="9474868" y="1237705"/>
+            <a:ext cx="2318327" cy="997528"/>
+          </a:xfrm>
+          <a:prstGeom prst="ellipse">
+            <a:avLst/>
+          </a:prstGeom>
+          <a:ln>
+            <a:solidFill>
+              <a:schemeClr val="accent2">
+                <a:lumMod val="20000"/>
+                <a:lumOff val="80000"/>
+              </a:schemeClr>
+            </a:solidFill>
+          </a:ln>
+        </p:spPr>
+        <p:style>
+          <a:lnRef idx="2">
+            <a:schemeClr val="accent1">
+              <a:shade val="15000"/>
+            </a:schemeClr>
+          </a:lnRef>
+          <a:fillRef idx="1">
+            <a:schemeClr val="accent1"/>
+          </a:fillRef>
+          <a:effectRef idx="0">
+            <a:schemeClr val="accent1"/>
+          </a:effectRef>
+          <a:fontRef idx="minor">
+            <a:schemeClr val="lt1"/>
+          </a:fontRef>
+        </p:style>
+        <p:txBody>
+          <a:bodyPr rtlCol="0" anchor="ctr"/>
+          <a:lstStyle/>
+          <a:p>
+            <a:pPr algn="ctr"/>
+            <a:r>
+              <a:rPr lang="en-US" sz="1800" dirty="0">
+                <a:effectLst/>
+                <a:latin typeface="Calibri" panose="020F0502020204030204" pitchFamily="34" charset="0"/>
+                <a:ea typeface="Calibri" panose="020F0502020204030204" pitchFamily="34" charset="0"/>
+              </a:rPr>
+              <a:t>Sprint Review</a:t>
+            </a:r>
+          </a:p>
+        </p:txBody>
+      </p:sp>
+      <p:sp>
+        <p:nvSpPr>
+          <p:cNvPr id="19" name="Elipse 18">
+            <a:extLst>
+              <a:ext uri="{FF2B5EF4-FFF2-40B4-BE49-F238E27FC236}">
+                <a16:creationId xmlns:a16="http://schemas.microsoft.com/office/drawing/2014/main" id="{2639997D-6706-4D95-1A8D-DC765AEB5561}"/>
+              </a:ext>
+            </a:extLst>
+          </p:cNvPr>
+          <p:cNvSpPr/>
+          <p:nvPr/>
+        </p:nvSpPr>
+        <p:spPr>
+          <a:xfrm>
+            <a:off x="9474868" y="2467592"/>
+            <a:ext cx="2318327" cy="997528"/>
+          </a:xfrm>
+          <a:prstGeom prst="ellipse">
+            <a:avLst/>
+          </a:prstGeom>
+          <a:ln>
+            <a:solidFill>
+              <a:schemeClr val="accent2">
+                <a:lumMod val="20000"/>
+                <a:lumOff val="80000"/>
+              </a:schemeClr>
+            </a:solidFill>
+          </a:ln>
+        </p:spPr>
+        <p:style>
+          <a:lnRef idx="2">
+            <a:schemeClr val="accent1">
+              <a:shade val="15000"/>
+            </a:schemeClr>
+          </a:lnRef>
+          <a:fillRef idx="1">
+            <a:schemeClr val="accent1"/>
+          </a:fillRef>
+          <a:effectRef idx="0">
+            <a:schemeClr val="accent1"/>
+          </a:effectRef>
+          <a:fontRef idx="minor">
+            <a:schemeClr val="lt1"/>
+          </a:fontRef>
+        </p:style>
+        <p:txBody>
+          <a:bodyPr rtlCol="0" anchor="ctr"/>
+          <a:lstStyle/>
+          <a:p>
+            <a:pPr algn="ctr"/>
+            <a:r>
+              <a:rPr lang="en-US" sz="1800" dirty="0">
+                <a:effectLst/>
+                <a:latin typeface="Calibri" panose="020F0502020204030204" pitchFamily="34" charset="0"/>
+                <a:ea typeface="Calibri" panose="020F0502020204030204" pitchFamily="34" charset="0"/>
+              </a:rPr>
+              <a:t>Sprint Retrospective</a:t>
+            </a:r>
+          </a:p>
+        </p:txBody>
+      </p:sp>
+      <p:sp>
+        <p:nvSpPr>
+          <p:cNvPr id="20" name="Elipse 19">
+            <a:extLst>
+              <a:ext uri="{FF2B5EF4-FFF2-40B4-BE49-F238E27FC236}">
+                <a16:creationId xmlns:a16="http://schemas.microsoft.com/office/drawing/2014/main" id="{E192DB18-F7FB-07F0-4D7F-7B8750584A6C}"/>
+              </a:ext>
+            </a:extLst>
+          </p:cNvPr>
+          <p:cNvSpPr/>
+          <p:nvPr/>
+        </p:nvSpPr>
+        <p:spPr>
+          <a:xfrm>
+            <a:off x="6728399" y="3815231"/>
+            <a:ext cx="2318327" cy="997528"/>
+          </a:xfrm>
+          <a:prstGeom prst="ellipse">
+            <a:avLst/>
+          </a:prstGeom>
+          <a:ln>
+            <a:solidFill>
+              <a:schemeClr val="accent2">
+                <a:lumMod val="20000"/>
+                <a:lumOff val="80000"/>
+              </a:schemeClr>
+            </a:solidFill>
+          </a:ln>
+        </p:spPr>
+        <p:style>
+          <a:lnRef idx="2">
+            <a:schemeClr val="accent1">
+              <a:shade val="15000"/>
+            </a:schemeClr>
+          </a:lnRef>
+          <a:fillRef idx="1">
+            <a:schemeClr val="accent1"/>
+          </a:fillRef>
+          <a:effectRef idx="0">
+            <a:schemeClr val="accent1"/>
+          </a:effectRef>
+          <a:fontRef idx="minor">
+            <a:schemeClr val="lt1"/>
+          </a:fontRef>
+        </p:style>
+        <p:txBody>
+          <a:bodyPr rtlCol="0" anchor="ctr"/>
+          <a:lstStyle/>
+          <a:p>
+            <a:pPr algn="ctr"/>
+            <a:r>
+              <a:rPr lang="es-CL" sz="1800" dirty="0">
+                <a:effectLst/>
+                <a:latin typeface="Calibri" panose="020F0502020204030204" pitchFamily="34" charset="0"/>
+                <a:ea typeface="Calibri" panose="020F0502020204030204" pitchFamily="34" charset="0"/>
+              </a:rPr>
+              <a:t>Meetings</a:t>
+            </a:r>
+          </a:p>
+        </p:txBody>
+      </p:sp>
+      <p:sp>
+        <p:nvSpPr>
+          <p:cNvPr id="21" name="Elipse 20">
+            <a:extLst>
+              <a:ext uri="{FF2B5EF4-FFF2-40B4-BE49-F238E27FC236}">
+                <a16:creationId xmlns:a16="http://schemas.microsoft.com/office/drawing/2014/main" id="{AC65516F-865E-1A66-EA91-08EA504A8561}"/>
+              </a:ext>
+            </a:extLst>
+          </p:cNvPr>
+          <p:cNvSpPr/>
+          <p:nvPr/>
+        </p:nvSpPr>
+        <p:spPr>
+          <a:xfrm>
+            <a:off x="9474867" y="3815231"/>
+            <a:ext cx="2318327" cy="997528"/>
+          </a:xfrm>
+          <a:prstGeom prst="ellipse">
+            <a:avLst/>
+          </a:prstGeom>
+          <a:ln>
+            <a:solidFill>
+              <a:schemeClr val="accent2">
+                <a:lumMod val="20000"/>
+                <a:lumOff val="80000"/>
+              </a:schemeClr>
+            </a:solidFill>
+          </a:ln>
+        </p:spPr>
+        <p:style>
+          <a:lnRef idx="2">
+            <a:schemeClr val="accent1">
+              <a:shade val="15000"/>
+            </a:schemeClr>
+          </a:lnRef>
+          <a:fillRef idx="1">
+            <a:schemeClr val="accent1"/>
+          </a:fillRef>
+          <a:effectRef idx="0">
+            <a:schemeClr val="accent1"/>
+          </a:effectRef>
+          <a:fontRef idx="minor">
+            <a:schemeClr val="lt1"/>
+          </a:fontRef>
+        </p:style>
+        <p:txBody>
+          <a:bodyPr rtlCol="0" anchor="ctr"/>
+          <a:lstStyle/>
+          <a:p>
+            <a:pPr algn="ctr"/>
+            <a:r>
+              <a:rPr lang="es-CL" sz="1800" dirty="0">
+                <a:effectLst/>
+                <a:latin typeface="Calibri" panose="020F0502020204030204" pitchFamily="34" charset="0"/>
+                <a:ea typeface="Calibri" panose="020F0502020204030204" pitchFamily="34" charset="0"/>
+              </a:rPr>
+              <a:t>Sprint Backlog</a:t>
             </a:r>
           </a:p>
         </p:txBody>
@@ -8817,7 +10228,7 @@
     </p:spTree>
     <p:extLst>
       <p:ext uri="{BB962C8B-B14F-4D97-AF65-F5344CB8AC3E}">
-        <p14:creationId xmlns:p14="http://schemas.microsoft.com/office/powerpoint/2010/main" val="1465258535"/>
+        <p14:creationId xmlns:p14="http://schemas.microsoft.com/office/powerpoint/2010/main" val="271385085"/>
       </p:ext>
     </p:extLst>
   </p:cSld>
@@ -9077,12 +10488,6 @@
 </file>
 
 <file path=customXml/item1.xml><?xml version="1.0" encoding="utf-8"?>
-<p:properties xmlns:p="http://schemas.microsoft.com/office/2006/metadata/properties" xmlns:xsi="http://www.w3.org/2001/XMLSchema-instance" xmlns:pc="http://schemas.microsoft.com/office/infopath/2007/PartnerControls">
-  <documentManagement/>
-</p:properties>
-</file>
-
-<file path=customXml/item2.xml><?xml version="1.0" encoding="utf-8"?>
 <ct:contentTypeSchema xmlns:ct="http://schemas.microsoft.com/office/2006/metadata/contentType" xmlns:ma="http://schemas.microsoft.com/office/2006/metadata/properties/metaAttributes" ct:_="" ma:_="" ma:contentTypeName="Documento" ma:contentTypeID="0x0101006D3C025EB336C54D99738ABA69770699" ma:contentTypeVersion="13" ma:contentTypeDescription="Crear nuevo documento." ma:contentTypeScope="" ma:versionID="70090f480e9bfd9b6622b039184045fa">
   <xsd:schema xmlns:xsd="http://www.w3.org/2001/XMLSchema" xmlns:xs="http://www.w3.org/2001/XMLSchema" xmlns:p="http://schemas.microsoft.com/office/2006/metadata/properties" xmlns:ns3="47801498-949b-4454-8258-23c305d4a262" targetNamespace="http://schemas.microsoft.com/office/2006/metadata/properties" ma:root="true" ma:fieldsID="64121c347dfb86466853bfd46c1f1763" ns3:_="">
     <xsd:import namespace="47801498-949b-4454-8258-23c305d4a262"/>
@@ -9284,6 +10689,12 @@
 </ct:contentTypeSchema>
 </file>
 
+<file path=customXml/item2.xml><?xml version="1.0" encoding="utf-8"?>
+<p:properties xmlns:p="http://schemas.microsoft.com/office/2006/metadata/properties" xmlns:xsi="http://www.w3.org/2001/XMLSchema-instance" xmlns:pc="http://schemas.microsoft.com/office/infopath/2007/PartnerControls">
+  <documentManagement/>
+</p:properties>
+</file>
+
 <file path=customXml/item3.xml><?xml version="1.0" encoding="utf-8"?>
 <?mso-contentType ?>
 <FormTemplates xmlns="http://schemas.microsoft.com/sharepoint/v3/contenttype/forms">
@@ -9294,22 +10705,6 @@
 </file>
 
 <file path=customXml/itemProps1.xml><?xml version="1.0" encoding="utf-8"?>
-<ds:datastoreItem xmlns:ds="http://schemas.openxmlformats.org/officeDocument/2006/customXml" ds:itemID="{FCC9C8BC-E775-462C-B8EF-31E3AFCDF40E}">
-  <ds:schemaRefs>
-    <ds:schemaRef ds:uri="http://schemas.openxmlformats.org/package/2006/metadata/core-properties"/>
-    <ds:schemaRef ds:uri="http://purl.org/dc/dcmitype/"/>
-    <ds:schemaRef ds:uri="http://purl.org/dc/terms/"/>
-    <ds:schemaRef ds:uri="http://schemas.microsoft.com/office/2006/metadata/properties"/>
-    <ds:schemaRef ds:uri="http://schemas.microsoft.com/office/infopath/2007/PartnerControls"/>
-    <ds:schemaRef ds:uri="http://purl.org/dc/elements/1.1/"/>
-    <ds:schemaRef ds:uri="http://schemas.microsoft.com/office/2006/documentManagement/types"/>
-    <ds:schemaRef ds:uri="47801498-949b-4454-8258-23c305d4a262"/>
-    <ds:schemaRef ds:uri="http://www.w3.org/XML/1998/namespace"/>
-  </ds:schemaRefs>
-</ds:datastoreItem>
-</file>
-
-<file path=customXml/itemProps2.xml><?xml version="1.0" encoding="utf-8"?>
 <ds:datastoreItem xmlns:ds="http://schemas.openxmlformats.org/officeDocument/2006/customXml" ds:itemID="{CF8E1EB6-11DD-4C76-9D1D-A96910C70864}">
   <ds:schemaRefs>
     <ds:schemaRef ds:uri="http://schemas.microsoft.com/office/2006/metadata/contentType"/>
@@ -9327,6 +10722,22 @@
 </ds:datastoreItem>
 </file>
 
+<file path=customXml/itemProps2.xml><?xml version="1.0" encoding="utf-8"?>
+<ds:datastoreItem xmlns:ds="http://schemas.openxmlformats.org/officeDocument/2006/customXml" ds:itemID="{FCC9C8BC-E775-462C-B8EF-31E3AFCDF40E}">
+  <ds:schemaRefs>
+    <ds:schemaRef ds:uri="http://schemas.openxmlformats.org/package/2006/metadata/core-properties"/>
+    <ds:schemaRef ds:uri="http://purl.org/dc/dcmitype/"/>
+    <ds:schemaRef ds:uri="http://purl.org/dc/terms/"/>
+    <ds:schemaRef ds:uri="http://schemas.microsoft.com/office/2006/metadata/properties"/>
+    <ds:schemaRef ds:uri="http://schemas.microsoft.com/office/infopath/2007/PartnerControls"/>
+    <ds:schemaRef ds:uri="http://purl.org/dc/elements/1.1/"/>
+    <ds:schemaRef ds:uri="http://schemas.microsoft.com/office/2006/documentManagement/types"/>
+    <ds:schemaRef ds:uri="47801498-949b-4454-8258-23c305d4a262"/>
+    <ds:schemaRef ds:uri="http://www.w3.org/XML/1998/namespace"/>
+  </ds:schemaRefs>
+</ds:datastoreItem>
+</file>
+
 <file path=customXml/itemProps3.xml><?xml version="1.0" encoding="utf-8"?>
 <ds:datastoreItem xmlns:ds="http://schemas.openxmlformats.org/officeDocument/2006/customXml" ds:itemID="{77D27035-3B9B-4C54-A982-E0B665C55024}">
   <ds:schemaRefs>
